--- a/Laboratories/Lab5/Huckel_MO_Workshop.pptx
+++ b/Laboratories/Lab5/Huckel_MO_Workshop.pptx
@@ -5,7 +5,7 @@
     <p:sldMasterId id="2147483648" r:id="rId1"/>
   </p:sldMasterIdLst>
   <p:notesMasterIdLst>
-    <p:notesMasterId r:id="rId13"/>
+    <p:notesMasterId r:id="rId16"/>
   </p:notesMasterIdLst>
   <p:sldIdLst>
     <p:sldId id="256" r:id="rId2"/>
@@ -19,6 +19,9 @@
     <p:sldId id="287" r:id="rId10"/>
     <p:sldId id="296" r:id="rId11"/>
     <p:sldId id="297" r:id="rId12"/>
+    <p:sldId id="299" r:id="rId13"/>
+    <p:sldId id="300" r:id="rId14"/>
+    <p:sldId id="298" r:id="rId15"/>
   </p:sldIdLst>
   <p:sldSz cx="9144000" cy="6858000" type="screen4x3"/>
   <p:notesSz cx="6858000" cy="9144000"/>
@@ -117,6 +120,22 @@
       </a:defRPr>
     </a:lvl9pPr>
   </p:defaultTextStyle>
+  <p:extLst>
+    <p:ext uri="{EFAFB233-063F-42B5-8137-9DF3F51BA10A}">
+      <p15:sldGuideLst xmlns:p15="http://schemas.microsoft.com/office/powerpoint/2012/main">
+        <p15:guide id="1" orient="horz" pos="2160">
+          <p15:clr>
+            <a:srgbClr val="A4A3A4"/>
+          </p15:clr>
+        </p15:guide>
+        <p15:guide id="2" pos="2880">
+          <p15:clr>
+            <a:srgbClr val="A4A3A4"/>
+          </p15:clr>
+        </p15:guide>
+      </p15:sldGuideLst>
+    </p:ext>
+  </p:extLst>
 </p:presentation>
 </file>
 
@@ -203,7 +222,7 @@
             <a:fld id="{E5C71FD9-B322-2549-9400-AF0C57474107}" type="datetimeFigureOut">
               <a:rPr lang="en-US" smtClean="0"/>
               <a:pPr/>
-              <a:t>11/10/14</a:t>
+              <a:t>12/3/20</a:t>
             </a:fld>
             <a:endParaRPr lang="en-US"/>
           </a:p>
@@ -269,38 +288,37 @@
           <a:p>
             <a:pPr lvl="0"/>
             <a:r>
-              <a:rPr lang="en-US" smtClean="0"/>
+              <a:rPr lang="en-US"/>
               <a:t>Click to edit Master text styles</a:t>
             </a:r>
           </a:p>
           <a:p>
             <a:pPr lvl="1"/>
             <a:r>
-              <a:rPr lang="en-US" smtClean="0"/>
+              <a:rPr lang="en-US"/>
               <a:t>Second level</a:t>
             </a:r>
           </a:p>
           <a:p>
             <a:pPr lvl="2"/>
             <a:r>
-              <a:rPr lang="en-US" smtClean="0"/>
+              <a:rPr lang="en-US"/>
               <a:t>Third level</a:t>
             </a:r>
           </a:p>
           <a:p>
             <a:pPr lvl="3"/>
             <a:r>
-              <a:rPr lang="en-US" smtClean="0"/>
+              <a:rPr lang="en-US"/>
               <a:t>Fourth level</a:t>
             </a:r>
           </a:p>
           <a:p>
             <a:pPr lvl="4"/>
             <a:r>
-              <a:rPr lang="en-US" smtClean="0"/>
+              <a:rPr lang="en-US"/>
               <a:t>Fifth level</a:t>
             </a:r>
-            <a:endParaRPr lang="en-US"/>
           </a:p>
         </p:txBody>
       </p:sp>
@@ -547,7 +565,7 @@
           <a:bodyPr wrap="none" anchor="ctr"/>
           <a:lstStyle/>
           <a:p>
-            <a:endParaRPr lang="en-US" dirty="0" smtClean="0"/>
+            <a:endParaRPr lang="en-US" dirty="0"/>
           </a:p>
         </p:txBody>
       </p:sp>
@@ -597,10 +615,9 @@
           <a:lstStyle/>
           <a:p>
             <a:r>
-              <a:rPr lang="en-US" smtClean="0"/>
+              <a:rPr lang="en-US"/>
               <a:t>Click to edit Master title style</a:t>
             </a:r>
-            <a:endParaRPr lang="en-US"/>
           </a:p>
         </p:txBody>
       </p:sp>
@@ -716,10 +733,9 @@
           </a:lstStyle>
           <a:p>
             <a:r>
-              <a:rPr lang="en-US" smtClean="0"/>
+              <a:rPr lang="en-US"/>
               <a:t>Click to edit Master subtitle style</a:t>
             </a:r>
-            <a:endParaRPr lang="en-US"/>
           </a:p>
         </p:txBody>
       </p:sp>
@@ -741,7 +757,7 @@
             <a:fld id="{A3417F39-3343-D34D-887C-91D887A1DE4F}" type="datetimeFigureOut">
               <a:rPr lang="en-US" smtClean="0"/>
               <a:pPr/>
-              <a:t>11/10/14</a:t>
+              <a:t>12/3/20</a:t>
             </a:fld>
             <a:endParaRPr lang="en-US"/>
           </a:p>
@@ -831,10 +847,9 @@
           <a:lstStyle/>
           <a:p>
             <a:r>
-              <a:rPr lang="en-US" smtClean="0"/>
+              <a:rPr lang="en-US"/>
               <a:t>Click to edit Master title style</a:t>
             </a:r>
-            <a:endParaRPr lang="en-US"/>
           </a:p>
         </p:txBody>
       </p:sp>
@@ -855,38 +870,37 @@
           <a:p>
             <a:pPr lvl="0"/>
             <a:r>
-              <a:rPr lang="en-US" smtClean="0"/>
+              <a:rPr lang="en-US"/>
               <a:t>Click to edit Master text styles</a:t>
             </a:r>
           </a:p>
           <a:p>
             <a:pPr lvl="1"/>
             <a:r>
-              <a:rPr lang="en-US" smtClean="0"/>
+              <a:rPr lang="en-US"/>
               <a:t>Second level</a:t>
             </a:r>
           </a:p>
           <a:p>
             <a:pPr lvl="2"/>
             <a:r>
-              <a:rPr lang="en-US" smtClean="0"/>
+              <a:rPr lang="en-US"/>
               <a:t>Third level</a:t>
             </a:r>
           </a:p>
           <a:p>
             <a:pPr lvl="3"/>
             <a:r>
-              <a:rPr lang="en-US" smtClean="0"/>
+              <a:rPr lang="en-US"/>
               <a:t>Fourth level</a:t>
             </a:r>
           </a:p>
           <a:p>
             <a:pPr lvl="4"/>
             <a:r>
-              <a:rPr lang="en-US" smtClean="0"/>
+              <a:rPr lang="en-US"/>
               <a:t>Fifth level</a:t>
             </a:r>
-            <a:endParaRPr lang="en-US"/>
           </a:p>
         </p:txBody>
       </p:sp>
@@ -908,7 +922,7 @@
             <a:fld id="{A3417F39-3343-D34D-887C-91D887A1DE4F}" type="datetimeFigureOut">
               <a:rPr lang="en-US" smtClean="0"/>
               <a:pPr/>
-              <a:t>11/10/14</a:t>
+              <a:t>12/3/20</a:t>
             </a:fld>
             <a:endParaRPr lang="en-US"/>
           </a:p>
@@ -1003,10 +1017,9 @@
           <a:lstStyle/>
           <a:p>
             <a:r>
-              <a:rPr lang="en-US" smtClean="0"/>
+              <a:rPr lang="en-US"/>
               <a:t>Click to edit Master title style</a:t>
             </a:r>
-            <a:endParaRPr lang="en-US"/>
           </a:p>
         </p:txBody>
       </p:sp>
@@ -1032,38 +1045,37 @@
           <a:p>
             <a:pPr lvl="0"/>
             <a:r>
-              <a:rPr lang="en-US" smtClean="0"/>
+              <a:rPr lang="en-US"/>
               <a:t>Click to edit Master text styles</a:t>
             </a:r>
           </a:p>
           <a:p>
             <a:pPr lvl="1"/>
             <a:r>
-              <a:rPr lang="en-US" smtClean="0"/>
+              <a:rPr lang="en-US"/>
               <a:t>Second level</a:t>
             </a:r>
           </a:p>
           <a:p>
             <a:pPr lvl="2"/>
             <a:r>
-              <a:rPr lang="en-US" smtClean="0"/>
+              <a:rPr lang="en-US"/>
               <a:t>Third level</a:t>
             </a:r>
           </a:p>
           <a:p>
             <a:pPr lvl="3"/>
             <a:r>
-              <a:rPr lang="en-US" smtClean="0"/>
+              <a:rPr lang="en-US"/>
               <a:t>Fourth level</a:t>
             </a:r>
           </a:p>
           <a:p>
             <a:pPr lvl="4"/>
             <a:r>
-              <a:rPr lang="en-US" smtClean="0"/>
+              <a:rPr lang="en-US"/>
               <a:t>Fifth level</a:t>
             </a:r>
-            <a:endParaRPr lang="en-US"/>
           </a:p>
         </p:txBody>
       </p:sp>
@@ -1085,7 +1097,7 @@
             <a:fld id="{A3417F39-3343-D34D-887C-91D887A1DE4F}" type="datetimeFigureOut">
               <a:rPr lang="en-US" smtClean="0"/>
               <a:pPr/>
-              <a:t>11/10/14</a:t>
+              <a:t>12/3/20</a:t>
             </a:fld>
             <a:endParaRPr lang="en-US"/>
           </a:p>
@@ -1175,10 +1187,9 @@
           <a:lstStyle/>
           <a:p>
             <a:r>
-              <a:rPr lang="en-US" smtClean="0"/>
+              <a:rPr lang="en-US"/>
               <a:t>Click to edit Master title style</a:t>
             </a:r>
-            <a:endParaRPr lang="en-US"/>
           </a:p>
         </p:txBody>
       </p:sp>
@@ -1199,38 +1210,37 @@
           <a:p>
             <a:pPr lvl="0"/>
             <a:r>
-              <a:rPr lang="en-US" smtClean="0"/>
+              <a:rPr lang="en-US"/>
               <a:t>Click to edit Master text styles</a:t>
             </a:r>
           </a:p>
           <a:p>
             <a:pPr lvl="1"/>
             <a:r>
-              <a:rPr lang="en-US" smtClean="0"/>
+              <a:rPr lang="en-US"/>
               <a:t>Second level</a:t>
             </a:r>
           </a:p>
           <a:p>
             <a:pPr lvl="2"/>
             <a:r>
-              <a:rPr lang="en-US" smtClean="0"/>
+              <a:rPr lang="en-US"/>
               <a:t>Third level</a:t>
             </a:r>
           </a:p>
           <a:p>
             <a:pPr lvl="3"/>
             <a:r>
-              <a:rPr lang="en-US" smtClean="0"/>
+              <a:rPr lang="en-US"/>
               <a:t>Fourth level</a:t>
             </a:r>
           </a:p>
           <a:p>
             <a:pPr lvl="4"/>
             <a:r>
-              <a:rPr lang="en-US" smtClean="0"/>
+              <a:rPr lang="en-US"/>
               <a:t>Fifth level</a:t>
             </a:r>
-            <a:endParaRPr lang="en-US"/>
           </a:p>
         </p:txBody>
       </p:sp>
@@ -1252,7 +1262,7 @@
             <a:fld id="{A3417F39-3343-D34D-887C-91D887A1DE4F}" type="datetimeFigureOut">
               <a:rPr lang="en-US" smtClean="0"/>
               <a:pPr/>
-              <a:t>11/10/14</a:t>
+              <a:t>12/3/20</a:t>
             </a:fld>
             <a:endParaRPr lang="en-US"/>
           </a:p>
@@ -1351,10 +1361,9 @@
           </a:lstStyle>
           <a:p>
             <a:r>
-              <a:rPr lang="en-US" smtClean="0"/>
+              <a:rPr lang="en-US"/>
               <a:t>Click to edit Master title style</a:t>
             </a:r>
-            <a:endParaRPr lang="en-US"/>
           </a:p>
         </p:txBody>
       </p:sp>
@@ -1471,7 +1480,7 @@
           <a:p>
             <a:pPr lvl="0"/>
             <a:r>
-              <a:rPr lang="en-US" smtClean="0"/>
+              <a:rPr lang="en-US"/>
               <a:t>Click to edit Master text styles</a:t>
             </a:r>
           </a:p>
@@ -1495,7 +1504,7 @@
             <a:fld id="{A3417F39-3343-D34D-887C-91D887A1DE4F}" type="datetimeFigureOut">
               <a:rPr lang="en-US" smtClean="0"/>
               <a:pPr/>
-              <a:t>11/10/14</a:t>
+              <a:t>12/3/20</a:t>
             </a:fld>
             <a:endParaRPr lang="en-US"/>
           </a:p>
@@ -1585,10 +1594,9 @@
           <a:lstStyle/>
           <a:p>
             <a:r>
-              <a:rPr lang="en-US" smtClean="0"/>
+              <a:rPr lang="en-US"/>
               <a:t>Click to edit Master title style</a:t>
             </a:r>
-            <a:endParaRPr lang="en-US"/>
           </a:p>
         </p:txBody>
       </p:sp>
@@ -1642,38 +1650,37 @@
           <a:p>
             <a:pPr lvl="0"/>
             <a:r>
-              <a:rPr lang="en-US" smtClean="0"/>
+              <a:rPr lang="en-US"/>
               <a:t>Click to edit Master text styles</a:t>
             </a:r>
           </a:p>
           <a:p>
             <a:pPr lvl="1"/>
             <a:r>
-              <a:rPr lang="en-US" smtClean="0"/>
+              <a:rPr lang="en-US"/>
               <a:t>Second level</a:t>
             </a:r>
           </a:p>
           <a:p>
             <a:pPr lvl="2"/>
             <a:r>
-              <a:rPr lang="en-US" smtClean="0"/>
+              <a:rPr lang="en-US"/>
               <a:t>Third level</a:t>
             </a:r>
           </a:p>
           <a:p>
             <a:pPr lvl="3"/>
             <a:r>
-              <a:rPr lang="en-US" smtClean="0"/>
+              <a:rPr lang="en-US"/>
               <a:t>Fourth level</a:t>
             </a:r>
           </a:p>
           <a:p>
             <a:pPr lvl="4"/>
             <a:r>
-              <a:rPr lang="en-US" smtClean="0"/>
+              <a:rPr lang="en-US"/>
               <a:t>Fifth level</a:t>
             </a:r>
-            <a:endParaRPr lang="en-US"/>
           </a:p>
         </p:txBody>
       </p:sp>
@@ -1727,38 +1734,37 @@
           <a:p>
             <a:pPr lvl="0"/>
             <a:r>
-              <a:rPr lang="en-US" smtClean="0"/>
+              <a:rPr lang="en-US"/>
               <a:t>Click to edit Master text styles</a:t>
             </a:r>
           </a:p>
           <a:p>
             <a:pPr lvl="1"/>
             <a:r>
-              <a:rPr lang="en-US" smtClean="0"/>
+              <a:rPr lang="en-US"/>
               <a:t>Second level</a:t>
             </a:r>
           </a:p>
           <a:p>
             <a:pPr lvl="2"/>
             <a:r>
-              <a:rPr lang="en-US" smtClean="0"/>
+              <a:rPr lang="en-US"/>
               <a:t>Third level</a:t>
             </a:r>
           </a:p>
           <a:p>
             <a:pPr lvl="3"/>
             <a:r>
-              <a:rPr lang="en-US" smtClean="0"/>
+              <a:rPr lang="en-US"/>
               <a:t>Fourth level</a:t>
             </a:r>
           </a:p>
           <a:p>
             <a:pPr lvl="4"/>
             <a:r>
-              <a:rPr lang="en-US" smtClean="0"/>
+              <a:rPr lang="en-US"/>
               <a:t>Fifth level</a:t>
             </a:r>
-            <a:endParaRPr lang="en-US"/>
           </a:p>
         </p:txBody>
       </p:sp>
@@ -1780,7 +1786,7 @@
             <a:fld id="{A3417F39-3343-D34D-887C-91D887A1DE4F}" type="datetimeFigureOut">
               <a:rPr lang="en-US" smtClean="0"/>
               <a:pPr/>
-              <a:t>11/10/14</a:t>
+              <a:t>12/3/20</a:t>
             </a:fld>
             <a:endParaRPr lang="en-US"/>
           </a:p>
@@ -1874,10 +1880,9 @@
           </a:lstStyle>
           <a:p>
             <a:r>
-              <a:rPr lang="en-US" smtClean="0"/>
+              <a:rPr lang="en-US"/>
               <a:t>Click to edit Master title style</a:t>
             </a:r>
-            <a:endParaRPr lang="en-US"/>
           </a:p>
         </p:txBody>
       </p:sp>
@@ -1940,7 +1945,7 @@
           <a:p>
             <a:pPr lvl="0"/>
             <a:r>
-              <a:rPr lang="en-US" smtClean="0"/>
+              <a:rPr lang="en-US"/>
               <a:t>Click to edit Master text styles</a:t>
             </a:r>
           </a:p>
@@ -1996,38 +2001,37 @@
           <a:p>
             <a:pPr lvl="0"/>
             <a:r>
-              <a:rPr lang="en-US" smtClean="0"/>
+              <a:rPr lang="en-US"/>
               <a:t>Click to edit Master text styles</a:t>
             </a:r>
           </a:p>
           <a:p>
             <a:pPr lvl="1"/>
             <a:r>
-              <a:rPr lang="en-US" smtClean="0"/>
+              <a:rPr lang="en-US"/>
               <a:t>Second level</a:t>
             </a:r>
           </a:p>
           <a:p>
             <a:pPr lvl="2"/>
             <a:r>
-              <a:rPr lang="en-US" smtClean="0"/>
+              <a:rPr lang="en-US"/>
               <a:t>Third level</a:t>
             </a:r>
           </a:p>
           <a:p>
             <a:pPr lvl="3"/>
             <a:r>
-              <a:rPr lang="en-US" smtClean="0"/>
+              <a:rPr lang="en-US"/>
               <a:t>Fourth level</a:t>
             </a:r>
           </a:p>
           <a:p>
             <a:pPr lvl="4"/>
             <a:r>
-              <a:rPr lang="en-US" smtClean="0"/>
+              <a:rPr lang="en-US"/>
               <a:t>Fifth level</a:t>
             </a:r>
-            <a:endParaRPr lang="en-US"/>
           </a:p>
         </p:txBody>
       </p:sp>
@@ -2090,7 +2094,7 @@
           <a:p>
             <a:pPr lvl="0"/>
             <a:r>
-              <a:rPr lang="en-US" smtClean="0"/>
+              <a:rPr lang="en-US"/>
               <a:t>Click to edit Master text styles</a:t>
             </a:r>
           </a:p>
@@ -2146,38 +2150,37 @@
           <a:p>
             <a:pPr lvl="0"/>
             <a:r>
-              <a:rPr lang="en-US" smtClean="0"/>
+              <a:rPr lang="en-US"/>
               <a:t>Click to edit Master text styles</a:t>
             </a:r>
           </a:p>
           <a:p>
             <a:pPr lvl="1"/>
             <a:r>
-              <a:rPr lang="en-US" smtClean="0"/>
+              <a:rPr lang="en-US"/>
               <a:t>Second level</a:t>
             </a:r>
           </a:p>
           <a:p>
             <a:pPr lvl="2"/>
             <a:r>
-              <a:rPr lang="en-US" smtClean="0"/>
+              <a:rPr lang="en-US"/>
               <a:t>Third level</a:t>
             </a:r>
           </a:p>
           <a:p>
             <a:pPr lvl="3"/>
             <a:r>
-              <a:rPr lang="en-US" smtClean="0"/>
+              <a:rPr lang="en-US"/>
               <a:t>Fourth level</a:t>
             </a:r>
           </a:p>
           <a:p>
             <a:pPr lvl="4"/>
             <a:r>
-              <a:rPr lang="en-US" smtClean="0"/>
+              <a:rPr lang="en-US"/>
               <a:t>Fifth level</a:t>
             </a:r>
-            <a:endParaRPr lang="en-US"/>
           </a:p>
         </p:txBody>
       </p:sp>
@@ -2199,7 +2202,7 @@
             <a:fld id="{A3417F39-3343-D34D-887C-91D887A1DE4F}" type="datetimeFigureOut">
               <a:rPr lang="en-US" smtClean="0"/>
               <a:pPr/>
-              <a:t>11/10/14</a:t>
+              <a:t>12/3/20</a:t>
             </a:fld>
             <a:endParaRPr lang="en-US"/>
           </a:p>
@@ -2289,10 +2292,9 @@
           <a:lstStyle/>
           <a:p>
             <a:r>
-              <a:rPr lang="en-US" smtClean="0"/>
+              <a:rPr lang="en-US"/>
               <a:t>Click to edit Master title style</a:t>
             </a:r>
-            <a:endParaRPr lang="en-US"/>
           </a:p>
         </p:txBody>
       </p:sp>
@@ -2314,7 +2316,7 @@
             <a:fld id="{A3417F39-3343-D34D-887C-91D887A1DE4F}" type="datetimeFigureOut">
               <a:rPr lang="en-US" smtClean="0"/>
               <a:pPr/>
-              <a:t>11/10/14</a:t>
+              <a:t>12/3/20</a:t>
             </a:fld>
             <a:endParaRPr lang="en-US"/>
           </a:p>
@@ -2406,7 +2408,7 @@
             <a:fld id="{A3417F39-3343-D34D-887C-91D887A1DE4F}" type="datetimeFigureOut">
               <a:rPr lang="en-US" smtClean="0"/>
               <a:pPr/>
-              <a:t>11/10/14</a:t>
+              <a:t>12/3/20</a:t>
             </a:fld>
             <a:endParaRPr lang="en-US"/>
           </a:p>
@@ -2505,10 +2507,9 @@
           </a:lstStyle>
           <a:p>
             <a:r>
-              <a:rPr lang="en-US" smtClean="0"/>
+              <a:rPr lang="en-US"/>
               <a:t>Click to edit Master title style</a:t>
             </a:r>
-            <a:endParaRPr lang="en-US"/>
           </a:p>
         </p:txBody>
       </p:sp>
@@ -2562,38 +2563,37 @@
           <a:p>
             <a:pPr lvl="0"/>
             <a:r>
-              <a:rPr lang="en-US" smtClean="0"/>
+              <a:rPr lang="en-US"/>
               <a:t>Click to edit Master text styles</a:t>
             </a:r>
           </a:p>
           <a:p>
             <a:pPr lvl="1"/>
             <a:r>
-              <a:rPr lang="en-US" smtClean="0"/>
+              <a:rPr lang="en-US"/>
               <a:t>Second level</a:t>
             </a:r>
           </a:p>
           <a:p>
             <a:pPr lvl="2"/>
             <a:r>
-              <a:rPr lang="en-US" smtClean="0"/>
+              <a:rPr lang="en-US"/>
               <a:t>Third level</a:t>
             </a:r>
           </a:p>
           <a:p>
             <a:pPr lvl="3"/>
             <a:r>
-              <a:rPr lang="en-US" smtClean="0"/>
+              <a:rPr lang="en-US"/>
               <a:t>Fourth level</a:t>
             </a:r>
           </a:p>
           <a:p>
             <a:pPr lvl="4"/>
             <a:r>
-              <a:rPr lang="en-US" smtClean="0"/>
+              <a:rPr lang="en-US"/>
               <a:t>Fifth level</a:t>
             </a:r>
-            <a:endParaRPr lang="en-US"/>
           </a:p>
         </p:txBody>
       </p:sp>
@@ -2656,7 +2656,7 @@
           <a:p>
             <a:pPr lvl="0"/>
             <a:r>
-              <a:rPr lang="en-US" smtClean="0"/>
+              <a:rPr lang="en-US"/>
               <a:t>Click to edit Master text styles</a:t>
             </a:r>
           </a:p>
@@ -2680,7 +2680,7 @@
             <a:fld id="{A3417F39-3343-D34D-887C-91D887A1DE4F}" type="datetimeFigureOut">
               <a:rPr lang="en-US" smtClean="0"/>
               <a:pPr/>
-              <a:t>11/10/14</a:t>
+              <a:t>12/3/20</a:t>
             </a:fld>
             <a:endParaRPr lang="en-US"/>
           </a:p>
@@ -2779,10 +2779,9 @@
           </a:lstStyle>
           <a:p>
             <a:r>
-              <a:rPr lang="en-US" smtClean="0"/>
+              <a:rPr lang="en-US"/>
               <a:t>Click to edit Master title style</a:t>
             </a:r>
-            <a:endParaRPr lang="en-US"/>
           </a:p>
         </p:txBody>
       </p:sp>
@@ -2906,7 +2905,7 @@
           <a:p>
             <a:pPr lvl="0"/>
             <a:r>
-              <a:rPr lang="en-US" smtClean="0"/>
+              <a:rPr lang="en-US"/>
               <a:t>Click to edit Master text styles</a:t>
             </a:r>
           </a:p>
@@ -2930,7 +2929,7 @@
             <a:fld id="{A3417F39-3343-D34D-887C-91D887A1DE4F}" type="datetimeFigureOut">
               <a:rPr lang="en-US" smtClean="0"/>
               <a:pPr/>
-              <a:t>11/10/14</a:t>
+              <a:t>12/3/20</a:t>
             </a:fld>
             <a:endParaRPr lang="en-US"/>
           </a:p>
@@ -3035,10 +3034,9 @@
           <a:lstStyle/>
           <a:p>
             <a:r>
-              <a:rPr lang="en-US" smtClean="0"/>
+              <a:rPr lang="en-US"/>
               <a:t>Click to edit Master title style</a:t>
             </a:r>
-            <a:endParaRPr lang="en-US"/>
           </a:p>
         </p:txBody>
       </p:sp>
@@ -3069,38 +3067,37 @@
           <a:p>
             <a:pPr lvl="0"/>
             <a:r>
-              <a:rPr lang="en-US" smtClean="0"/>
+              <a:rPr lang="en-US"/>
               <a:t>Click to edit Master text styles</a:t>
             </a:r>
           </a:p>
           <a:p>
             <a:pPr lvl="1"/>
             <a:r>
-              <a:rPr lang="en-US" smtClean="0"/>
+              <a:rPr lang="en-US"/>
               <a:t>Second level</a:t>
             </a:r>
           </a:p>
           <a:p>
             <a:pPr lvl="2"/>
             <a:r>
-              <a:rPr lang="en-US" smtClean="0"/>
+              <a:rPr lang="en-US"/>
               <a:t>Third level</a:t>
             </a:r>
           </a:p>
           <a:p>
             <a:pPr lvl="3"/>
             <a:r>
-              <a:rPr lang="en-US" smtClean="0"/>
+              <a:rPr lang="en-US"/>
               <a:t>Fourth level</a:t>
             </a:r>
           </a:p>
           <a:p>
             <a:pPr lvl="4"/>
             <a:r>
-              <a:rPr lang="en-US" smtClean="0"/>
+              <a:rPr lang="en-US"/>
               <a:t>Fifth level</a:t>
             </a:r>
-            <a:endParaRPr lang="en-US"/>
           </a:p>
         </p:txBody>
       </p:sp>
@@ -3140,7 +3137,7 @@
             <a:fld id="{A3417F39-3343-D34D-887C-91D887A1DE4F}" type="datetimeFigureOut">
               <a:rPr lang="en-US" smtClean="0"/>
               <a:pPr/>
-              <a:t>11/10/14</a:t>
+              <a:t>12/3/20</a:t>
             </a:fld>
             <a:endParaRPr lang="en-US"/>
           </a:p>
@@ -3565,18 +3562,11 @@
               </a:tabLst>
             </a:pPr>
             <a:r>
-              <a:rPr lang="en-US" sz="3600" dirty="0" smtClean="0">
+              <a:rPr lang="en-US" sz="3600" dirty="0">
                 <a:latin typeface="Times New Roman"/>
                 <a:cs typeface="Times New Roman"/>
               </a:rPr>
-              <a:t>Qualitative Molecular </a:t>
-            </a:r>
-            <a:r>
-              <a:rPr lang="en-US" sz="3600" dirty="0" smtClean="0">
-                <a:latin typeface="Times New Roman"/>
-                <a:cs typeface="Times New Roman"/>
-              </a:rPr>
-              <a:t>Orbitals on a Computer</a:t>
+              <a:t>Qualitative Molecular Orbitals on a Computer</a:t>
             </a:r>
             <a:endParaRPr lang="en-US" sz="3600" dirty="0">
               <a:solidFill>
@@ -3710,11 +3700,11 @@
   <p:clrMapOvr>
     <a:masterClrMapping/>
   </p:clrMapOvr>
-  <p:transition xmlns:p14="http://schemas.microsoft.com/office/powerpoint/2010/main" spd="med"/>
+  <p:transition spd="med"/>
   <p:timing>
     <p:tnLst>
       <p:par>
-        <p:cTn xmlns:p14="http://schemas.microsoft.com/office/powerpoint/2010/main" id="1" dur="indefinite" restart="never" nodeType="tmRoot">
+        <p:cTn id="1" dur="indefinite" restart="never" nodeType="tmRoot">
           <p:childTnLst>
             <p:seq concurrent="1" nextAc="seek">
               <p:cTn id="2" dur="0" nodeType="mainSeq"/>
@@ -3811,7 +3801,7 @@
                 <a:tab pos="10488613" algn="l"/>
               </a:tabLst>
             </a:pPr>
-            <a:endParaRPr lang="en-GB" sz="1200" dirty="0" smtClean="0">
+            <a:endParaRPr lang="en-GB" sz="1200" dirty="0">
               <a:solidFill>
                 <a:srgbClr val="000000"/>
               </a:solidFill>
@@ -3845,7 +3835,7 @@
               </a:tabLst>
             </a:pPr>
             <a:r>
-              <a:rPr lang="en-GB" sz="3200" dirty="0" smtClean="0">
+              <a:rPr lang="en-GB" sz="3200" dirty="0">
                 <a:solidFill>
                   <a:srgbClr val="000000"/>
                 </a:solidFill>
@@ -3855,7 +3845,7 @@
               <a:t>Write down the </a:t>
             </a:r>
             <a:r>
-              <a:rPr lang="en-GB" sz="3200" dirty="0" err="1" smtClean="0">
+              <a:rPr lang="en-GB" sz="3200" dirty="0" err="1">
                 <a:solidFill>
                   <a:srgbClr val="000000"/>
                 </a:solidFill>
@@ -3865,7 +3855,7 @@
               <a:t>Huckel</a:t>
             </a:r>
             <a:r>
-              <a:rPr lang="en-GB" sz="3200" dirty="0" smtClean="0">
+              <a:rPr lang="en-GB" sz="3200" dirty="0">
                 <a:solidFill>
                   <a:srgbClr val="000000"/>
                 </a:solidFill>
@@ -3874,7 +3864,7 @@
               </a:rPr>
               <a:t> Hamiltonian for:</a:t>
             </a:r>
-            <a:endParaRPr lang="en-GB" sz="3200" b="1" dirty="0" smtClean="0">
+            <a:endParaRPr lang="en-GB" sz="3200" b="1" dirty="0">
               <a:solidFill>
                 <a:srgbClr val="000000"/>
               </a:solidFill>
@@ -3935,38 +3925,14 @@
               </a:tabLst>
             </a:pPr>
             <a:r>
-              <a:rPr lang="en-GB" sz="4000" dirty="0" smtClean="0">
+              <a:rPr lang="en-GB" sz="4000" dirty="0">
                 <a:solidFill>
                   <a:srgbClr val="000000"/>
                 </a:solidFill>
                 <a:latin typeface="Times New Roman" pitchFamily="18" charset="0"/>
               </a:rPr>
-              <a:t>The </a:t>
-            </a:r>
-            <a:r>
-              <a:rPr lang="en-GB" sz="4000" dirty="0" smtClean="0">
-                <a:solidFill>
-                  <a:srgbClr val="000000"/>
-                </a:solidFill>
-                <a:latin typeface="Times New Roman" pitchFamily="18" charset="0"/>
-              </a:rPr>
-              <a:t>Molecular Orbital </a:t>
-            </a:r>
-            <a:r>
-              <a:rPr lang="en-GB" sz="4000" dirty="0" smtClean="0">
-                <a:solidFill>
-                  <a:srgbClr val="000000"/>
-                </a:solidFill>
-                <a:latin typeface="Times New Roman" pitchFamily="18" charset="0"/>
-              </a:rPr>
-              <a:t>Model</a:t>
-            </a:r>
-            <a:endParaRPr lang="en-GB" sz="4000" dirty="0">
-              <a:solidFill>
-                <a:srgbClr val="000000"/>
-              </a:solidFill>
-              <a:latin typeface="Times New Roman" pitchFamily="18" charset="0"/>
-            </a:endParaRPr>
+              <a:t>The Molecular Orbital Model</a:t>
+            </a:r>
           </a:p>
         </p:txBody>
       </p:sp>
@@ -4055,7 +4021,7 @@
                 <a:tab pos="10488613" algn="l"/>
               </a:tabLst>
             </a:pPr>
-            <a:endParaRPr lang="en-GB" sz="1200" dirty="0" smtClean="0">
+            <a:endParaRPr lang="en-GB" sz="1200" dirty="0">
               <a:solidFill>
                 <a:srgbClr val="000000"/>
               </a:solidFill>
@@ -4089,7 +4055,7 @@
               </a:tabLst>
             </a:pPr>
             <a:r>
-              <a:rPr lang="en-GB" sz="3200" dirty="0" smtClean="0">
+              <a:rPr lang="en-GB" sz="3200" dirty="0">
                 <a:solidFill>
                   <a:srgbClr val="000000"/>
                 </a:solidFill>
@@ -4099,7 +4065,7 @@
               <a:t>Get the </a:t>
             </a:r>
             <a:r>
-              <a:rPr lang="en-GB" sz="3200" b="1" dirty="0" smtClean="0">
+              <a:rPr lang="en-GB" sz="3200" b="1" dirty="0">
                 <a:solidFill>
                   <a:srgbClr val="000000"/>
                 </a:solidFill>
@@ -4109,7 +4075,7 @@
               <a:t>C</a:t>
             </a:r>
             <a:r>
-              <a:rPr lang="en-GB" sz="3200" dirty="0" smtClean="0">
+              <a:rPr lang="en-GB" sz="3200" dirty="0">
                 <a:solidFill>
                   <a:srgbClr val="000000"/>
                 </a:solidFill>
@@ -4119,7 +4085,7 @@
               <a:t> </a:t>
             </a:r>
             <a:r>
-              <a:rPr lang="en-GB" sz="3200" dirty="0" err="1" smtClean="0">
+              <a:rPr lang="en-GB" sz="3200" dirty="0" err="1">
                 <a:solidFill>
                   <a:srgbClr val="000000"/>
                 </a:solidFill>
@@ -4129,7 +4095,7 @@
               <a:t>matricies</a:t>
             </a:r>
             <a:r>
-              <a:rPr lang="en-GB" sz="3200" dirty="0" smtClean="0">
+              <a:rPr lang="en-GB" sz="3200" dirty="0">
                 <a:solidFill>
                   <a:srgbClr val="000000"/>
                 </a:solidFill>
@@ -4353,13 +4319,6 @@
   <p:clrMapOvr>
     <a:masterClrMapping/>
   </p:clrMapOvr>
-  <p:timing>
-    <p:tnLst>
-      <p:par>
-        <p:cTn xmlns:p14="http://schemas.microsoft.com/office/powerpoint/2010/main" id="1" dur="indefinite" restart="never" nodeType="tmRoot"/>
-      </p:par>
-    </p:tnLst>
-  </p:timing>
 </p:sld>
 </file>
 
@@ -4433,7 +4392,7 @@
                 <a:tab pos="10488613" algn="l"/>
               </a:tabLst>
             </a:pPr>
-            <a:endParaRPr lang="en-GB" sz="1200" dirty="0" smtClean="0">
+            <a:endParaRPr lang="en-GB" sz="1200" dirty="0">
               <a:solidFill>
                 <a:srgbClr val="000000"/>
               </a:solidFill>
@@ -4467,7 +4426,7 @@
               </a:tabLst>
             </a:pPr>
             <a:r>
-              <a:rPr lang="en-GB" sz="3200" dirty="0" smtClean="0">
+              <a:rPr lang="en-GB" sz="3200" dirty="0">
                 <a:solidFill>
                   <a:srgbClr val="000000"/>
                 </a:solidFill>
@@ -4476,7 +4435,7 @@
               </a:rPr>
               <a:t>MOs, just like AOs should be orthonormal:</a:t>
             </a:r>
-            <a:endParaRPr lang="en-GB" sz="3200" b="1" dirty="0" smtClean="0">
+            <a:endParaRPr lang="en-GB" sz="3200" b="1" dirty="0">
               <a:solidFill>
                 <a:srgbClr val="000000"/>
               </a:solidFill>
@@ -4537,38 +4496,14 @@
               </a:tabLst>
             </a:pPr>
             <a:r>
-              <a:rPr lang="en-GB" sz="4000" dirty="0" smtClean="0">
+              <a:rPr lang="en-GB" sz="4000" dirty="0">
                 <a:solidFill>
                   <a:srgbClr val="000000"/>
                 </a:solidFill>
                 <a:latin typeface="Times New Roman" pitchFamily="18" charset="0"/>
               </a:rPr>
-              <a:t>The </a:t>
-            </a:r>
-            <a:r>
-              <a:rPr lang="en-GB" sz="4000" dirty="0" smtClean="0">
-                <a:solidFill>
-                  <a:srgbClr val="000000"/>
-                </a:solidFill>
-                <a:latin typeface="Times New Roman" pitchFamily="18" charset="0"/>
-              </a:rPr>
-              <a:t>Molecular Orbital </a:t>
-            </a:r>
-            <a:r>
-              <a:rPr lang="en-GB" sz="4000" dirty="0" smtClean="0">
-                <a:solidFill>
-                  <a:srgbClr val="000000"/>
-                </a:solidFill>
-                <a:latin typeface="Times New Roman" pitchFamily="18" charset="0"/>
-              </a:rPr>
-              <a:t>Model</a:t>
-            </a:r>
-            <a:endParaRPr lang="en-GB" sz="4000" dirty="0">
-              <a:solidFill>
-                <a:srgbClr val="000000"/>
-              </a:solidFill>
-              <a:latin typeface="Times New Roman" pitchFamily="18" charset="0"/>
-            </a:endParaRPr>
+              <a:t>The Molecular Orbital Model</a:t>
+            </a:r>
           </a:p>
         </p:txBody>
       </p:sp>
@@ -4681,7 +4616,7 @@
                 <a:tab pos="10488613" algn="l"/>
               </a:tabLst>
             </a:pPr>
-            <a:endParaRPr lang="en-GB" sz="1200" dirty="0" smtClean="0">
+            <a:endParaRPr lang="en-GB" sz="1200" dirty="0">
               <a:solidFill>
                 <a:srgbClr val="000000"/>
               </a:solidFill>
@@ -4715,7 +4650,7 @@
               </a:tabLst>
             </a:pPr>
             <a:r>
-              <a:rPr lang="en-GB" sz="3200" dirty="0" smtClean="0">
+              <a:rPr lang="en-GB" sz="3200" dirty="0">
                 <a:solidFill>
                   <a:srgbClr val="000000"/>
                 </a:solidFill>
@@ -4725,7 +4660,7 @@
               <a:t>The columns of the </a:t>
             </a:r>
             <a:r>
-              <a:rPr lang="en-GB" sz="3200" b="1" dirty="0" smtClean="0">
+              <a:rPr lang="en-GB" sz="3200" b="1" dirty="0">
                 <a:solidFill>
                   <a:srgbClr val="000000"/>
                 </a:solidFill>
@@ -4735,7 +4670,7 @@
               <a:t>C</a:t>
             </a:r>
             <a:r>
-              <a:rPr lang="en-GB" sz="3200" dirty="0" smtClean="0">
+              <a:rPr lang="en-GB" sz="3200" dirty="0">
                 <a:solidFill>
                   <a:srgbClr val="000000"/>
                 </a:solidFill>
@@ -4772,7 +4707,7 @@
               </a:tabLst>
             </a:pPr>
             <a:r>
-              <a:rPr lang="en-GB" sz="2800" dirty="0" smtClean="0">
+              <a:rPr lang="en-GB" sz="2800" dirty="0">
                 <a:solidFill>
                   <a:srgbClr val="000000"/>
                 </a:solidFill>
@@ -4782,7 +4717,7 @@
               <a:t>To check the </a:t>
             </a:r>
             <a:r>
-              <a:rPr lang="en-GB" sz="2800" dirty="0" err="1" smtClean="0">
+              <a:rPr lang="en-GB" sz="2800" dirty="0" err="1">
                 <a:solidFill>
                   <a:srgbClr val="000000"/>
                 </a:solidFill>
@@ -4792,7 +4727,7 @@
               <a:t>orthonormality</a:t>
             </a:r>
             <a:r>
-              <a:rPr lang="en-GB" sz="2800" dirty="0" smtClean="0">
+              <a:rPr lang="en-GB" sz="2800" dirty="0">
                 <a:solidFill>
                   <a:srgbClr val="000000"/>
                 </a:solidFill>
@@ -4802,7 +4737,7 @@
               <a:t> of the MOs we got, matrix multiply the </a:t>
             </a:r>
             <a:r>
-              <a:rPr lang="en-GB" sz="2800" b="1" dirty="0" smtClean="0">
+              <a:rPr lang="en-GB" sz="2800" b="1" dirty="0">
                 <a:solidFill>
                   <a:srgbClr val="000000"/>
                 </a:solidFill>
@@ -4812,7 +4747,7 @@
               <a:t>C</a:t>
             </a:r>
             <a:r>
-              <a:rPr lang="en-GB" sz="2800" dirty="0" smtClean="0">
+              <a:rPr lang="en-GB" sz="2800" dirty="0">
                 <a:solidFill>
                   <a:srgbClr val="000000"/>
                 </a:solidFill>
@@ -4821,7 +4756,7 @@
               </a:rPr>
               <a:t> matrix by its inverse:</a:t>
             </a:r>
-            <a:endParaRPr lang="en-GB" sz="2800" b="1" dirty="0" smtClean="0">
+            <a:endParaRPr lang="en-GB" sz="2800" b="1" dirty="0">
               <a:solidFill>
                 <a:srgbClr val="000000"/>
               </a:solidFill>
@@ -4853,7 +4788,7 @@
           <a:lstStyle/>
           <a:p>
             <a:r>
-              <a:rPr lang="en-GB" sz="4000" b="1" dirty="0" smtClean="0">
+              <a:rPr lang="en-GB" sz="4000" b="1" dirty="0">
                 <a:solidFill>
                   <a:srgbClr val="000000"/>
                 </a:solidFill>
@@ -4863,7 +4798,7 @@
               <a:t>C</a:t>
             </a:r>
             <a:r>
-              <a:rPr lang="en-GB" sz="4000" b="1" baseline="30000" dirty="0" smtClean="0">
+              <a:rPr lang="en-GB" sz="4000" b="1" baseline="30000" dirty="0">
                 <a:solidFill>
                   <a:srgbClr val="000000"/>
                 </a:solidFill>
@@ -4873,7 +4808,7 @@
               <a:t>T</a:t>
             </a:r>
             <a:r>
-              <a:rPr lang="en-GB" sz="4000" b="1" dirty="0" smtClean="0">
+              <a:rPr lang="en-GB" sz="4000" b="1" dirty="0">
                 <a:solidFill>
                   <a:srgbClr val="000000"/>
                 </a:solidFill>
@@ -4883,7 +4818,7 @@
               <a:t>C </a:t>
             </a:r>
             <a:r>
-              <a:rPr lang="en-GB" sz="4000" dirty="0" smtClean="0">
+              <a:rPr lang="en-GB" sz="4000" dirty="0">
                 <a:solidFill>
                   <a:srgbClr val="000000"/>
                 </a:solidFill>
@@ -4893,7 +4828,7 @@
               <a:t>=</a:t>
             </a:r>
             <a:r>
-              <a:rPr lang="en-GB" sz="4000" b="1" dirty="0" smtClean="0">
+              <a:rPr lang="en-GB" sz="4000" b="1" dirty="0">
                 <a:solidFill>
                   <a:srgbClr val="000000"/>
                 </a:solidFill>
@@ -4928,7 +4863,7 @@
           <a:lstStyle/>
           <a:p>
             <a:r>
-              <a:rPr lang="en-GB" sz="2800" dirty="0" smtClean="0">
+              <a:rPr lang="en-GB" sz="2800" dirty="0">
                 <a:solidFill>
                   <a:srgbClr val="000000"/>
                 </a:solidFill>
@@ -4938,7 +4873,7 @@
               <a:t>In R this is how we the above: </a:t>
             </a:r>
             <a:r>
-              <a:rPr lang="en-GB" sz="2800" dirty="0" smtClean="0">
+              <a:rPr lang="en-GB" sz="2800" dirty="0">
                 <a:solidFill>
                   <a:srgbClr val="000000"/>
                 </a:solidFill>
@@ -4964,13 +4899,2436 @@
   <p:clrMapOvr>
     <a:masterClrMapping/>
   </p:clrMapOvr>
-  <p:timing>
-    <p:tnLst>
-      <p:par>
-        <p:cTn xmlns:p14="http://schemas.microsoft.com/office/powerpoint/2010/main" id="1" dur="indefinite" restart="never" nodeType="tmRoot"/>
-      </p:par>
-    </p:tnLst>
-  </p:timing>
+</p:sld>
+</file>
+
+<file path=ppt/slides/slide12.xml><?xml version="1.0" encoding="utf-8"?>
+<p:sld xmlns:a="http://schemas.openxmlformats.org/drawingml/2006/main" xmlns:r="http://schemas.openxmlformats.org/officeDocument/2006/relationships" xmlns:p="http://schemas.openxmlformats.org/presentationml/2006/main">
+  <p:cSld>
+    <p:spTree>
+      <p:nvGrpSpPr>
+        <p:cNvPr id="1" name=""/>
+        <p:cNvGrpSpPr/>
+        <p:nvPr/>
+      </p:nvGrpSpPr>
+      <p:grpSpPr>
+        <a:xfrm>
+          <a:off x="0" y="0"/>
+          <a:ext cx="0" cy="0"/>
+          <a:chOff x="0" y="0"/>
+          <a:chExt cx="0" cy="0"/>
+        </a:xfrm>
+      </p:grpSpPr>
+      <p:sp>
+        <p:nvSpPr>
+          <p:cNvPr id="11266" name="Rectangle 5"/>
+          <p:cNvSpPr>
+            <a:spLocks noChangeArrowheads="1"/>
+          </p:cNvSpPr>
+          <p:nvPr/>
+        </p:nvSpPr>
+        <p:spPr bwMode="auto">
+          <a:xfrm>
+            <a:off x="231776" y="1197805"/>
+            <a:ext cx="8686800" cy="2314713"/>
+          </a:xfrm>
+          <a:prstGeom prst="rect">
+            <a:avLst/>
+          </a:prstGeom>
+          <a:noFill/>
+          <a:ln w="9525">
+            <a:noFill/>
+            <a:round/>
+            <a:headEnd/>
+            <a:tailEnd/>
+          </a:ln>
+        </p:spPr>
+        <p:txBody>
+          <a:bodyPr lIns="0" tIns="0" rIns="0" bIns="0"/>
+          <a:lstStyle/>
+          <a:p>
+            <a:pPr marL="887413" lvl="1" indent="-323850">
+              <a:spcBef>
+                <a:spcPts val="800"/>
+              </a:spcBef>
+              <a:buClr>
+                <a:srgbClr val="000000"/>
+              </a:buClr>
+              <a:buSzPct val="100000"/>
+              <a:buFont typeface="Arial"/>
+              <a:buChar char="•"/>
+              <a:tabLst>
+                <a:tab pos="430213" algn="l"/>
+                <a:tab pos="1344613" algn="l"/>
+                <a:tab pos="2259013" algn="l"/>
+                <a:tab pos="3173413" algn="l"/>
+                <a:tab pos="4087813" algn="l"/>
+                <a:tab pos="5002213" algn="l"/>
+                <a:tab pos="5916613" algn="l"/>
+                <a:tab pos="6831013" algn="l"/>
+                <a:tab pos="7745413" algn="l"/>
+                <a:tab pos="8659813" algn="l"/>
+                <a:tab pos="9574213" algn="l"/>
+                <a:tab pos="10488613" algn="l"/>
+              </a:tabLst>
+            </a:pPr>
+            <a:r>
+              <a:rPr lang="en-GB" sz="2800" dirty="0" err="1">
+                <a:solidFill>
+                  <a:srgbClr val="000000"/>
+                </a:solidFill>
+                <a:latin typeface="Times New Roman"/>
+                <a:cs typeface="Times New Roman"/>
+              </a:rPr>
+              <a:t>Huckel</a:t>
+            </a:r>
+            <a:r>
+              <a:rPr lang="en-GB" sz="2800" dirty="0">
+                <a:solidFill>
+                  <a:srgbClr val="000000"/>
+                </a:solidFill>
+                <a:latin typeface="Times New Roman"/>
+                <a:cs typeface="Times New Roman"/>
+              </a:rPr>
+              <a:t> Energy of the molecule can be computed by adding up the energies of the MOs multiplied by how many electrons are in them:</a:t>
+            </a:r>
+            <a:endParaRPr lang="en-GB" sz="2800" b="1" dirty="0">
+              <a:solidFill>
+                <a:srgbClr val="000000"/>
+              </a:solidFill>
+              <a:latin typeface="Times New Roman"/>
+              <a:cs typeface="Times New Roman"/>
+            </a:endParaRPr>
+          </a:p>
+        </p:txBody>
+      </p:sp>
+      <p:sp>
+        <p:nvSpPr>
+          <p:cNvPr id="25603" name="Rectangle 4"/>
+          <p:cNvSpPr>
+            <a:spLocks noChangeArrowheads="1"/>
+          </p:cNvSpPr>
+          <p:nvPr/>
+        </p:nvSpPr>
+        <p:spPr bwMode="auto">
+          <a:xfrm>
+            <a:off x="231775" y="332601"/>
+            <a:ext cx="8607425" cy="1127125"/>
+          </a:xfrm>
+          <a:prstGeom prst="rect">
+            <a:avLst/>
+          </a:prstGeom>
+          <a:noFill/>
+          <a:ln w="9525">
+            <a:noFill/>
+            <a:round/>
+            <a:headEnd/>
+            <a:tailEnd/>
+          </a:ln>
+        </p:spPr>
+        <p:txBody>
+          <a:bodyPr lIns="0" tIns="0" rIns="0" bIns="0" anchor="ctr"/>
+          <a:lstStyle/>
+          <a:p>
+            <a:pPr algn="ctr">
+              <a:buClr>
+                <a:srgbClr val="000000"/>
+              </a:buClr>
+              <a:buSzPct val="100000"/>
+              <a:buFont typeface="Times New Roman" pitchFamily="18" charset="0"/>
+              <a:buNone/>
+              <a:tabLst>
+                <a:tab pos="0" algn="l"/>
+                <a:tab pos="914400" algn="l"/>
+                <a:tab pos="1828800" algn="l"/>
+                <a:tab pos="2743200" algn="l"/>
+                <a:tab pos="3657600" algn="l"/>
+                <a:tab pos="4572000" algn="l"/>
+                <a:tab pos="5486400" algn="l"/>
+                <a:tab pos="6400800" algn="l"/>
+                <a:tab pos="7315200" algn="l"/>
+                <a:tab pos="8229600" algn="l"/>
+                <a:tab pos="9144000" algn="l"/>
+                <a:tab pos="10058400" algn="l"/>
+              </a:tabLst>
+            </a:pPr>
+            <a:r>
+              <a:rPr lang="en-GB" sz="4000" dirty="0">
+                <a:solidFill>
+                  <a:srgbClr val="000000"/>
+                </a:solidFill>
+                <a:latin typeface="Times New Roman" pitchFamily="18" charset="0"/>
+              </a:rPr>
+              <a:t>The Molecular Orbital Model</a:t>
+            </a:r>
+          </a:p>
+        </p:txBody>
+      </p:sp>
+      <p:pic>
+        <p:nvPicPr>
+          <p:cNvPr id="19" name="Picture 2"/>
+          <p:cNvPicPr>
+            <a:picLocks noChangeAspect="1" noChangeArrowheads="1"/>
+          </p:cNvPicPr>
+          <p:nvPr/>
+        </p:nvPicPr>
+        <p:blipFill>
+          <a:blip r:embed="rId2"/>
+          <a:srcRect/>
+          <a:stretch>
+            <a:fillRect/>
+          </a:stretch>
+        </p:blipFill>
+        <p:spPr bwMode="auto">
+          <a:xfrm>
+            <a:off x="231776" y="263525"/>
+            <a:ext cx="8351838" cy="243412"/>
+          </a:xfrm>
+          <a:prstGeom prst="rect">
+            <a:avLst/>
+          </a:prstGeom>
+          <a:noFill/>
+          <a:ln w="9525">
+            <a:noFill/>
+            <a:round/>
+            <a:headEnd/>
+            <a:tailEnd/>
+          </a:ln>
+        </p:spPr>
+      </p:pic>
+      <p:pic>
+        <p:nvPicPr>
+          <p:cNvPr id="2" name="Picture 1">
+            <a:extLst>
+              <a:ext uri="{FF2B5EF4-FFF2-40B4-BE49-F238E27FC236}">
+                <a16:creationId xmlns:a16="http://schemas.microsoft.com/office/drawing/2014/main" id="{1C51370C-83EF-864B-8DBD-BB2D24F8A54A}"/>
+              </a:ext>
+            </a:extLst>
+          </p:cNvPr>
+          <p:cNvPicPr>
+            <a:picLocks noChangeAspect="1"/>
+          </p:cNvPicPr>
+          <p:nvPr/>
+        </p:nvPicPr>
+        <p:blipFill>
+          <a:blip r:embed="rId3"/>
+          <a:stretch>
+            <a:fillRect/>
+          </a:stretch>
+        </p:blipFill>
+        <p:spPr>
+          <a:xfrm>
+            <a:off x="2509819" y="3120422"/>
+            <a:ext cx="2413000" cy="1257300"/>
+          </a:xfrm>
+          <a:prstGeom prst="rect">
+            <a:avLst/>
+          </a:prstGeom>
+        </p:spPr>
+      </p:pic>
+      <p:cxnSp>
+        <p:nvCxnSpPr>
+          <p:cNvPr id="4" name="Straight Arrow Connector 3">
+            <a:extLst>
+              <a:ext uri="{FF2B5EF4-FFF2-40B4-BE49-F238E27FC236}">
+                <a16:creationId xmlns:a16="http://schemas.microsoft.com/office/drawing/2014/main" id="{1CA9B3BC-5AEF-CC45-9BB7-9F53EE1DEB30}"/>
+              </a:ext>
+            </a:extLst>
+          </p:cNvPr>
+          <p:cNvCxnSpPr/>
+          <p:nvPr/>
+        </p:nvCxnSpPr>
+        <p:spPr>
+          <a:xfrm flipH="1" flipV="1">
+            <a:off x="3880624" y="4377722"/>
+            <a:ext cx="390293" cy="434898"/>
+          </a:xfrm>
+          <a:prstGeom prst="straightConnector1">
+            <a:avLst/>
+          </a:prstGeom>
+          <a:ln w="31750">
+            <a:tailEnd type="triangle"/>
+          </a:ln>
+        </p:spPr>
+        <p:style>
+          <a:lnRef idx="2">
+            <a:schemeClr val="accent1"/>
+          </a:lnRef>
+          <a:fillRef idx="0">
+            <a:schemeClr val="accent1"/>
+          </a:fillRef>
+          <a:effectRef idx="1">
+            <a:schemeClr val="accent1"/>
+          </a:effectRef>
+          <a:fontRef idx="minor">
+            <a:schemeClr val="tx1"/>
+          </a:fontRef>
+        </p:style>
+      </p:cxnSp>
+      <p:sp>
+        <p:nvSpPr>
+          <p:cNvPr id="5" name="Rectangle 4">
+            <a:extLst>
+              <a:ext uri="{FF2B5EF4-FFF2-40B4-BE49-F238E27FC236}">
+                <a16:creationId xmlns:a16="http://schemas.microsoft.com/office/drawing/2014/main" id="{B235B25C-194B-F349-ACF3-1F98E27B9C78}"/>
+              </a:ext>
+            </a:extLst>
+          </p:cNvPr>
+          <p:cNvSpPr/>
+          <p:nvPr/>
+        </p:nvSpPr>
+        <p:spPr>
+          <a:xfrm>
+            <a:off x="3799755" y="4803882"/>
+            <a:ext cx="2698175" cy="369332"/>
+          </a:xfrm>
+          <a:prstGeom prst="rect">
+            <a:avLst/>
+          </a:prstGeom>
+        </p:spPr>
+        <p:txBody>
+          <a:bodyPr wrap="none">
+            <a:spAutoFit/>
+          </a:bodyPr>
+          <a:lstStyle/>
+          <a:p>
+            <a:r>
+              <a:rPr lang="en-GB" dirty="0">
+                <a:solidFill>
+                  <a:srgbClr val="000000"/>
+                </a:solidFill>
+                <a:latin typeface="Times New Roman"/>
+                <a:cs typeface="Times New Roman"/>
+              </a:rPr>
+              <a:t>Sum is over occupied MOs</a:t>
+            </a:r>
+            <a:endParaRPr lang="en-US" dirty="0"/>
+          </a:p>
+        </p:txBody>
+      </p:sp>
+      <p:sp>
+        <p:nvSpPr>
+          <p:cNvPr id="9" name="Rectangle 8">
+            <a:extLst>
+              <a:ext uri="{FF2B5EF4-FFF2-40B4-BE49-F238E27FC236}">
+                <a16:creationId xmlns:a16="http://schemas.microsoft.com/office/drawing/2014/main" id="{104018E1-8635-AE44-8CE3-9822483B43B9}"/>
+              </a:ext>
+            </a:extLst>
+          </p:cNvPr>
+          <p:cNvSpPr/>
+          <p:nvPr/>
+        </p:nvSpPr>
+        <p:spPr>
+          <a:xfrm>
+            <a:off x="4738531" y="4105132"/>
+            <a:ext cx="2217274" cy="369332"/>
+          </a:xfrm>
+          <a:prstGeom prst="rect">
+            <a:avLst/>
+          </a:prstGeom>
+        </p:spPr>
+        <p:txBody>
+          <a:bodyPr wrap="none">
+            <a:spAutoFit/>
+          </a:bodyPr>
+          <a:lstStyle/>
+          <a:p>
+            <a:r>
+              <a:rPr lang="en-GB" dirty="0">
+                <a:solidFill>
+                  <a:srgbClr val="000000"/>
+                </a:solidFill>
+                <a:latin typeface="Times New Roman"/>
+                <a:cs typeface="Times New Roman"/>
+              </a:rPr>
+              <a:t>Number of e- in MO </a:t>
+            </a:r>
+            <a:r>
+              <a:rPr lang="en-GB" i="1" dirty="0" err="1">
+                <a:solidFill>
+                  <a:srgbClr val="000000"/>
+                </a:solidFill>
+                <a:latin typeface="Times New Roman"/>
+                <a:cs typeface="Times New Roman"/>
+              </a:rPr>
+              <a:t>i</a:t>
+            </a:r>
+            <a:endParaRPr lang="en-US" i="1" dirty="0"/>
+          </a:p>
+        </p:txBody>
+      </p:sp>
+      <p:cxnSp>
+        <p:nvCxnSpPr>
+          <p:cNvPr id="10" name="Straight Arrow Connector 9">
+            <a:extLst>
+              <a:ext uri="{FF2B5EF4-FFF2-40B4-BE49-F238E27FC236}">
+                <a16:creationId xmlns:a16="http://schemas.microsoft.com/office/drawing/2014/main" id="{7E388E0C-8F29-2D4F-B6ED-F85BCB763C59}"/>
+              </a:ext>
+            </a:extLst>
+          </p:cNvPr>
+          <p:cNvCxnSpPr>
+            <a:cxnSpLocks/>
+          </p:cNvCxnSpPr>
+          <p:nvPr/>
+        </p:nvCxnSpPr>
+        <p:spPr>
+          <a:xfrm flipH="1" flipV="1">
+            <a:off x="4382430" y="3938455"/>
+            <a:ext cx="356101" cy="284408"/>
+          </a:xfrm>
+          <a:prstGeom prst="straightConnector1">
+            <a:avLst/>
+          </a:prstGeom>
+          <a:ln w="31750">
+            <a:tailEnd type="triangle"/>
+          </a:ln>
+        </p:spPr>
+        <p:style>
+          <a:lnRef idx="2">
+            <a:schemeClr val="accent1"/>
+          </a:lnRef>
+          <a:fillRef idx="0">
+            <a:schemeClr val="accent1"/>
+          </a:fillRef>
+          <a:effectRef idx="1">
+            <a:schemeClr val="accent1"/>
+          </a:effectRef>
+          <a:fontRef idx="minor">
+            <a:schemeClr val="tx1"/>
+          </a:fontRef>
+        </p:style>
+      </p:cxnSp>
+      <p:sp>
+        <p:nvSpPr>
+          <p:cNvPr id="12" name="Rectangle 11">
+            <a:extLst>
+              <a:ext uri="{FF2B5EF4-FFF2-40B4-BE49-F238E27FC236}">
+                <a16:creationId xmlns:a16="http://schemas.microsoft.com/office/drawing/2014/main" id="{5720950C-802C-C742-9CA1-4F8E5910327E}"/>
+              </a:ext>
+            </a:extLst>
+          </p:cNvPr>
+          <p:cNvSpPr/>
+          <p:nvPr/>
+        </p:nvSpPr>
+        <p:spPr>
+          <a:xfrm>
+            <a:off x="4793991" y="2935756"/>
+            <a:ext cx="2847896" cy="369332"/>
+          </a:xfrm>
+          <a:prstGeom prst="rect">
+            <a:avLst/>
+          </a:prstGeom>
+        </p:spPr>
+        <p:txBody>
+          <a:bodyPr wrap="none">
+            <a:spAutoFit/>
+          </a:bodyPr>
+          <a:lstStyle/>
+          <a:p>
+            <a:r>
+              <a:rPr lang="en-GB" dirty="0">
+                <a:solidFill>
+                  <a:srgbClr val="000000"/>
+                </a:solidFill>
+                <a:latin typeface="Times New Roman"/>
+                <a:cs typeface="Times New Roman"/>
+              </a:rPr>
+              <a:t>Energy (eigenvalue) of MO </a:t>
+            </a:r>
+            <a:r>
+              <a:rPr lang="en-GB" i="1" dirty="0" err="1">
+                <a:solidFill>
+                  <a:srgbClr val="000000"/>
+                </a:solidFill>
+                <a:latin typeface="Times New Roman"/>
+                <a:cs typeface="Times New Roman"/>
+              </a:rPr>
+              <a:t>i</a:t>
+            </a:r>
+            <a:endParaRPr lang="en-US" i="1" dirty="0"/>
+          </a:p>
+        </p:txBody>
+      </p:sp>
+      <p:cxnSp>
+        <p:nvCxnSpPr>
+          <p:cNvPr id="13" name="Straight Arrow Connector 12">
+            <a:extLst>
+              <a:ext uri="{FF2B5EF4-FFF2-40B4-BE49-F238E27FC236}">
+                <a16:creationId xmlns:a16="http://schemas.microsoft.com/office/drawing/2014/main" id="{CACC831A-C9B9-8F42-BDAB-0A1573284BB9}"/>
+              </a:ext>
+            </a:extLst>
+          </p:cNvPr>
+          <p:cNvCxnSpPr>
+            <a:cxnSpLocks/>
+          </p:cNvCxnSpPr>
+          <p:nvPr/>
+        </p:nvCxnSpPr>
+        <p:spPr>
+          <a:xfrm flipH="1">
+            <a:off x="4804406" y="3305088"/>
+            <a:ext cx="258247" cy="283956"/>
+          </a:xfrm>
+          <a:prstGeom prst="straightConnector1">
+            <a:avLst/>
+          </a:prstGeom>
+          <a:ln w="31750">
+            <a:tailEnd type="triangle"/>
+          </a:ln>
+        </p:spPr>
+        <p:style>
+          <a:lnRef idx="2">
+            <a:schemeClr val="accent1"/>
+          </a:lnRef>
+          <a:fillRef idx="0">
+            <a:schemeClr val="accent1"/>
+          </a:fillRef>
+          <a:effectRef idx="1">
+            <a:schemeClr val="accent1"/>
+          </a:effectRef>
+          <a:fontRef idx="minor">
+            <a:schemeClr val="tx1"/>
+          </a:fontRef>
+        </p:style>
+      </p:cxnSp>
+    </p:spTree>
+    <p:extLst>
+      <p:ext uri="{BB962C8B-B14F-4D97-AF65-F5344CB8AC3E}">
+        <p14:creationId xmlns:p14="http://schemas.microsoft.com/office/powerpoint/2010/main" val="30000031"/>
+      </p:ext>
+    </p:extLst>
+  </p:cSld>
+  <p:clrMapOvr>
+    <a:masterClrMapping/>
+  </p:clrMapOvr>
+</p:sld>
+</file>
+
+<file path=ppt/slides/slide13.xml><?xml version="1.0" encoding="utf-8"?>
+<p:sld xmlns:a="http://schemas.openxmlformats.org/drawingml/2006/main" xmlns:r="http://schemas.openxmlformats.org/officeDocument/2006/relationships" xmlns:p="http://schemas.openxmlformats.org/presentationml/2006/main">
+  <p:cSld>
+    <p:spTree>
+      <p:nvGrpSpPr>
+        <p:cNvPr id="1" name=""/>
+        <p:cNvGrpSpPr/>
+        <p:nvPr/>
+      </p:nvGrpSpPr>
+      <p:grpSpPr>
+        <a:xfrm>
+          <a:off x="0" y="0"/>
+          <a:ext cx="0" cy="0"/>
+          <a:chOff x="0" y="0"/>
+          <a:chExt cx="0" cy="0"/>
+        </a:xfrm>
+      </p:grpSpPr>
+      <p:sp>
+        <p:nvSpPr>
+          <p:cNvPr id="11266" name="Rectangle 5"/>
+          <p:cNvSpPr>
+            <a:spLocks noChangeArrowheads="1"/>
+          </p:cNvSpPr>
+          <p:nvPr/>
+        </p:nvSpPr>
+        <p:spPr bwMode="auto">
+          <a:xfrm>
+            <a:off x="231776" y="1197805"/>
+            <a:ext cx="8686800" cy="2314713"/>
+          </a:xfrm>
+          <a:prstGeom prst="rect">
+            <a:avLst/>
+          </a:prstGeom>
+          <a:noFill/>
+          <a:ln w="9525">
+            <a:noFill/>
+            <a:round/>
+            <a:headEnd/>
+            <a:tailEnd/>
+          </a:ln>
+        </p:spPr>
+        <p:txBody>
+          <a:bodyPr lIns="0" tIns="0" rIns="0" bIns="0"/>
+          <a:lstStyle/>
+          <a:p>
+            <a:pPr marL="887413" lvl="1" indent="-323850">
+              <a:spcBef>
+                <a:spcPts val="800"/>
+              </a:spcBef>
+              <a:buClr>
+                <a:srgbClr val="000000"/>
+              </a:buClr>
+              <a:buSzPct val="100000"/>
+              <a:buFont typeface="Arial"/>
+              <a:buChar char="•"/>
+              <a:tabLst>
+                <a:tab pos="430213" algn="l"/>
+                <a:tab pos="1344613" algn="l"/>
+                <a:tab pos="2259013" algn="l"/>
+                <a:tab pos="3173413" algn="l"/>
+                <a:tab pos="4087813" algn="l"/>
+                <a:tab pos="5002213" algn="l"/>
+                <a:tab pos="5916613" algn="l"/>
+                <a:tab pos="6831013" algn="l"/>
+                <a:tab pos="7745413" algn="l"/>
+                <a:tab pos="8659813" algn="l"/>
+                <a:tab pos="9574213" algn="l"/>
+                <a:tab pos="10488613" algn="l"/>
+              </a:tabLst>
+            </a:pPr>
+            <a:r>
+              <a:rPr lang="en-GB" sz="2800" dirty="0">
+                <a:solidFill>
+                  <a:srgbClr val="000000"/>
+                </a:solidFill>
+                <a:latin typeface="Times New Roman"/>
+                <a:cs typeface="Times New Roman"/>
+              </a:rPr>
+              <a:t>For example the </a:t>
+            </a:r>
+            <a:r>
+              <a:rPr lang="en-GB" sz="2800" dirty="0" err="1">
+                <a:solidFill>
+                  <a:srgbClr val="000000"/>
+                </a:solidFill>
+                <a:latin typeface="Times New Roman"/>
+                <a:cs typeface="Times New Roman"/>
+              </a:rPr>
+              <a:t>Huckel</a:t>
+            </a:r>
+            <a:r>
+              <a:rPr lang="en-GB" sz="2800" dirty="0">
+                <a:solidFill>
+                  <a:srgbClr val="000000"/>
+                </a:solidFill>
+                <a:latin typeface="Times New Roman"/>
+                <a:cs typeface="Times New Roman"/>
+              </a:rPr>
+              <a:t> Energy of molecular system below is:</a:t>
+            </a:r>
+            <a:endParaRPr lang="en-GB" sz="2800" b="1" dirty="0">
+              <a:solidFill>
+                <a:srgbClr val="000000"/>
+              </a:solidFill>
+              <a:latin typeface="Times New Roman"/>
+              <a:cs typeface="Times New Roman"/>
+            </a:endParaRPr>
+          </a:p>
+        </p:txBody>
+      </p:sp>
+      <p:sp>
+        <p:nvSpPr>
+          <p:cNvPr id="25603" name="Rectangle 4"/>
+          <p:cNvSpPr>
+            <a:spLocks noChangeArrowheads="1"/>
+          </p:cNvSpPr>
+          <p:nvPr/>
+        </p:nvSpPr>
+        <p:spPr bwMode="auto">
+          <a:xfrm>
+            <a:off x="231775" y="332601"/>
+            <a:ext cx="8607425" cy="1127125"/>
+          </a:xfrm>
+          <a:prstGeom prst="rect">
+            <a:avLst/>
+          </a:prstGeom>
+          <a:noFill/>
+          <a:ln w="9525">
+            <a:noFill/>
+            <a:round/>
+            <a:headEnd/>
+            <a:tailEnd/>
+          </a:ln>
+        </p:spPr>
+        <p:txBody>
+          <a:bodyPr lIns="0" tIns="0" rIns="0" bIns="0" anchor="ctr"/>
+          <a:lstStyle/>
+          <a:p>
+            <a:pPr algn="ctr">
+              <a:buClr>
+                <a:srgbClr val="000000"/>
+              </a:buClr>
+              <a:buSzPct val="100000"/>
+              <a:buFont typeface="Times New Roman" pitchFamily="18" charset="0"/>
+              <a:buNone/>
+              <a:tabLst>
+                <a:tab pos="0" algn="l"/>
+                <a:tab pos="914400" algn="l"/>
+                <a:tab pos="1828800" algn="l"/>
+                <a:tab pos="2743200" algn="l"/>
+                <a:tab pos="3657600" algn="l"/>
+                <a:tab pos="4572000" algn="l"/>
+                <a:tab pos="5486400" algn="l"/>
+                <a:tab pos="6400800" algn="l"/>
+                <a:tab pos="7315200" algn="l"/>
+                <a:tab pos="8229600" algn="l"/>
+                <a:tab pos="9144000" algn="l"/>
+                <a:tab pos="10058400" algn="l"/>
+              </a:tabLst>
+            </a:pPr>
+            <a:r>
+              <a:rPr lang="en-GB" sz="4000" dirty="0">
+                <a:solidFill>
+                  <a:srgbClr val="000000"/>
+                </a:solidFill>
+                <a:latin typeface="Times New Roman" pitchFamily="18" charset="0"/>
+              </a:rPr>
+              <a:t>The Molecular Orbital Model</a:t>
+            </a:r>
+          </a:p>
+        </p:txBody>
+      </p:sp>
+      <p:pic>
+        <p:nvPicPr>
+          <p:cNvPr id="19" name="Picture 2"/>
+          <p:cNvPicPr>
+            <a:picLocks noChangeAspect="1" noChangeArrowheads="1"/>
+          </p:cNvPicPr>
+          <p:nvPr/>
+        </p:nvPicPr>
+        <p:blipFill>
+          <a:blip r:embed="rId2"/>
+          <a:srcRect/>
+          <a:stretch>
+            <a:fillRect/>
+          </a:stretch>
+        </p:blipFill>
+        <p:spPr bwMode="auto">
+          <a:xfrm>
+            <a:off x="231776" y="263525"/>
+            <a:ext cx="8351838" cy="243412"/>
+          </a:xfrm>
+          <a:prstGeom prst="rect">
+            <a:avLst/>
+          </a:prstGeom>
+          <a:noFill/>
+          <a:ln w="9525">
+            <a:noFill/>
+            <a:round/>
+            <a:headEnd/>
+            <a:tailEnd/>
+          </a:ln>
+        </p:spPr>
+      </p:pic>
+      <p:grpSp>
+        <p:nvGrpSpPr>
+          <p:cNvPr id="14" name="Group 13">
+            <a:extLst>
+              <a:ext uri="{FF2B5EF4-FFF2-40B4-BE49-F238E27FC236}">
+                <a16:creationId xmlns:a16="http://schemas.microsoft.com/office/drawing/2014/main" id="{62747270-9FA3-954D-B92D-25BCDC1B27E6}"/>
+              </a:ext>
+            </a:extLst>
+          </p:cNvPr>
+          <p:cNvGrpSpPr/>
+          <p:nvPr/>
+        </p:nvGrpSpPr>
+        <p:grpSpPr>
+          <a:xfrm>
+            <a:off x="584481" y="2517257"/>
+            <a:ext cx="1388962" cy="1243602"/>
+            <a:chOff x="3584845" y="3016395"/>
+            <a:chExt cx="1388962" cy="1243602"/>
+          </a:xfrm>
+        </p:grpSpPr>
+        <p:cxnSp>
+          <p:nvCxnSpPr>
+            <p:cNvPr id="15" name="Straight Connector 14">
+              <a:extLst>
+                <a:ext uri="{FF2B5EF4-FFF2-40B4-BE49-F238E27FC236}">
+                  <a16:creationId xmlns:a16="http://schemas.microsoft.com/office/drawing/2014/main" id="{57F84889-2DF3-2B45-8FF0-2422AB6FC91C}"/>
+                </a:ext>
+              </a:extLst>
+            </p:cNvPr>
+            <p:cNvCxnSpPr/>
+            <p:nvPr/>
+          </p:nvCxnSpPr>
+          <p:spPr>
+            <a:xfrm flipV="1">
+              <a:off x="3584845" y="3016395"/>
+              <a:ext cx="674639" cy="476273"/>
+            </a:xfrm>
+            <a:prstGeom prst="line">
+              <a:avLst/>
+            </a:prstGeom>
+          </p:spPr>
+          <p:style>
+            <a:lnRef idx="2">
+              <a:schemeClr val="accent1"/>
+            </a:lnRef>
+            <a:fillRef idx="0">
+              <a:schemeClr val="accent1"/>
+            </a:fillRef>
+            <a:effectRef idx="1">
+              <a:schemeClr val="accent1"/>
+            </a:effectRef>
+            <a:fontRef idx="minor">
+              <a:schemeClr val="tx1"/>
+            </a:fontRef>
+          </p:style>
+        </p:cxnSp>
+        <p:cxnSp>
+          <p:nvCxnSpPr>
+            <p:cNvPr id="16" name="Straight Connector 15">
+              <a:extLst>
+                <a:ext uri="{FF2B5EF4-FFF2-40B4-BE49-F238E27FC236}">
+                  <a16:creationId xmlns:a16="http://schemas.microsoft.com/office/drawing/2014/main" id="{F701C9E0-C3F7-8243-B9AA-EC0F721C8808}"/>
+                </a:ext>
+              </a:extLst>
+            </p:cNvPr>
+            <p:cNvCxnSpPr/>
+            <p:nvPr/>
+          </p:nvCxnSpPr>
+          <p:spPr>
+            <a:xfrm>
+              <a:off x="4259484" y="3016395"/>
+              <a:ext cx="714323" cy="476273"/>
+            </a:xfrm>
+            <a:prstGeom prst="line">
+              <a:avLst/>
+            </a:prstGeom>
+          </p:spPr>
+          <p:style>
+            <a:lnRef idx="2">
+              <a:schemeClr val="accent1"/>
+            </a:lnRef>
+            <a:fillRef idx="0">
+              <a:schemeClr val="accent1"/>
+            </a:fillRef>
+            <a:effectRef idx="1">
+              <a:schemeClr val="accent1"/>
+            </a:effectRef>
+            <a:fontRef idx="minor">
+              <a:schemeClr val="tx1"/>
+            </a:fontRef>
+          </p:style>
+        </p:cxnSp>
+        <p:cxnSp>
+          <p:nvCxnSpPr>
+            <p:cNvPr id="17" name="Straight Connector 16">
+              <a:extLst>
+                <a:ext uri="{FF2B5EF4-FFF2-40B4-BE49-F238E27FC236}">
+                  <a16:creationId xmlns:a16="http://schemas.microsoft.com/office/drawing/2014/main" id="{CB8A5DA3-1587-4340-B520-2B5DF8C1586D}"/>
+                </a:ext>
+              </a:extLst>
+            </p:cNvPr>
+            <p:cNvCxnSpPr/>
+            <p:nvPr/>
+          </p:nvCxnSpPr>
+          <p:spPr>
+            <a:xfrm flipH="1">
+              <a:off x="4775384" y="3492668"/>
+              <a:ext cx="198423" cy="767329"/>
+            </a:xfrm>
+            <a:prstGeom prst="line">
+              <a:avLst/>
+            </a:prstGeom>
+          </p:spPr>
+          <p:style>
+            <a:lnRef idx="2">
+              <a:schemeClr val="accent1"/>
+            </a:lnRef>
+            <a:fillRef idx="0">
+              <a:schemeClr val="accent1"/>
+            </a:fillRef>
+            <a:effectRef idx="1">
+              <a:schemeClr val="accent1"/>
+            </a:effectRef>
+            <a:fontRef idx="minor">
+              <a:schemeClr val="tx1"/>
+            </a:fontRef>
+          </p:style>
+        </p:cxnSp>
+        <p:cxnSp>
+          <p:nvCxnSpPr>
+            <p:cNvPr id="18" name="Straight Connector 17">
+              <a:extLst>
+                <a:ext uri="{FF2B5EF4-FFF2-40B4-BE49-F238E27FC236}">
+                  <a16:creationId xmlns:a16="http://schemas.microsoft.com/office/drawing/2014/main" id="{12D8BA29-7D8C-7240-8691-15A671433B81}"/>
+                </a:ext>
+              </a:extLst>
+            </p:cNvPr>
+            <p:cNvCxnSpPr/>
+            <p:nvPr/>
+          </p:nvCxnSpPr>
+          <p:spPr>
+            <a:xfrm flipH="1">
+              <a:off x="3822953" y="4259997"/>
+              <a:ext cx="952431" cy="0"/>
+            </a:xfrm>
+            <a:prstGeom prst="line">
+              <a:avLst/>
+            </a:prstGeom>
+          </p:spPr>
+          <p:style>
+            <a:lnRef idx="2">
+              <a:schemeClr val="accent1"/>
+            </a:lnRef>
+            <a:fillRef idx="0">
+              <a:schemeClr val="accent1"/>
+            </a:fillRef>
+            <a:effectRef idx="1">
+              <a:schemeClr val="accent1"/>
+            </a:effectRef>
+            <a:fontRef idx="minor">
+              <a:schemeClr val="tx1"/>
+            </a:fontRef>
+          </p:style>
+        </p:cxnSp>
+        <p:cxnSp>
+          <p:nvCxnSpPr>
+            <p:cNvPr id="20" name="Straight Connector 19">
+              <a:extLst>
+                <a:ext uri="{FF2B5EF4-FFF2-40B4-BE49-F238E27FC236}">
+                  <a16:creationId xmlns:a16="http://schemas.microsoft.com/office/drawing/2014/main" id="{0BA8E67E-9976-ED4A-B882-822D7B740F94}"/>
+                </a:ext>
+              </a:extLst>
+            </p:cNvPr>
+            <p:cNvCxnSpPr/>
+            <p:nvPr/>
+          </p:nvCxnSpPr>
+          <p:spPr>
+            <a:xfrm>
+              <a:off x="3584845" y="3492668"/>
+              <a:ext cx="238108" cy="767329"/>
+            </a:xfrm>
+            <a:prstGeom prst="line">
+              <a:avLst/>
+            </a:prstGeom>
+          </p:spPr>
+          <p:style>
+            <a:lnRef idx="2">
+              <a:schemeClr val="accent1"/>
+            </a:lnRef>
+            <a:fillRef idx="0">
+              <a:schemeClr val="accent1"/>
+            </a:fillRef>
+            <a:effectRef idx="1">
+              <a:schemeClr val="accent1"/>
+            </a:effectRef>
+            <a:fontRef idx="minor">
+              <a:schemeClr val="tx1"/>
+            </a:fontRef>
+          </p:style>
+        </p:cxnSp>
+      </p:grpSp>
+      <p:sp>
+        <p:nvSpPr>
+          <p:cNvPr id="3" name="TextBox 2">
+            <a:extLst>
+              <a:ext uri="{FF2B5EF4-FFF2-40B4-BE49-F238E27FC236}">
+                <a16:creationId xmlns:a16="http://schemas.microsoft.com/office/drawing/2014/main" id="{DE991B5B-D19E-A443-8A8F-769B01A184FB}"/>
+              </a:ext>
+            </a:extLst>
+          </p:cNvPr>
+          <p:cNvSpPr txBox="1"/>
+          <p:nvPr/>
+        </p:nvSpPr>
+        <p:spPr>
+          <a:xfrm>
+            <a:off x="1106087" y="2166748"/>
+            <a:ext cx="301686" cy="369332"/>
+          </a:xfrm>
+          <a:prstGeom prst="rect">
+            <a:avLst/>
+          </a:prstGeom>
+          <a:noFill/>
+        </p:spPr>
+        <p:txBody>
+          <a:bodyPr wrap="none" rtlCol="0">
+            <a:spAutoFit/>
+          </a:bodyPr>
+          <a:lstStyle/>
+          <a:p>
+            <a:r>
+              <a:rPr lang="en-US" dirty="0"/>
+              <a:t>1</a:t>
+            </a:r>
+          </a:p>
+        </p:txBody>
+      </p:sp>
+      <p:sp>
+        <p:nvSpPr>
+          <p:cNvPr id="21" name="TextBox 20">
+            <a:extLst>
+              <a:ext uri="{FF2B5EF4-FFF2-40B4-BE49-F238E27FC236}">
+                <a16:creationId xmlns:a16="http://schemas.microsoft.com/office/drawing/2014/main" id="{8A83C762-CFFE-524C-B1A5-BE608A71B1CE}"/>
+              </a:ext>
+            </a:extLst>
+          </p:cNvPr>
+          <p:cNvSpPr txBox="1"/>
+          <p:nvPr/>
+        </p:nvSpPr>
+        <p:spPr>
+          <a:xfrm>
+            <a:off x="1973443" y="2796220"/>
+            <a:ext cx="301686" cy="369332"/>
+          </a:xfrm>
+          <a:prstGeom prst="rect">
+            <a:avLst/>
+          </a:prstGeom>
+          <a:noFill/>
+        </p:spPr>
+        <p:txBody>
+          <a:bodyPr wrap="none" rtlCol="0">
+            <a:spAutoFit/>
+          </a:bodyPr>
+          <a:lstStyle/>
+          <a:p>
+            <a:r>
+              <a:rPr lang="en-US" dirty="0"/>
+              <a:t>2</a:t>
+            </a:r>
+          </a:p>
+        </p:txBody>
+      </p:sp>
+      <p:sp>
+        <p:nvSpPr>
+          <p:cNvPr id="22" name="TextBox 21">
+            <a:extLst>
+              <a:ext uri="{FF2B5EF4-FFF2-40B4-BE49-F238E27FC236}">
+                <a16:creationId xmlns:a16="http://schemas.microsoft.com/office/drawing/2014/main" id="{E84B76FB-325C-B848-88FB-148D2A917F19}"/>
+              </a:ext>
+            </a:extLst>
+          </p:cNvPr>
+          <p:cNvSpPr txBox="1"/>
+          <p:nvPr/>
+        </p:nvSpPr>
+        <p:spPr>
+          <a:xfrm>
+            <a:off x="1820935" y="3625817"/>
+            <a:ext cx="301686" cy="369332"/>
+          </a:xfrm>
+          <a:prstGeom prst="rect">
+            <a:avLst/>
+          </a:prstGeom>
+          <a:noFill/>
+        </p:spPr>
+        <p:txBody>
+          <a:bodyPr wrap="none" rtlCol="0">
+            <a:spAutoFit/>
+          </a:bodyPr>
+          <a:lstStyle/>
+          <a:p>
+            <a:r>
+              <a:rPr lang="en-US" dirty="0"/>
+              <a:t>3</a:t>
+            </a:r>
+          </a:p>
+        </p:txBody>
+      </p:sp>
+      <p:sp>
+        <p:nvSpPr>
+          <p:cNvPr id="23" name="TextBox 22">
+            <a:extLst>
+              <a:ext uri="{FF2B5EF4-FFF2-40B4-BE49-F238E27FC236}">
+                <a16:creationId xmlns:a16="http://schemas.microsoft.com/office/drawing/2014/main" id="{2FC7D3FD-F12B-5E41-9BF8-2D15A449B5CC}"/>
+              </a:ext>
+            </a:extLst>
+          </p:cNvPr>
+          <p:cNvSpPr txBox="1"/>
+          <p:nvPr/>
+        </p:nvSpPr>
+        <p:spPr>
+          <a:xfrm>
+            <a:off x="455989" y="3630522"/>
+            <a:ext cx="301686" cy="369332"/>
+          </a:xfrm>
+          <a:prstGeom prst="rect">
+            <a:avLst/>
+          </a:prstGeom>
+          <a:noFill/>
+        </p:spPr>
+        <p:txBody>
+          <a:bodyPr wrap="none" rtlCol="0">
+            <a:spAutoFit/>
+          </a:bodyPr>
+          <a:lstStyle/>
+          <a:p>
+            <a:r>
+              <a:rPr lang="en-US" dirty="0"/>
+              <a:t>4</a:t>
+            </a:r>
+          </a:p>
+        </p:txBody>
+      </p:sp>
+      <p:sp>
+        <p:nvSpPr>
+          <p:cNvPr id="24" name="TextBox 23">
+            <a:extLst>
+              <a:ext uri="{FF2B5EF4-FFF2-40B4-BE49-F238E27FC236}">
+                <a16:creationId xmlns:a16="http://schemas.microsoft.com/office/drawing/2014/main" id="{E8D9472B-425F-FC4C-9634-5E4AE44F1DC0}"/>
+              </a:ext>
+            </a:extLst>
+          </p:cNvPr>
+          <p:cNvSpPr txBox="1"/>
+          <p:nvPr/>
+        </p:nvSpPr>
+        <p:spPr>
+          <a:xfrm>
+            <a:off x="305146" y="2754535"/>
+            <a:ext cx="301686" cy="369332"/>
+          </a:xfrm>
+          <a:prstGeom prst="rect">
+            <a:avLst/>
+          </a:prstGeom>
+          <a:noFill/>
+        </p:spPr>
+        <p:txBody>
+          <a:bodyPr wrap="none" rtlCol="0">
+            <a:spAutoFit/>
+          </a:bodyPr>
+          <a:lstStyle/>
+          <a:p>
+            <a:r>
+              <a:rPr lang="en-US" dirty="0"/>
+              <a:t>5</a:t>
+            </a:r>
+          </a:p>
+        </p:txBody>
+      </p:sp>
+      <p:cxnSp>
+        <p:nvCxnSpPr>
+          <p:cNvPr id="25" name="Straight Connector 24">
+            <a:extLst>
+              <a:ext uri="{FF2B5EF4-FFF2-40B4-BE49-F238E27FC236}">
+                <a16:creationId xmlns:a16="http://schemas.microsoft.com/office/drawing/2014/main" id="{757C19F9-3DB1-7F40-A7D5-21B0BBE9737D}"/>
+              </a:ext>
+            </a:extLst>
+          </p:cNvPr>
+          <p:cNvCxnSpPr/>
+          <p:nvPr/>
+        </p:nvCxnSpPr>
+        <p:spPr>
+          <a:xfrm flipV="1">
+            <a:off x="5408341" y="4437847"/>
+            <a:ext cx="579864" cy="12878"/>
+          </a:xfrm>
+          <a:prstGeom prst="line">
+            <a:avLst/>
+          </a:prstGeom>
+          <a:ln w="41275"/>
+        </p:spPr>
+        <p:style>
+          <a:lnRef idx="1">
+            <a:schemeClr val="accent1"/>
+          </a:lnRef>
+          <a:fillRef idx="0">
+            <a:schemeClr val="accent1"/>
+          </a:fillRef>
+          <a:effectRef idx="0">
+            <a:schemeClr val="accent1"/>
+          </a:effectRef>
+          <a:fontRef idx="minor">
+            <a:schemeClr val="tx1"/>
+          </a:fontRef>
+        </p:style>
+      </p:cxnSp>
+      <p:cxnSp>
+        <p:nvCxnSpPr>
+          <p:cNvPr id="26" name="Straight Connector 25">
+            <a:extLst>
+              <a:ext uri="{FF2B5EF4-FFF2-40B4-BE49-F238E27FC236}">
+                <a16:creationId xmlns:a16="http://schemas.microsoft.com/office/drawing/2014/main" id="{DCC48804-BBD8-0D4B-8126-C3BF4BCFC72B}"/>
+              </a:ext>
+            </a:extLst>
+          </p:cNvPr>
+          <p:cNvCxnSpPr/>
+          <p:nvPr/>
+        </p:nvCxnSpPr>
+        <p:spPr>
+          <a:xfrm flipV="1">
+            <a:off x="4828477" y="3819661"/>
+            <a:ext cx="579864" cy="12878"/>
+          </a:xfrm>
+          <a:prstGeom prst="line">
+            <a:avLst/>
+          </a:prstGeom>
+          <a:ln w="41275"/>
+        </p:spPr>
+        <p:style>
+          <a:lnRef idx="1">
+            <a:schemeClr val="accent1"/>
+          </a:lnRef>
+          <a:fillRef idx="0">
+            <a:schemeClr val="accent1"/>
+          </a:fillRef>
+          <a:effectRef idx="0">
+            <a:schemeClr val="accent1"/>
+          </a:effectRef>
+          <a:fontRef idx="minor">
+            <a:schemeClr val="tx1"/>
+          </a:fontRef>
+        </p:style>
+      </p:cxnSp>
+      <p:cxnSp>
+        <p:nvCxnSpPr>
+          <p:cNvPr id="27" name="Straight Connector 26">
+            <a:extLst>
+              <a:ext uri="{FF2B5EF4-FFF2-40B4-BE49-F238E27FC236}">
+                <a16:creationId xmlns:a16="http://schemas.microsoft.com/office/drawing/2014/main" id="{8DE0211A-EAB4-7542-93C5-E360DEE0116F}"/>
+              </a:ext>
+            </a:extLst>
+          </p:cNvPr>
+          <p:cNvCxnSpPr/>
+          <p:nvPr/>
+        </p:nvCxnSpPr>
+        <p:spPr>
+          <a:xfrm flipV="1">
+            <a:off x="5988205" y="3806783"/>
+            <a:ext cx="579864" cy="12878"/>
+          </a:xfrm>
+          <a:prstGeom prst="line">
+            <a:avLst/>
+          </a:prstGeom>
+          <a:ln w="41275"/>
+        </p:spPr>
+        <p:style>
+          <a:lnRef idx="1">
+            <a:schemeClr val="accent1"/>
+          </a:lnRef>
+          <a:fillRef idx="0">
+            <a:schemeClr val="accent1"/>
+          </a:fillRef>
+          <a:effectRef idx="0">
+            <a:schemeClr val="accent1"/>
+          </a:effectRef>
+          <a:fontRef idx="minor">
+            <a:schemeClr val="tx1"/>
+          </a:fontRef>
+        </p:style>
+      </p:cxnSp>
+      <p:cxnSp>
+        <p:nvCxnSpPr>
+          <p:cNvPr id="28" name="Straight Connector 27">
+            <a:extLst>
+              <a:ext uri="{FF2B5EF4-FFF2-40B4-BE49-F238E27FC236}">
+                <a16:creationId xmlns:a16="http://schemas.microsoft.com/office/drawing/2014/main" id="{F6E78E83-13C2-F14C-AD42-1AC0AC82C594}"/>
+              </a:ext>
+            </a:extLst>
+          </p:cNvPr>
+          <p:cNvCxnSpPr/>
+          <p:nvPr/>
+        </p:nvCxnSpPr>
+        <p:spPr>
+          <a:xfrm flipV="1">
+            <a:off x="4828477" y="2958724"/>
+            <a:ext cx="579864" cy="12878"/>
+          </a:xfrm>
+          <a:prstGeom prst="line">
+            <a:avLst/>
+          </a:prstGeom>
+          <a:ln w="41275"/>
+        </p:spPr>
+        <p:style>
+          <a:lnRef idx="1">
+            <a:schemeClr val="accent1"/>
+          </a:lnRef>
+          <a:fillRef idx="0">
+            <a:schemeClr val="accent1"/>
+          </a:fillRef>
+          <a:effectRef idx="0">
+            <a:schemeClr val="accent1"/>
+          </a:effectRef>
+          <a:fontRef idx="minor">
+            <a:schemeClr val="tx1"/>
+          </a:fontRef>
+        </p:style>
+      </p:cxnSp>
+      <p:cxnSp>
+        <p:nvCxnSpPr>
+          <p:cNvPr id="29" name="Straight Arrow Connector 28">
+            <a:extLst>
+              <a:ext uri="{FF2B5EF4-FFF2-40B4-BE49-F238E27FC236}">
+                <a16:creationId xmlns:a16="http://schemas.microsoft.com/office/drawing/2014/main" id="{828B8B1A-5FC2-1E44-9524-97CBBECDFE7A}"/>
+              </a:ext>
+            </a:extLst>
+          </p:cNvPr>
+          <p:cNvCxnSpPr>
+            <a:cxnSpLocks/>
+          </p:cNvCxnSpPr>
+          <p:nvPr/>
+        </p:nvCxnSpPr>
+        <p:spPr>
+          <a:xfrm flipV="1">
+            <a:off x="5535769" y="3923764"/>
+            <a:ext cx="0" cy="513076"/>
+          </a:xfrm>
+          <a:prstGeom prst="straightConnector1">
+            <a:avLst/>
+          </a:prstGeom>
+          <a:ln w="44450">
+            <a:tailEnd type="triangle"/>
+          </a:ln>
+        </p:spPr>
+        <p:style>
+          <a:lnRef idx="1">
+            <a:schemeClr val="accent1"/>
+          </a:lnRef>
+          <a:fillRef idx="0">
+            <a:schemeClr val="accent1"/>
+          </a:fillRef>
+          <a:effectRef idx="0">
+            <a:schemeClr val="accent1"/>
+          </a:effectRef>
+          <a:fontRef idx="minor">
+            <a:schemeClr val="tx1"/>
+          </a:fontRef>
+        </p:style>
+      </p:cxnSp>
+      <p:cxnSp>
+        <p:nvCxnSpPr>
+          <p:cNvPr id="30" name="Straight Arrow Connector 29">
+            <a:extLst>
+              <a:ext uri="{FF2B5EF4-FFF2-40B4-BE49-F238E27FC236}">
+                <a16:creationId xmlns:a16="http://schemas.microsoft.com/office/drawing/2014/main" id="{AA73113A-3CBF-374B-BF42-E7EEBF1E3719}"/>
+              </a:ext>
+            </a:extLst>
+          </p:cNvPr>
+          <p:cNvCxnSpPr>
+            <a:cxnSpLocks/>
+          </p:cNvCxnSpPr>
+          <p:nvPr/>
+        </p:nvCxnSpPr>
+        <p:spPr>
+          <a:xfrm>
+            <a:off x="5894232" y="3923764"/>
+            <a:ext cx="0" cy="513076"/>
+          </a:xfrm>
+          <a:prstGeom prst="straightConnector1">
+            <a:avLst/>
+          </a:prstGeom>
+          <a:ln w="44450">
+            <a:tailEnd type="triangle"/>
+          </a:ln>
+        </p:spPr>
+        <p:style>
+          <a:lnRef idx="1">
+            <a:schemeClr val="accent1"/>
+          </a:lnRef>
+          <a:fillRef idx="0">
+            <a:schemeClr val="accent1"/>
+          </a:fillRef>
+          <a:effectRef idx="0">
+            <a:schemeClr val="accent1"/>
+          </a:effectRef>
+          <a:fontRef idx="minor">
+            <a:schemeClr val="tx1"/>
+          </a:fontRef>
+        </p:style>
+      </p:cxnSp>
+      <p:cxnSp>
+        <p:nvCxnSpPr>
+          <p:cNvPr id="32" name="Straight Arrow Connector 31">
+            <a:extLst>
+              <a:ext uri="{FF2B5EF4-FFF2-40B4-BE49-F238E27FC236}">
+                <a16:creationId xmlns:a16="http://schemas.microsoft.com/office/drawing/2014/main" id="{0B440BAE-EF14-3347-BB5C-1098F589253F}"/>
+              </a:ext>
+            </a:extLst>
+          </p:cNvPr>
+          <p:cNvCxnSpPr>
+            <a:cxnSpLocks/>
+          </p:cNvCxnSpPr>
+          <p:nvPr/>
+        </p:nvCxnSpPr>
+        <p:spPr>
+          <a:xfrm flipV="1">
+            <a:off x="6278137" y="3252989"/>
+            <a:ext cx="0" cy="513076"/>
+          </a:xfrm>
+          <a:prstGeom prst="straightConnector1">
+            <a:avLst/>
+          </a:prstGeom>
+          <a:ln w="44450">
+            <a:tailEnd type="triangle"/>
+          </a:ln>
+        </p:spPr>
+        <p:style>
+          <a:lnRef idx="1">
+            <a:schemeClr val="accent1"/>
+          </a:lnRef>
+          <a:fillRef idx="0">
+            <a:schemeClr val="accent1"/>
+          </a:fillRef>
+          <a:effectRef idx="0">
+            <a:schemeClr val="accent1"/>
+          </a:effectRef>
+          <a:fontRef idx="minor">
+            <a:schemeClr val="tx1"/>
+          </a:fontRef>
+        </p:style>
+      </p:cxnSp>
+      <p:cxnSp>
+        <p:nvCxnSpPr>
+          <p:cNvPr id="33" name="Straight Arrow Connector 32">
+            <a:extLst>
+              <a:ext uri="{FF2B5EF4-FFF2-40B4-BE49-F238E27FC236}">
+                <a16:creationId xmlns:a16="http://schemas.microsoft.com/office/drawing/2014/main" id="{6F543858-D0A1-3D48-82B0-0478B0D65659}"/>
+              </a:ext>
+            </a:extLst>
+          </p:cNvPr>
+          <p:cNvCxnSpPr/>
+          <p:nvPr/>
+        </p:nvCxnSpPr>
+        <p:spPr>
+          <a:xfrm flipV="1">
+            <a:off x="4261943" y="3012516"/>
+            <a:ext cx="0" cy="1438209"/>
+          </a:xfrm>
+          <a:prstGeom prst="straightConnector1">
+            <a:avLst/>
+          </a:prstGeom>
+          <a:ln w="28575">
+            <a:tailEnd type="triangle"/>
+          </a:ln>
+        </p:spPr>
+        <p:style>
+          <a:lnRef idx="1">
+            <a:schemeClr val="accent1"/>
+          </a:lnRef>
+          <a:fillRef idx="0">
+            <a:schemeClr val="accent1"/>
+          </a:fillRef>
+          <a:effectRef idx="0">
+            <a:schemeClr val="accent1"/>
+          </a:effectRef>
+          <a:fontRef idx="minor">
+            <a:schemeClr val="tx1"/>
+          </a:fontRef>
+        </p:style>
+      </p:cxnSp>
+      <p:sp>
+        <p:nvSpPr>
+          <p:cNvPr id="34" name="TextBox 33">
+            <a:extLst>
+              <a:ext uri="{FF2B5EF4-FFF2-40B4-BE49-F238E27FC236}">
+                <a16:creationId xmlns:a16="http://schemas.microsoft.com/office/drawing/2014/main" id="{B8FB72A5-AB4B-1E4A-B98F-37581CDE9622}"/>
+              </a:ext>
+            </a:extLst>
+          </p:cNvPr>
+          <p:cNvSpPr txBox="1"/>
+          <p:nvPr/>
+        </p:nvSpPr>
+        <p:spPr>
+          <a:xfrm>
+            <a:off x="3862698" y="3501913"/>
+            <a:ext cx="296876" cy="369332"/>
+          </a:xfrm>
+          <a:prstGeom prst="rect">
+            <a:avLst/>
+          </a:prstGeom>
+          <a:noFill/>
+        </p:spPr>
+        <p:txBody>
+          <a:bodyPr wrap="none" rtlCol="0">
+            <a:spAutoFit/>
+          </a:bodyPr>
+          <a:lstStyle/>
+          <a:p>
+            <a:r>
+              <a:rPr lang="en-US" dirty="0"/>
+              <a:t>E</a:t>
+            </a:r>
+          </a:p>
+        </p:txBody>
+      </p:sp>
+      <p:cxnSp>
+        <p:nvCxnSpPr>
+          <p:cNvPr id="36" name="Straight Connector 35">
+            <a:extLst>
+              <a:ext uri="{FF2B5EF4-FFF2-40B4-BE49-F238E27FC236}">
+                <a16:creationId xmlns:a16="http://schemas.microsoft.com/office/drawing/2014/main" id="{40D2FFF8-560A-814D-ADA3-E2C6CADBE34C}"/>
+              </a:ext>
+            </a:extLst>
+          </p:cNvPr>
+          <p:cNvCxnSpPr/>
+          <p:nvPr/>
+        </p:nvCxnSpPr>
+        <p:spPr>
+          <a:xfrm flipV="1">
+            <a:off x="5988205" y="2924579"/>
+            <a:ext cx="579864" cy="12878"/>
+          </a:xfrm>
+          <a:prstGeom prst="line">
+            <a:avLst/>
+          </a:prstGeom>
+          <a:ln w="41275"/>
+        </p:spPr>
+        <p:style>
+          <a:lnRef idx="1">
+            <a:schemeClr val="accent1"/>
+          </a:lnRef>
+          <a:fillRef idx="0">
+            <a:schemeClr val="accent1"/>
+          </a:fillRef>
+          <a:effectRef idx="0">
+            <a:schemeClr val="accent1"/>
+          </a:effectRef>
+          <a:fontRef idx="minor">
+            <a:schemeClr val="tx1"/>
+          </a:fontRef>
+        </p:style>
+      </p:cxnSp>
+      <p:sp>
+        <p:nvSpPr>
+          <p:cNvPr id="37" name="TextBox 36">
+            <a:extLst>
+              <a:ext uri="{FF2B5EF4-FFF2-40B4-BE49-F238E27FC236}">
+                <a16:creationId xmlns:a16="http://schemas.microsoft.com/office/drawing/2014/main" id="{28619D20-FF92-F14F-99EE-6C63895B044F}"/>
+              </a:ext>
+            </a:extLst>
+          </p:cNvPr>
+          <p:cNvSpPr txBox="1"/>
+          <p:nvPr/>
+        </p:nvSpPr>
+        <p:spPr>
+          <a:xfrm>
+            <a:off x="6983759" y="4266059"/>
+            <a:ext cx="372218" cy="369332"/>
+          </a:xfrm>
+          <a:prstGeom prst="rect">
+            <a:avLst/>
+          </a:prstGeom>
+          <a:noFill/>
+        </p:spPr>
+        <p:txBody>
+          <a:bodyPr wrap="none" rtlCol="0">
+            <a:spAutoFit/>
+          </a:bodyPr>
+          <a:lstStyle/>
+          <a:p>
+            <a:r>
+              <a:rPr lang="en-US" dirty="0"/>
+              <a:t>-2</a:t>
+            </a:r>
+          </a:p>
+        </p:txBody>
+      </p:sp>
+      <p:sp>
+        <p:nvSpPr>
+          <p:cNvPr id="38" name="TextBox 37">
+            <a:extLst>
+              <a:ext uri="{FF2B5EF4-FFF2-40B4-BE49-F238E27FC236}">
+                <a16:creationId xmlns:a16="http://schemas.microsoft.com/office/drawing/2014/main" id="{09C11A7D-5862-4445-8531-4319501FAED9}"/>
+              </a:ext>
+            </a:extLst>
+          </p:cNvPr>
+          <p:cNvSpPr txBox="1"/>
+          <p:nvPr/>
+        </p:nvSpPr>
+        <p:spPr>
+          <a:xfrm>
+            <a:off x="6983759" y="3554432"/>
+            <a:ext cx="546945" cy="369332"/>
+          </a:xfrm>
+          <a:prstGeom prst="rect">
+            <a:avLst/>
+          </a:prstGeom>
+          <a:noFill/>
+        </p:spPr>
+        <p:txBody>
+          <a:bodyPr wrap="none" rtlCol="0">
+            <a:spAutoFit/>
+          </a:bodyPr>
+          <a:lstStyle/>
+          <a:p>
+            <a:r>
+              <a:rPr lang="en-US" dirty="0"/>
+              <a:t>-0.6</a:t>
+            </a:r>
+          </a:p>
+        </p:txBody>
+      </p:sp>
+      <p:sp>
+        <p:nvSpPr>
+          <p:cNvPr id="39" name="TextBox 38">
+            <a:extLst>
+              <a:ext uri="{FF2B5EF4-FFF2-40B4-BE49-F238E27FC236}">
+                <a16:creationId xmlns:a16="http://schemas.microsoft.com/office/drawing/2014/main" id="{CB74D950-67BF-D543-89D1-B2DFBAA485DA}"/>
+              </a:ext>
+            </a:extLst>
+          </p:cNvPr>
+          <p:cNvSpPr txBox="1"/>
+          <p:nvPr/>
+        </p:nvSpPr>
+        <p:spPr>
+          <a:xfrm>
+            <a:off x="6981546" y="2721241"/>
+            <a:ext cx="476412" cy="369332"/>
+          </a:xfrm>
+          <a:prstGeom prst="rect">
+            <a:avLst/>
+          </a:prstGeom>
+          <a:noFill/>
+        </p:spPr>
+        <p:txBody>
+          <a:bodyPr wrap="none" rtlCol="0">
+            <a:spAutoFit/>
+          </a:bodyPr>
+          <a:lstStyle/>
+          <a:p>
+            <a:r>
+              <a:rPr lang="en-US" dirty="0"/>
+              <a:t>1.6</a:t>
+            </a:r>
+          </a:p>
+        </p:txBody>
+      </p:sp>
+      <p:cxnSp>
+        <p:nvCxnSpPr>
+          <p:cNvPr id="41" name="Straight Arrow Connector 40">
+            <a:extLst>
+              <a:ext uri="{FF2B5EF4-FFF2-40B4-BE49-F238E27FC236}">
+                <a16:creationId xmlns:a16="http://schemas.microsoft.com/office/drawing/2014/main" id="{7ECB4324-4654-2449-9F75-5F1246D6DF1A}"/>
+              </a:ext>
+            </a:extLst>
+          </p:cNvPr>
+          <p:cNvCxnSpPr>
+            <a:cxnSpLocks/>
+          </p:cNvCxnSpPr>
+          <p:nvPr/>
+        </p:nvCxnSpPr>
+        <p:spPr>
+          <a:xfrm flipV="1">
+            <a:off x="4963339" y="3293707"/>
+            <a:ext cx="0" cy="513076"/>
+          </a:xfrm>
+          <a:prstGeom prst="straightConnector1">
+            <a:avLst/>
+          </a:prstGeom>
+          <a:ln w="44450">
+            <a:tailEnd type="triangle"/>
+          </a:ln>
+        </p:spPr>
+        <p:style>
+          <a:lnRef idx="1">
+            <a:schemeClr val="accent1"/>
+          </a:lnRef>
+          <a:fillRef idx="0">
+            <a:schemeClr val="accent1"/>
+          </a:fillRef>
+          <a:effectRef idx="0">
+            <a:schemeClr val="accent1"/>
+          </a:effectRef>
+          <a:fontRef idx="minor">
+            <a:schemeClr val="tx1"/>
+          </a:fontRef>
+        </p:style>
+      </p:cxnSp>
+      <p:cxnSp>
+        <p:nvCxnSpPr>
+          <p:cNvPr id="42" name="Straight Arrow Connector 41">
+            <a:extLst>
+              <a:ext uri="{FF2B5EF4-FFF2-40B4-BE49-F238E27FC236}">
+                <a16:creationId xmlns:a16="http://schemas.microsoft.com/office/drawing/2014/main" id="{0FB34BC1-C7B8-604A-ABDD-E2B341EA6CC1}"/>
+              </a:ext>
+            </a:extLst>
+          </p:cNvPr>
+          <p:cNvCxnSpPr>
+            <a:cxnSpLocks/>
+          </p:cNvCxnSpPr>
+          <p:nvPr/>
+        </p:nvCxnSpPr>
+        <p:spPr>
+          <a:xfrm>
+            <a:off x="5321802" y="3293707"/>
+            <a:ext cx="0" cy="513076"/>
+          </a:xfrm>
+          <a:prstGeom prst="straightConnector1">
+            <a:avLst/>
+          </a:prstGeom>
+          <a:ln w="44450">
+            <a:tailEnd type="triangle"/>
+          </a:ln>
+        </p:spPr>
+        <p:style>
+          <a:lnRef idx="1">
+            <a:schemeClr val="accent1"/>
+          </a:lnRef>
+          <a:fillRef idx="0">
+            <a:schemeClr val="accent1"/>
+          </a:fillRef>
+          <a:effectRef idx="0">
+            <a:schemeClr val="accent1"/>
+          </a:effectRef>
+          <a:fontRef idx="minor">
+            <a:schemeClr val="tx1"/>
+          </a:fontRef>
+        </p:style>
+      </p:cxnSp>
+      <p:pic>
+        <p:nvPicPr>
+          <p:cNvPr id="6" name="Picture 5">
+            <a:extLst>
+              <a:ext uri="{FF2B5EF4-FFF2-40B4-BE49-F238E27FC236}">
+                <a16:creationId xmlns:a16="http://schemas.microsoft.com/office/drawing/2014/main" id="{4926DC31-A93E-E34A-BBBE-72E38AB6D607}"/>
+              </a:ext>
+            </a:extLst>
+          </p:cNvPr>
+          <p:cNvPicPr>
+            <a:picLocks noChangeAspect="1"/>
+          </p:cNvPicPr>
+          <p:nvPr/>
+        </p:nvPicPr>
+        <p:blipFill>
+          <a:blip r:embed="rId3"/>
+          <a:stretch>
+            <a:fillRect/>
+          </a:stretch>
+        </p:blipFill>
+        <p:spPr>
+          <a:xfrm>
+            <a:off x="622300" y="5116033"/>
+            <a:ext cx="7899400" cy="469900"/>
+          </a:xfrm>
+          <a:prstGeom prst="rect">
+            <a:avLst/>
+          </a:prstGeom>
+        </p:spPr>
+      </p:pic>
+      <p:sp>
+        <p:nvSpPr>
+          <p:cNvPr id="7" name="Rectangle 6">
+            <a:extLst>
+              <a:ext uri="{FF2B5EF4-FFF2-40B4-BE49-F238E27FC236}">
+                <a16:creationId xmlns:a16="http://schemas.microsoft.com/office/drawing/2014/main" id="{FADF1B3A-82D7-3341-8630-C21CF275D89C}"/>
+              </a:ext>
+            </a:extLst>
+          </p:cNvPr>
+          <p:cNvSpPr/>
+          <p:nvPr/>
+        </p:nvSpPr>
+        <p:spPr>
+          <a:xfrm>
+            <a:off x="1032627" y="5774187"/>
+            <a:ext cx="1167307" cy="584775"/>
+          </a:xfrm>
+          <a:prstGeom prst="rect">
+            <a:avLst/>
+          </a:prstGeom>
+        </p:spPr>
+        <p:txBody>
+          <a:bodyPr wrap="none">
+            <a:spAutoFit/>
+          </a:bodyPr>
+          <a:lstStyle/>
+          <a:p>
+            <a:r>
+              <a:rPr lang="en-GB" sz="3200" dirty="0">
+                <a:solidFill>
+                  <a:srgbClr val="000000"/>
+                </a:solidFill>
+                <a:latin typeface="Times New Roman"/>
+                <a:cs typeface="Times New Roman"/>
+              </a:rPr>
+              <a:t>= -5.8</a:t>
+            </a:r>
+            <a:endParaRPr lang="en-US" sz="3200" dirty="0"/>
+          </a:p>
+        </p:txBody>
+      </p:sp>
+      <p:sp>
+        <p:nvSpPr>
+          <p:cNvPr id="8" name="Rectangle 7">
+            <a:extLst>
+              <a:ext uri="{FF2B5EF4-FFF2-40B4-BE49-F238E27FC236}">
+                <a16:creationId xmlns:a16="http://schemas.microsoft.com/office/drawing/2014/main" id="{D2793080-4A8F-0149-B57F-042712559A69}"/>
+              </a:ext>
+            </a:extLst>
+          </p:cNvPr>
+          <p:cNvSpPr/>
+          <p:nvPr/>
+        </p:nvSpPr>
+        <p:spPr>
+          <a:xfrm>
+            <a:off x="4535487" y="1949069"/>
+            <a:ext cx="2553629" cy="523220"/>
+          </a:xfrm>
+          <a:prstGeom prst="rect">
+            <a:avLst/>
+          </a:prstGeom>
+        </p:spPr>
+        <p:txBody>
+          <a:bodyPr wrap="square">
+            <a:spAutoFit/>
+          </a:bodyPr>
+          <a:lstStyle/>
+          <a:p>
+            <a:r>
+              <a:rPr lang="en-GB" sz="2800" dirty="0">
+                <a:solidFill>
+                  <a:srgbClr val="000000"/>
+                </a:solidFill>
+                <a:latin typeface="Times New Roman"/>
+                <a:cs typeface="Times New Roman"/>
+              </a:rPr>
+              <a:t>Energy Diagram</a:t>
+            </a:r>
+            <a:endParaRPr lang="en-US" sz="2800" dirty="0"/>
+          </a:p>
+        </p:txBody>
+      </p:sp>
+    </p:spTree>
+    <p:extLst>
+      <p:ext uri="{BB962C8B-B14F-4D97-AF65-F5344CB8AC3E}">
+        <p14:creationId xmlns:p14="http://schemas.microsoft.com/office/powerpoint/2010/main" val="255775639"/>
+      </p:ext>
+    </p:extLst>
+  </p:cSld>
+  <p:clrMapOvr>
+    <a:masterClrMapping/>
+  </p:clrMapOvr>
+</p:sld>
+</file>
+
+<file path=ppt/slides/slide14.xml><?xml version="1.0" encoding="utf-8"?>
+<p:sld xmlns:a="http://schemas.openxmlformats.org/drawingml/2006/main" xmlns:r="http://schemas.openxmlformats.org/officeDocument/2006/relationships" xmlns:p="http://schemas.openxmlformats.org/presentationml/2006/main">
+  <p:cSld>
+    <p:spTree>
+      <p:nvGrpSpPr>
+        <p:cNvPr id="1" name=""/>
+        <p:cNvGrpSpPr/>
+        <p:nvPr/>
+      </p:nvGrpSpPr>
+      <p:grpSpPr>
+        <a:xfrm>
+          <a:off x="0" y="0"/>
+          <a:ext cx="0" cy="0"/>
+          <a:chOff x="0" y="0"/>
+          <a:chExt cx="0" cy="0"/>
+        </a:xfrm>
+      </p:grpSpPr>
+      <p:sp>
+        <p:nvSpPr>
+          <p:cNvPr id="11266" name="Rectangle 5"/>
+          <p:cNvSpPr>
+            <a:spLocks noChangeArrowheads="1"/>
+          </p:cNvSpPr>
+          <p:nvPr/>
+        </p:nvSpPr>
+        <p:spPr bwMode="auto">
+          <a:xfrm>
+            <a:off x="231776" y="1197805"/>
+            <a:ext cx="8686800" cy="849975"/>
+          </a:xfrm>
+          <a:prstGeom prst="rect">
+            <a:avLst/>
+          </a:prstGeom>
+          <a:noFill/>
+          <a:ln w="9525">
+            <a:noFill/>
+            <a:round/>
+            <a:headEnd/>
+            <a:tailEnd/>
+          </a:ln>
+        </p:spPr>
+        <p:txBody>
+          <a:bodyPr lIns="0" tIns="0" rIns="0" bIns="0"/>
+          <a:lstStyle/>
+          <a:p>
+            <a:pPr marL="887413" lvl="1" indent="-323850">
+              <a:spcBef>
+                <a:spcPts val="800"/>
+              </a:spcBef>
+              <a:buClr>
+                <a:srgbClr val="000000"/>
+              </a:buClr>
+              <a:buSzPct val="100000"/>
+              <a:buFont typeface="Arial"/>
+              <a:buChar char="•"/>
+              <a:tabLst>
+                <a:tab pos="430213" algn="l"/>
+                <a:tab pos="1344613" algn="l"/>
+                <a:tab pos="2259013" algn="l"/>
+                <a:tab pos="3173413" algn="l"/>
+                <a:tab pos="4087813" algn="l"/>
+                <a:tab pos="5002213" algn="l"/>
+                <a:tab pos="5916613" algn="l"/>
+                <a:tab pos="6831013" algn="l"/>
+                <a:tab pos="7745413" algn="l"/>
+                <a:tab pos="8659813" algn="l"/>
+                <a:tab pos="9574213" algn="l"/>
+                <a:tab pos="10488613" algn="l"/>
+              </a:tabLst>
+            </a:pPr>
+            <a:r>
+              <a:rPr lang="en-GB" sz="2800" dirty="0" err="1">
+                <a:solidFill>
+                  <a:srgbClr val="000000"/>
+                </a:solidFill>
+                <a:latin typeface="Times New Roman"/>
+                <a:cs typeface="Times New Roman"/>
+              </a:rPr>
+              <a:t>Huckel</a:t>
+            </a:r>
+            <a:r>
+              <a:rPr lang="en-GB" sz="2800" dirty="0">
+                <a:solidFill>
+                  <a:srgbClr val="000000"/>
+                </a:solidFill>
+                <a:latin typeface="Times New Roman"/>
+                <a:cs typeface="Times New Roman"/>
+              </a:rPr>
+              <a:t> bond order gives an idea of the strength of the “bond” between any two atoms:</a:t>
+            </a:r>
+            <a:endParaRPr lang="en-GB" sz="2800" b="1" dirty="0">
+              <a:solidFill>
+                <a:srgbClr val="000000"/>
+              </a:solidFill>
+              <a:latin typeface="Times New Roman"/>
+              <a:cs typeface="Times New Roman"/>
+            </a:endParaRPr>
+          </a:p>
+        </p:txBody>
+      </p:sp>
+      <p:sp>
+        <p:nvSpPr>
+          <p:cNvPr id="25603" name="Rectangle 4"/>
+          <p:cNvSpPr>
+            <a:spLocks noChangeArrowheads="1"/>
+          </p:cNvSpPr>
+          <p:nvPr/>
+        </p:nvSpPr>
+        <p:spPr bwMode="auto">
+          <a:xfrm>
+            <a:off x="231775" y="332601"/>
+            <a:ext cx="8607425" cy="1127125"/>
+          </a:xfrm>
+          <a:prstGeom prst="rect">
+            <a:avLst/>
+          </a:prstGeom>
+          <a:noFill/>
+          <a:ln w="9525">
+            <a:noFill/>
+            <a:round/>
+            <a:headEnd/>
+            <a:tailEnd/>
+          </a:ln>
+        </p:spPr>
+        <p:txBody>
+          <a:bodyPr lIns="0" tIns="0" rIns="0" bIns="0" anchor="ctr"/>
+          <a:lstStyle/>
+          <a:p>
+            <a:pPr algn="ctr">
+              <a:buClr>
+                <a:srgbClr val="000000"/>
+              </a:buClr>
+              <a:buSzPct val="100000"/>
+              <a:buFont typeface="Times New Roman" pitchFamily="18" charset="0"/>
+              <a:buNone/>
+              <a:tabLst>
+                <a:tab pos="0" algn="l"/>
+                <a:tab pos="914400" algn="l"/>
+                <a:tab pos="1828800" algn="l"/>
+                <a:tab pos="2743200" algn="l"/>
+                <a:tab pos="3657600" algn="l"/>
+                <a:tab pos="4572000" algn="l"/>
+                <a:tab pos="5486400" algn="l"/>
+                <a:tab pos="6400800" algn="l"/>
+                <a:tab pos="7315200" algn="l"/>
+                <a:tab pos="8229600" algn="l"/>
+                <a:tab pos="9144000" algn="l"/>
+                <a:tab pos="10058400" algn="l"/>
+              </a:tabLst>
+            </a:pPr>
+            <a:r>
+              <a:rPr lang="en-GB" sz="4000" dirty="0">
+                <a:solidFill>
+                  <a:srgbClr val="000000"/>
+                </a:solidFill>
+                <a:latin typeface="Times New Roman" pitchFamily="18" charset="0"/>
+              </a:rPr>
+              <a:t>The Molecular Orbital Model</a:t>
+            </a:r>
+          </a:p>
+        </p:txBody>
+      </p:sp>
+      <p:pic>
+        <p:nvPicPr>
+          <p:cNvPr id="19" name="Picture 2"/>
+          <p:cNvPicPr>
+            <a:picLocks noChangeAspect="1" noChangeArrowheads="1"/>
+          </p:cNvPicPr>
+          <p:nvPr/>
+        </p:nvPicPr>
+        <p:blipFill>
+          <a:blip r:embed="rId2"/>
+          <a:srcRect/>
+          <a:stretch>
+            <a:fillRect/>
+          </a:stretch>
+        </p:blipFill>
+        <p:spPr bwMode="auto">
+          <a:xfrm>
+            <a:off x="231776" y="263525"/>
+            <a:ext cx="8351838" cy="243412"/>
+          </a:xfrm>
+          <a:prstGeom prst="rect">
+            <a:avLst/>
+          </a:prstGeom>
+          <a:noFill/>
+          <a:ln w="9525">
+            <a:noFill/>
+            <a:round/>
+            <a:headEnd/>
+            <a:tailEnd/>
+          </a:ln>
+        </p:spPr>
+      </p:pic>
+      <p:pic>
+        <p:nvPicPr>
+          <p:cNvPr id="4" name="Picture 3">
+            <a:extLst>
+              <a:ext uri="{FF2B5EF4-FFF2-40B4-BE49-F238E27FC236}">
+                <a16:creationId xmlns:a16="http://schemas.microsoft.com/office/drawing/2014/main" id="{548513A0-0459-B94F-8777-0ADC9293CF6E}"/>
+              </a:ext>
+            </a:extLst>
+          </p:cNvPr>
+          <p:cNvPicPr>
+            <a:picLocks noChangeAspect="1"/>
+          </p:cNvPicPr>
+          <p:nvPr/>
+        </p:nvPicPr>
+        <p:blipFill>
+          <a:blip r:embed="rId3"/>
+          <a:stretch>
+            <a:fillRect/>
+          </a:stretch>
+        </p:blipFill>
+        <p:spPr>
+          <a:xfrm>
+            <a:off x="2639359" y="2701068"/>
+            <a:ext cx="3115982" cy="995104"/>
+          </a:xfrm>
+          <a:prstGeom prst="rect">
+            <a:avLst/>
+          </a:prstGeom>
+        </p:spPr>
+      </p:pic>
+      <p:cxnSp>
+        <p:nvCxnSpPr>
+          <p:cNvPr id="17" name="Straight Arrow Connector 16">
+            <a:extLst>
+              <a:ext uri="{FF2B5EF4-FFF2-40B4-BE49-F238E27FC236}">
+                <a16:creationId xmlns:a16="http://schemas.microsoft.com/office/drawing/2014/main" id="{BBF2B473-ED28-2244-AC25-21686B60FF43}"/>
+              </a:ext>
+            </a:extLst>
+          </p:cNvPr>
+          <p:cNvCxnSpPr/>
+          <p:nvPr/>
+        </p:nvCxnSpPr>
+        <p:spPr>
+          <a:xfrm flipH="1" flipV="1">
+            <a:off x="4149565" y="3766896"/>
+            <a:ext cx="390293" cy="434898"/>
+          </a:xfrm>
+          <a:prstGeom prst="straightConnector1">
+            <a:avLst/>
+          </a:prstGeom>
+          <a:ln w="31750">
+            <a:tailEnd type="triangle"/>
+          </a:ln>
+        </p:spPr>
+        <p:style>
+          <a:lnRef idx="2">
+            <a:schemeClr val="accent1"/>
+          </a:lnRef>
+          <a:fillRef idx="0">
+            <a:schemeClr val="accent1"/>
+          </a:fillRef>
+          <a:effectRef idx="1">
+            <a:schemeClr val="accent1"/>
+          </a:effectRef>
+          <a:fontRef idx="minor">
+            <a:schemeClr val="tx1"/>
+          </a:fontRef>
+        </p:style>
+      </p:cxnSp>
+      <p:sp>
+        <p:nvSpPr>
+          <p:cNvPr id="18" name="Rectangle 17">
+            <a:extLst>
+              <a:ext uri="{FF2B5EF4-FFF2-40B4-BE49-F238E27FC236}">
+                <a16:creationId xmlns:a16="http://schemas.microsoft.com/office/drawing/2014/main" id="{254F3D94-7434-7A4D-BDCA-CB69D35E6004}"/>
+              </a:ext>
+            </a:extLst>
+          </p:cNvPr>
+          <p:cNvSpPr/>
+          <p:nvPr/>
+        </p:nvSpPr>
+        <p:spPr>
+          <a:xfrm>
+            <a:off x="4068696" y="4193056"/>
+            <a:ext cx="2698175" cy="369332"/>
+          </a:xfrm>
+          <a:prstGeom prst="rect">
+            <a:avLst/>
+          </a:prstGeom>
+        </p:spPr>
+        <p:txBody>
+          <a:bodyPr wrap="none">
+            <a:spAutoFit/>
+          </a:bodyPr>
+          <a:lstStyle/>
+          <a:p>
+            <a:r>
+              <a:rPr lang="en-GB" dirty="0">
+                <a:solidFill>
+                  <a:srgbClr val="000000"/>
+                </a:solidFill>
+                <a:latin typeface="Times New Roman"/>
+                <a:cs typeface="Times New Roman"/>
+              </a:rPr>
+              <a:t>Sum is over occupied MOs</a:t>
+            </a:r>
+            <a:endParaRPr lang="en-US" dirty="0"/>
+          </a:p>
+        </p:txBody>
+      </p:sp>
+      <p:sp>
+        <p:nvSpPr>
+          <p:cNvPr id="20" name="Rectangle 19">
+            <a:extLst>
+              <a:ext uri="{FF2B5EF4-FFF2-40B4-BE49-F238E27FC236}">
+                <a16:creationId xmlns:a16="http://schemas.microsoft.com/office/drawing/2014/main" id="{84BE5D65-6506-6142-8D04-4B27E8F62FF7}"/>
+              </a:ext>
+            </a:extLst>
+          </p:cNvPr>
+          <p:cNvSpPr/>
+          <p:nvPr/>
+        </p:nvSpPr>
+        <p:spPr>
+          <a:xfrm>
+            <a:off x="5056093" y="2331736"/>
+            <a:ext cx="2673232" cy="369332"/>
+          </a:xfrm>
+          <a:prstGeom prst="rect">
+            <a:avLst/>
+          </a:prstGeom>
+        </p:spPr>
+        <p:txBody>
+          <a:bodyPr wrap="none">
+            <a:spAutoFit/>
+          </a:bodyPr>
+          <a:lstStyle/>
+          <a:p>
+            <a:r>
+              <a:rPr lang="en-GB" dirty="0">
+                <a:solidFill>
+                  <a:srgbClr val="000000"/>
+                </a:solidFill>
+                <a:latin typeface="Times New Roman"/>
+                <a:cs typeface="Times New Roman"/>
+              </a:rPr>
+              <a:t>coefficient for AO </a:t>
+            </a:r>
+            <a:r>
+              <a:rPr lang="en-GB" i="1" dirty="0">
+                <a:solidFill>
+                  <a:srgbClr val="000000"/>
+                </a:solidFill>
+                <a:latin typeface="Symbol" pitchFamily="2" charset="2"/>
+                <a:cs typeface="Times New Roman"/>
+              </a:rPr>
+              <a:t>m</a:t>
+            </a:r>
+            <a:r>
+              <a:rPr lang="en-GB" dirty="0">
+                <a:solidFill>
+                  <a:srgbClr val="000000"/>
+                </a:solidFill>
+                <a:latin typeface="Times New Roman"/>
+                <a:cs typeface="Times New Roman"/>
+              </a:rPr>
+              <a:t>, MO </a:t>
+            </a:r>
+            <a:r>
+              <a:rPr lang="en-GB" i="1" dirty="0" err="1">
+                <a:solidFill>
+                  <a:srgbClr val="000000"/>
+                </a:solidFill>
+                <a:latin typeface="Times New Roman"/>
+                <a:cs typeface="Times New Roman"/>
+              </a:rPr>
+              <a:t>i</a:t>
+            </a:r>
+            <a:endParaRPr lang="en-US" i="1" dirty="0"/>
+          </a:p>
+        </p:txBody>
+      </p:sp>
+      <p:cxnSp>
+        <p:nvCxnSpPr>
+          <p:cNvPr id="21" name="Straight Arrow Connector 20">
+            <a:extLst>
+              <a:ext uri="{FF2B5EF4-FFF2-40B4-BE49-F238E27FC236}">
+                <a16:creationId xmlns:a16="http://schemas.microsoft.com/office/drawing/2014/main" id="{E508D01D-84A9-6A4F-AD1F-2CB911EAA1AB}"/>
+              </a:ext>
+            </a:extLst>
+          </p:cNvPr>
+          <p:cNvCxnSpPr>
+            <a:cxnSpLocks/>
+          </p:cNvCxnSpPr>
+          <p:nvPr/>
+        </p:nvCxnSpPr>
+        <p:spPr>
+          <a:xfrm flipH="1">
+            <a:off x="5066508" y="2701068"/>
+            <a:ext cx="258247" cy="283956"/>
+          </a:xfrm>
+          <a:prstGeom prst="straightConnector1">
+            <a:avLst/>
+          </a:prstGeom>
+          <a:ln w="31750">
+            <a:tailEnd type="triangle"/>
+          </a:ln>
+        </p:spPr>
+        <p:style>
+          <a:lnRef idx="2">
+            <a:schemeClr val="accent1"/>
+          </a:lnRef>
+          <a:fillRef idx="0">
+            <a:schemeClr val="accent1"/>
+          </a:fillRef>
+          <a:effectRef idx="1">
+            <a:schemeClr val="accent1"/>
+          </a:effectRef>
+          <a:fontRef idx="minor">
+            <a:schemeClr val="tx1"/>
+          </a:fontRef>
+        </p:style>
+      </p:cxnSp>
+      <p:sp>
+        <p:nvSpPr>
+          <p:cNvPr id="22" name="Rectangle 21">
+            <a:extLst>
+              <a:ext uri="{FF2B5EF4-FFF2-40B4-BE49-F238E27FC236}">
+                <a16:creationId xmlns:a16="http://schemas.microsoft.com/office/drawing/2014/main" id="{8F0ACCFA-C98A-5143-8C95-B9758AFF4EEB}"/>
+              </a:ext>
+            </a:extLst>
+          </p:cNvPr>
+          <p:cNvSpPr/>
+          <p:nvPr/>
+        </p:nvSpPr>
+        <p:spPr>
+          <a:xfrm>
+            <a:off x="4976828" y="3569346"/>
+            <a:ext cx="2217274" cy="369332"/>
+          </a:xfrm>
+          <a:prstGeom prst="rect">
+            <a:avLst/>
+          </a:prstGeom>
+        </p:spPr>
+        <p:txBody>
+          <a:bodyPr wrap="none">
+            <a:spAutoFit/>
+          </a:bodyPr>
+          <a:lstStyle/>
+          <a:p>
+            <a:r>
+              <a:rPr lang="en-GB" dirty="0">
+                <a:solidFill>
+                  <a:srgbClr val="000000"/>
+                </a:solidFill>
+                <a:latin typeface="Times New Roman"/>
+                <a:cs typeface="Times New Roman"/>
+              </a:rPr>
+              <a:t>Number of e- in MO </a:t>
+            </a:r>
+            <a:r>
+              <a:rPr lang="en-GB" i="1" dirty="0" err="1">
+                <a:solidFill>
+                  <a:srgbClr val="000000"/>
+                </a:solidFill>
+                <a:latin typeface="Times New Roman"/>
+                <a:cs typeface="Times New Roman"/>
+              </a:rPr>
+              <a:t>i</a:t>
+            </a:r>
+            <a:endParaRPr lang="en-US" i="1" dirty="0"/>
+          </a:p>
+        </p:txBody>
+      </p:sp>
+      <p:cxnSp>
+        <p:nvCxnSpPr>
+          <p:cNvPr id="23" name="Straight Arrow Connector 22">
+            <a:extLst>
+              <a:ext uri="{FF2B5EF4-FFF2-40B4-BE49-F238E27FC236}">
+                <a16:creationId xmlns:a16="http://schemas.microsoft.com/office/drawing/2014/main" id="{B089DEFD-8C67-1E48-B3A9-79104037F1C0}"/>
+              </a:ext>
+            </a:extLst>
+          </p:cNvPr>
+          <p:cNvCxnSpPr>
+            <a:cxnSpLocks/>
+          </p:cNvCxnSpPr>
+          <p:nvPr/>
+        </p:nvCxnSpPr>
+        <p:spPr>
+          <a:xfrm flipH="1" flipV="1">
+            <a:off x="4620727" y="3402669"/>
+            <a:ext cx="356101" cy="284408"/>
+          </a:xfrm>
+          <a:prstGeom prst="straightConnector1">
+            <a:avLst/>
+          </a:prstGeom>
+          <a:ln w="31750">
+            <a:tailEnd type="triangle"/>
+          </a:ln>
+        </p:spPr>
+        <p:style>
+          <a:lnRef idx="2">
+            <a:schemeClr val="accent1"/>
+          </a:lnRef>
+          <a:fillRef idx="0">
+            <a:schemeClr val="accent1"/>
+          </a:fillRef>
+          <a:effectRef idx="1">
+            <a:schemeClr val="accent1"/>
+          </a:effectRef>
+          <a:fontRef idx="minor">
+            <a:schemeClr val="tx1"/>
+          </a:fontRef>
+        </p:style>
+      </p:cxnSp>
+      <p:pic>
+        <p:nvPicPr>
+          <p:cNvPr id="6" name="Picture 5">
+            <a:extLst>
+              <a:ext uri="{FF2B5EF4-FFF2-40B4-BE49-F238E27FC236}">
+                <a16:creationId xmlns:a16="http://schemas.microsoft.com/office/drawing/2014/main" id="{6FDB037D-80F9-5F4A-8754-26AB569219AF}"/>
+              </a:ext>
+            </a:extLst>
+          </p:cNvPr>
+          <p:cNvPicPr>
+            <a:picLocks noChangeAspect="1"/>
+          </p:cNvPicPr>
+          <p:nvPr/>
+        </p:nvPicPr>
+        <p:blipFill>
+          <a:blip r:embed="rId4"/>
+          <a:stretch>
+            <a:fillRect/>
+          </a:stretch>
+        </p:blipFill>
+        <p:spPr>
+          <a:xfrm>
+            <a:off x="2245671" y="5232228"/>
+            <a:ext cx="4521200" cy="520700"/>
+          </a:xfrm>
+          <a:prstGeom prst="rect">
+            <a:avLst/>
+          </a:prstGeom>
+        </p:spPr>
+      </p:pic>
+      <p:sp>
+        <p:nvSpPr>
+          <p:cNvPr id="25" name="Rectangle 24">
+            <a:extLst>
+              <a:ext uri="{FF2B5EF4-FFF2-40B4-BE49-F238E27FC236}">
+                <a16:creationId xmlns:a16="http://schemas.microsoft.com/office/drawing/2014/main" id="{9DBA059F-68F4-734C-BBC0-E9DDB2237F72}"/>
+              </a:ext>
+            </a:extLst>
+          </p:cNvPr>
+          <p:cNvSpPr/>
+          <p:nvPr/>
+        </p:nvSpPr>
+        <p:spPr>
+          <a:xfrm>
+            <a:off x="503755" y="6132810"/>
+            <a:ext cx="7681911" cy="461665"/>
+          </a:xfrm>
+          <a:prstGeom prst="rect">
+            <a:avLst/>
+          </a:prstGeom>
+        </p:spPr>
+        <p:txBody>
+          <a:bodyPr wrap="none">
+            <a:spAutoFit/>
+          </a:bodyPr>
+          <a:lstStyle/>
+          <a:p>
+            <a:r>
+              <a:rPr lang="en-GB" sz="2400" dirty="0">
+                <a:solidFill>
+                  <a:srgbClr val="000000"/>
+                </a:solidFill>
+                <a:latin typeface="Times New Roman"/>
+                <a:cs typeface="Times New Roman"/>
+              </a:rPr>
+              <a:t>In R this is how we the above: </a:t>
+            </a:r>
+            <a:r>
+              <a:rPr lang="en-GB" sz="2400" dirty="0" err="1">
+                <a:solidFill>
+                  <a:srgbClr val="000000"/>
+                </a:solidFill>
+                <a:latin typeface="Courier"/>
+                <a:cs typeface="Courier"/>
+              </a:rPr>
+              <a:t>Cocc</a:t>
+            </a:r>
+            <a:r>
+              <a:rPr lang="en-GB" sz="2400" dirty="0">
+                <a:solidFill>
+                  <a:srgbClr val="000000"/>
+                </a:solidFill>
+                <a:latin typeface="Courier"/>
+                <a:cs typeface="Courier"/>
+              </a:rPr>
+              <a:t>%*%(</a:t>
+            </a:r>
+            <a:r>
+              <a:rPr lang="en-GB" sz="2400" dirty="0" err="1">
+                <a:solidFill>
+                  <a:srgbClr val="000000"/>
+                </a:solidFill>
+                <a:latin typeface="Courier"/>
+                <a:cs typeface="Courier"/>
+              </a:rPr>
+              <a:t>nocc</a:t>
+            </a:r>
+            <a:r>
+              <a:rPr lang="en-GB" sz="2400" dirty="0">
+                <a:solidFill>
+                  <a:srgbClr val="000000"/>
+                </a:solidFill>
+                <a:latin typeface="Courier"/>
+                <a:cs typeface="Courier"/>
+              </a:rPr>
+              <a:t>*t(</a:t>
+            </a:r>
+            <a:r>
+              <a:rPr lang="en-GB" sz="2400" dirty="0" err="1">
+                <a:solidFill>
+                  <a:srgbClr val="000000"/>
+                </a:solidFill>
+                <a:latin typeface="Courier"/>
+                <a:cs typeface="Courier"/>
+              </a:rPr>
+              <a:t>Cocc</a:t>
+            </a:r>
+            <a:r>
+              <a:rPr lang="en-GB" sz="2400" dirty="0">
+                <a:solidFill>
+                  <a:srgbClr val="000000"/>
+                </a:solidFill>
+                <a:latin typeface="Courier"/>
+                <a:cs typeface="Courier"/>
+              </a:rPr>
+              <a:t>)</a:t>
+            </a:r>
+            <a:endParaRPr lang="en-US" sz="2400" dirty="0">
+              <a:latin typeface="Courier"/>
+              <a:cs typeface="Courier"/>
+            </a:endParaRPr>
+          </a:p>
+        </p:txBody>
+      </p:sp>
+    </p:spTree>
+    <p:extLst>
+      <p:ext uri="{BB962C8B-B14F-4D97-AF65-F5344CB8AC3E}">
+        <p14:creationId xmlns:p14="http://schemas.microsoft.com/office/powerpoint/2010/main" val="4029713950"/>
+      </p:ext>
+    </p:extLst>
+  </p:cSld>
+  <p:clrMapOvr>
+    <a:masterClrMapping/>
+  </p:clrMapOvr>
 </p:sld>
 </file>
 
@@ -5044,7 +7402,7 @@
                 <a:tab pos="10488613" algn="l"/>
               </a:tabLst>
             </a:pPr>
-            <a:endParaRPr lang="en-GB" sz="1200" dirty="0" smtClean="0">
+            <a:endParaRPr lang="en-GB" sz="1200" dirty="0">
               <a:solidFill>
                 <a:srgbClr val="000000"/>
               </a:solidFill>
@@ -5078,7 +7436,7 @@
               </a:tabLst>
             </a:pPr>
             <a:r>
-              <a:rPr lang="en-GB" sz="2800" dirty="0" smtClean="0">
+              <a:rPr lang="en-GB" sz="2800" dirty="0">
                 <a:solidFill>
                   <a:srgbClr val="000000"/>
                 </a:solidFill>
@@ -5087,7 +7445,7 @@
               <a:t>In lecture we learned that </a:t>
             </a:r>
             <a:r>
-              <a:rPr lang="en-GB" sz="2800" b="1" dirty="0" smtClean="0">
+              <a:rPr lang="en-GB" sz="2800" b="1" dirty="0">
                 <a:solidFill>
                   <a:srgbClr val="000000"/>
                 </a:solidFill>
@@ -5096,7 +7454,7 @@
               <a:t>molecular orbitals </a:t>
             </a:r>
             <a:r>
-              <a:rPr lang="en-GB" sz="2800" dirty="0" smtClean="0">
+              <a:rPr lang="en-GB" sz="2800" dirty="0">
                 <a:solidFill>
                   <a:srgbClr val="000000"/>
                 </a:solidFill>
@@ -5132,7 +7490,7 @@
               </a:tabLst>
             </a:pPr>
             <a:r>
-              <a:rPr lang="en-GB" sz="2800" dirty="0" smtClean="0">
+              <a:rPr lang="en-GB" sz="2800" dirty="0">
                 <a:solidFill>
                   <a:srgbClr val="000000"/>
                 </a:solidFill>
@@ -5140,12 +7498,6 @@
               </a:rPr>
               <a:t>Mathematically, the “mixing recipe” is LCAO:</a:t>
             </a:r>
-            <a:endParaRPr lang="en-GB" sz="2800" dirty="0" smtClean="0">
-              <a:solidFill>
-                <a:srgbClr val="000000"/>
-              </a:solidFill>
-              <a:latin typeface="Times New Roman" pitchFamily="18" charset="0"/>
-            </a:endParaRPr>
           </a:p>
         </p:txBody>
       </p:sp>
@@ -5200,38 +7552,14 @@
               </a:tabLst>
             </a:pPr>
             <a:r>
-              <a:rPr lang="en-GB" sz="4000" dirty="0" smtClean="0">
+              <a:rPr lang="en-GB" sz="4000" dirty="0">
                 <a:solidFill>
                   <a:srgbClr val="000000"/>
                 </a:solidFill>
                 <a:latin typeface="Times New Roman" pitchFamily="18" charset="0"/>
               </a:rPr>
-              <a:t>The </a:t>
-            </a:r>
-            <a:r>
-              <a:rPr lang="en-GB" sz="4000" dirty="0" smtClean="0">
-                <a:solidFill>
-                  <a:srgbClr val="000000"/>
-                </a:solidFill>
-                <a:latin typeface="Times New Roman" pitchFamily="18" charset="0"/>
-              </a:rPr>
-              <a:t>Molecular Orbital </a:t>
-            </a:r>
-            <a:r>
-              <a:rPr lang="en-GB" sz="4000" dirty="0" smtClean="0">
-                <a:solidFill>
-                  <a:srgbClr val="000000"/>
-                </a:solidFill>
-                <a:latin typeface="Times New Roman" pitchFamily="18" charset="0"/>
-              </a:rPr>
-              <a:t>Model</a:t>
-            </a:r>
-            <a:endParaRPr lang="en-GB" sz="4000" dirty="0">
-              <a:solidFill>
-                <a:srgbClr val="000000"/>
-              </a:solidFill>
-              <a:latin typeface="Times New Roman" pitchFamily="18" charset="0"/>
-            </a:endParaRPr>
+              <a:t>The Molecular Orbital Model</a:t>
+            </a:r>
           </a:p>
         </p:txBody>
       </p:sp>
@@ -5313,7 +7641,7 @@
           <a:lstStyle/>
           <a:p>
             <a:r>
-              <a:rPr lang="en-GB" sz="2800" dirty="0" smtClean="0">
+              <a:rPr lang="en-GB" sz="2800" dirty="0">
                 <a:solidFill>
                   <a:srgbClr val="000000"/>
                 </a:solidFill>
@@ -5347,7 +7675,7 @@
           <a:lstStyle/>
           <a:p>
             <a:r>
-              <a:rPr lang="en-GB" sz="2800" dirty="0" smtClean="0">
+              <a:rPr lang="en-GB" sz="2800" dirty="0">
                 <a:solidFill>
                   <a:srgbClr val="000000"/>
                 </a:solidFill>
@@ -5435,13 +7763,6 @@
   <p:clrMapOvr>
     <a:masterClrMapping/>
   </p:clrMapOvr>
-  <p:timing>
-    <p:tnLst>
-      <p:par>
-        <p:cTn xmlns:p14="http://schemas.microsoft.com/office/powerpoint/2010/main" id="1" dur="indefinite" restart="never" nodeType="tmRoot"/>
-      </p:par>
-    </p:tnLst>
-  </p:timing>
 </p:sld>
 </file>
 
@@ -5515,7 +7836,7 @@
                 <a:tab pos="10488613" algn="l"/>
               </a:tabLst>
             </a:pPr>
-            <a:endParaRPr lang="en-GB" sz="1200" dirty="0" smtClean="0">
+            <a:endParaRPr lang="en-GB" sz="1200" dirty="0">
               <a:solidFill>
                 <a:srgbClr val="000000"/>
               </a:solidFill>
@@ -5549,7 +7870,7 @@
               </a:tabLst>
             </a:pPr>
             <a:r>
-              <a:rPr lang="en-GB" sz="3600" dirty="0" smtClean="0">
+              <a:rPr lang="en-GB" sz="3600" dirty="0">
                 <a:solidFill>
                   <a:srgbClr val="000000"/>
                 </a:solidFill>
@@ -5558,7 +7879,7 @@
               <a:t>To visualize MOs we must determine the MO coefficients </a:t>
             </a:r>
             <a:r>
-              <a:rPr lang="en-GB" sz="3600" i="1" dirty="0" err="1" smtClean="0">
+              <a:rPr lang="en-GB" sz="3600" i="1" dirty="0" err="1">
                 <a:solidFill>
                   <a:srgbClr val="000000"/>
                 </a:solidFill>
@@ -5567,7 +7888,7 @@
               <a:t>C</a:t>
             </a:r>
             <a:r>
-              <a:rPr lang="en-GB" sz="3600" i="1" baseline="-25000" dirty="0" err="1" smtClean="0">
+              <a:rPr lang="en-GB" sz="3600" i="1" baseline="-25000" dirty="0" err="1">
                 <a:solidFill>
                   <a:srgbClr val="000000"/>
                 </a:solidFill>
@@ -5576,7 +7897,7 @@
               <a:t>i,</a:t>
             </a:r>
             <a:r>
-              <a:rPr lang="en-GB" sz="3600" i="1" baseline="-25000" dirty="0" err="1" smtClean="0">
+              <a:rPr lang="en-GB" sz="3600" i="1" baseline="-25000" dirty="0" err="1">
                 <a:solidFill>
                   <a:srgbClr val="000000"/>
                 </a:solidFill>
@@ -5585,7 +7906,7 @@
               </a:rPr>
               <a:t>m</a:t>
             </a:r>
-            <a:endParaRPr lang="en-GB" sz="3600" i="1" baseline="-25000" dirty="0" smtClean="0">
+            <a:endParaRPr lang="en-GB" sz="3600" i="1" baseline="-25000" dirty="0">
               <a:solidFill>
                 <a:srgbClr val="000000"/>
               </a:solidFill>
@@ -5620,7 +7941,7 @@
               </a:tabLst>
             </a:pPr>
             <a:r>
-              <a:rPr lang="en-GB" sz="3200" dirty="0" smtClean="0">
+              <a:rPr lang="en-GB" sz="3200" dirty="0">
                 <a:solidFill>
                   <a:srgbClr val="000000"/>
                 </a:solidFill>
@@ -5630,7 +7951,7 @@
               <a:t>We get them from the matrix form of the Schrodinger equation: </a:t>
             </a:r>
             <a:r>
-              <a:rPr lang="en-GB" sz="3200" b="1" dirty="0" smtClean="0">
+              <a:rPr lang="en-GB" sz="3200" b="1" dirty="0">
                 <a:solidFill>
                   <a:srgbClr val="000000"/>
                 </a:solidFill>
@@ -5640,7 +7961,7 @@
               <a:t>HC</a:t>
             </a:r>
             <a:r>
-              <a:rPr lang="en-GB" sz="3200" dirty="0" smtClean="0">
+              <a:rPr lang="en-GB" sz="3200" dirty="0">
                 <a:solidFill>
                   <a:srgbClr val="000000"/>
                 </a:solidFill>
@@ -5650,7 +7971,7 @@
               <a:t> = </a:t>
             </a:r>
             <a:r>
-              <a:rPr lang="en-GB" sz="3200" b="1" dirty="0" smtClean="0">
+              <a:rPr lang="en-GB" sz="3200" b="1" dirty="0">
                 <a:solidFill>
                   <a:srgbClr val="000000"/>
                 </a:solidFill>
@@ -5687,7 +8008,7 @@
               </a:tabLst>
             </a:pPr>
             <a:r>
-              <a:rPr lang="en-GB" sz="3200" dirty="0" smtClean="0">
+              <a:rPr lang="en-GB" sz="3200" dirty="0">
                 <a:solidFill>
                   <a:srgbClr val="000000"/>
                 </a:solidFill>
@@ -5697,7 +8018,7 @@
               <a:t>We then need the matrix elements for </a:t>
             </a:r>
             <a:r>
-              <a:rPr lang="en-GB" sz="3200" b="1" dirty="0" smtClean="0">
+              <a:rPr lang="en-GB" sz="3200" b="1" dirty="0">
                 <a:solidFill>
                   <a:srgbClr val="000000"/>
                 </a:solidFill>
@@ -5707,7 +8028,7 @@
               <a:t>H</a:t>
             </a:r>
             <a:r>
-              <a:rPr lang="en-GB" sz="3200" dirty="0" smtClean="0">
+              <a:rPr lang="en-GB" sz="3200" dirty="0">
                 <a:solidFill>
                   <a:srgbClr val="000000"/>
                 </a:solidFill>
@@ -5717,7 +8038,7 @@
               <a:t> and </a:t>
             </a:r>
             <a:r>
-              <a:rPr lang="en-GB" sz="3200" b="1" dirty="0" smtClean="0">
+              <a:rPr lang="en-GB" sz="3200" b="1" dirty="0">
                 <a:solidFill>
                   <a:srgbClr val="000000"/>
                 </a:solidFill>
@@ -5726,13 +8047,6 @@
               </a:rPr>
               <a:t>S</a:t>
             </a:r>
-            <a:endParaRPr lang="en-GB" sz="3200" b="1" dirty="0">
-              <a:solidFill>
-                <a:srgbClr val="000000"/>
-              </a:solidFill>
-              <a:latin typeface="Times New Roman"/>
-              <a:cs typeface="Times New Roman"/>
-            </a:endParaRPr>
           </a:p>
         </p:txBody>
       </p:sp>
@@ -5787,38 +8101,14 @@
               </a:tabLst>
             </a:pPr>
             <a:r>
-              <a:rPr lang="en-GB" sz="4000" dirty="0" smtClean="0">
+              <a:rPr lang="en-GB" sz="4000" dirty="0">
                 <a:solidFill>
                   <a:srgbClr val="000000"/>
                 </a:solidFill>
                 <a:latin typeface="Times New Roman" pitchFamily="18" charset="0"/>
               </a:rPr>
-              <a:t>The </a:t>
-            </a:r>
-            <a:r>
-              <a:rPr lang="en-GB" sz="4000" dirty="0" smtClean="0">
-                <a:solidFill>
-                  <a:srgbClr val="000000"/>
-                </a:solidFill>
-                <a:latin typeface="Times New Roman" pitchFamily="18" charset="0"/>
-              </a:rPr>
-              <a:t>Molecular Orbital </a:t>
-            </a:r>
-            <a:r>
-              <a:rPr lang="en-GB" sz="4000" dirty="0" smtClean="0">
-                <a:solidFill>
-                  <a:srgbClr val="000000"/>
-                </a:solidFill>
-                <a:latin typeface="Times New Roman" pitchFamily="18" charset="0"/>
-              </a:rPr>
-              <a:t>Model</a:t>
-            </a:r>
-            <a:endParaRPr lang="en-GB" sz="4000" dirty="0">
-              <a:solidFill>
-                <a:srgbClr val="000000"/>
-              </a:solidFill>
-              <a:latin typeface="Times New Roman" pitchFamily="18" charset="0"/>
-            </a:endParaRPr>
+              <a:t>The Molecular Orbital Model</a:t>
+            </a:r>
           </a:p>
         </p:txBody>
       </p:sp>
@@ -5888,13 +8178,6 @@
   <p:clrMapOvr>
     <a:masterClrMapping/>
   </p:clrMapOvr>
-  <p:timing>
-    <p:tnLst>
-      <p:par>
-        <p:cTn xmlns:p14="http://schemas.microsoft.com/office/powerpoint/2010/main" id="1" dur="indefinite" restart="never" nodeType="tmRoot"/>
-      </p:par>
-    </p:tnLst>
-  </p:timing>
 </p:sld>
 </file>
 
@@ -5969,7 +8252,7 @@
               </a:tabLst>
             </a:pPr>
             <a:r>
-              <a:rPr lang="en-GB" sz="3200" dirty="0" smtClean="0">
+              <a:rPr lang="en-GB" sz="3200" dirty="0">
                 <a:solidFill>
                   <a:srgbClr val="000000"/>
                 </a:solidFill>
@@ -6005,7 +8288,7 @@
               </a:tabLst>
             </a:pPr>
             <a:r>
-              <a:rPr lang="en-GB" sz="3200" dirty="0" smtClean="0">
+              <a:rPr lang="en-GB" sz="3200" dirty="0">
                 <a:solidFill>
                   <a:srgbClr val="000000"/>
                 </a:solidFill>
@@ -6067,7 +8350,7 @@
               </a:tabLst>
             </a:pPr>
             <a:r>
-              <a:rPr lang="en-GB" sz="4000" dirty="0" smtClean="0">
+              <a:rPr lang="en-GB" sz="4000" dirty="0">
                 <a:solidFill>
                   <a:srgbClr val="000000"/>
                 </a:solidFill>
@@ -6076,7 +8359,7 @@
               <a:t>The </a:t>
             </a:r>
             <a:r>
-              <a:rPr lang="en-GB" sz="4000" dirty="0" err="1" smtClean="0">
+              <a:rPr lang="en-GB" sz="4000" dirty="0" err="1">
                 <a:solidFill>
                   <a:srgbClr val="000000"/>
                 </a:solidFill>
@@ -6085,29 +8368,14 @@
               <a:t>Huckel</a:t>
             </a:r>
             <a:r>
-              <a:rPr lang="en-GB" sz="4000" dirty="0" smtClean="0">
+              <a:rPr lang="en-GB" sz="4000" dirty="0">
                 <a:solidFill>
                   <a:srgbClr val="000000"/>
                 </a:solidFill>
                 <a:latin typeface="Times New Roman" pitchFamily="18" charset="0"/>
               </a:rPr>
-              <a:t> Molecular Orbital </a:t>
-            </a:r>
-            <a:r>
-              <a:rPr lang="en-GB" sz="4000" dirty="0" smtClean="0">
-                <a:solidFill>
-                  <a:srgbClr val="000000"/>
-                </a:solidFill>
-                <a:latin typeface="Times New Roman" pitchFamily="18" charset="0"/>
-              </a:rPr>
-              <a:t>Model</a:t>
-            </a:r>
-            <a:endParaRPr lang="en-GB" sz="4000" dirty="0">
-              <a:solidFill>
-                <a:srgbClr val="000000"/>
-              </a:solidFill>
-              <a:latin typeface="Times New Roman" pitchFamily="18" charset="0"/>
-            </a:endParaRPr>
+              <a:t> Molecular Orbital Model</a:t>
+            </a:r>
           </a:p>
         </p:txBody>
       </p:sp>
@@ -6197,7 +8465,7 @@
               </a:tabLst>
             </a:pPr>
             <a:r>
-              <a:rPr lang="en-GB" sz="3200" dirty="0" smtClean="0">
+              <a:rPr lang="en-GB" sz="3200" dirty="0">
                 <a:solidFill>
                   <a:srgbClr val="000000"/>
                 </a:solidFill>
@@ -6233,7 +8501,7 @@
               </a:tabLst>
             </a:pPr>
             <a:r>
-              <a:rPr lang="en-GB" sz="3200" dirty="0" smtClean="0">
+              <a:rPr lang="en-GB" sz="3200" dirty="0">
                 <a:solidFill>
                   <a:srgbClr val="000000"/>
                 </a:solidFill>
@@ -6242,7 +8510,7 @@
               <a:t>Only </a:t>
             </a:r>
             <a:r>
-              <a:rPr lang="en-GB" sz="3200" i="1" dirty="0" err="1" smtClean="0">
+              <a:rPr lang="en-GB" sz="3200" i="1" dirty="0" err="1">
                 <a:solidFill>
                   <a:srgbClr val="000000"/>
                 </a:solidFill>
@@ -6251,7 +8519,7 @@
               <a:t>p</a:t>
             </a:r>
             <a:r>
-              <a:rPr lang="en-GB" sz="3200" i="1" baseline="-25000" dirty="0" err="1" smtClean="0">
+              <a:rPr lang="en-GB" sz="3200" i="1" baseline="-25000" dirty="0" err="1">
                 <a:solidFill>
                   <a:srgbClr val="000000"/>
                 </a:solidFill>
@@ -6260,7 +8528,7 @@
               <a:t>z</a:t>
             </a:r>
             <a:r>
-              <a:rPr lang="en-GB" sz="3200" dirty="0" smtClean="0">
+              <a:rPr lang="en-GB" sz="3200" dirty="0">
                 <a:solidFill>
                   <a:srgbClr val="000000"/>
                 </a:solidFill>
@@ -6269,7 +8537,7 @@
               <a:t> orbitals on “heavy” atoms (</a:t>
             </a:r>
             <a:r>
-              <a:rPr lang="en-GB" sz="3200" i="1" dirty="0" err="1" smtClean="0">
+              <a:rPr lang="en-GB" sz="3200" i="1" dirty="0" err="1">
                 <a:solidFill>
                   <a:srgbClr val="000000"/>
                 </a:solidFill>
@@ -6278,7 +8546,7 @@
               <a:t>i.e.</a:t>
             </a:r>
             <a:r>
-              <a:rPr lang="en-GB" sz="3200" dirty="0" err="1" smtClean="0">
+              <a:rPr lang="en-GB" sz="3200" dirty="0" err="1">
                 <a:solidFill>
                   <a:srgbClr val="000000"/>
                 </a:solidFill>
@@ -6287,7 +8555,7 @@
               <a:t>not</a:t>
             </a:r>
             <a:r>
-              <a:rPr lang="en-GB" sz="3200" dirty="0" smtClean="0">
+              <a:rPr lang="en-GB" sz="3200" dirty="0">
                 <a:solidFill>
                   <a:srgbClr val="000000"/>
                 </a:solidFill>
@@ -6323,7 +8591,7 @@
               </a:tabLst>
             </a:pPr>
             <a:r>
-              <a:rPr lang="en-GB" sz="3200" dirty="0" smtClean="0">
+              <a:rPr lang="en-GB" sz="3200" dirty="0">
                 <a:solidFill>
                   <a:srgbClr val="000000"/>
                 </a:solidFill>
@@ -6359,7 +8627,7 @@
               </a:tabLst>
             </a:pPr>
             <a:r>
-              <a:rPr lang="en-GB" sz="3200" dirty="0" smtClean="0">
+              <a:rPr lang="en-GB" sz="3200" dirty="0">
                 <a:solidFill>
                   <a:srgbClr val="000000"/>
                 </a:solidFill>
@@ -6380,13 +8648,6 @@
   <p:clrMapOvr>
     <a:masterClrMapping/>
   </p:clrMapOvr>
-  <p:timing>
-    <p:tnLst>
-      <p:par>
-        <p:cTn xmlns:p14="http://schemas.microsoft.com/office/powerpoint/2010/main" id="1" dur="indefinite" restart="never" nodeType="tmRoot"/>
-      </p:par>
-    </p:tnLst>
-  </p:timing>
 </p:sld>
 </file>
 
@@ -6461,7 +8722,7 @@
               </a:tabLst>
             </a:pPr>
             <a:r>
-              <a:rPr lang="en-GB" sz="3200" dirty="0" smtClean="0">
+              <a:rPr lang="en-GB" sz="3200" dirty="0">
                 <a:solidFill>
                   <a:srgbClr val="000000"/>
                 </a:solidFill>
@@ -6470,7 +8731,7 @@
               <a:t>The “</a:t>
             </a:r>
             <a:r>
-              <a:rPr lang="en-GB" sz="3200" dirty="0" err="1" smtClean="0">
+              <a:rPr lang="en-GB" sz="3200" dirty="0" err="1">
                 <a:solidFill>
                   <a:srgbClr val="000000"/>
                 </a:solidFill>
@@ -6479,29 +8740,14 @@
               <a:t>Huckel</a:t>
             </a:r>
             <a:r>
-              <a:rPr lang="en-GB" sz="3200" dirty="0" smtClean="0">
+              <a:rPr lang="en-GB" sz="3200" dirty="0">
                 <a:solidFill>
                   <a:srgbClr val="000000"/>
                 </a:solidFill>
                 <a:latin typeface="Times New Roman" pitchFamily="18" charset="0"/>
               </a:rPr>
-              <a:t> integrals</a:t>
-            </a:r>
-            <a:r>
-              <a:rPr lang="en-GB" sz="3200" dirty="0" smtClean="0">
-                <a:solidFill>
-                  <a:srgbClr val="000000"/>
-                </a:solidFill>
-                <a:latin typeface="Times New Roman" pitchFamily="18" charset="0"/>
-              </a:rPr>
-              <a:t>” are:</a:t>
-            </a:r>
-            <a:endParaRPr lang="en-GB" sz="3200" dirty="0" smtClean="0">
-              <a:solidFill>
-                <a:srgbClr val="000000"/>
-              </a:solidFill>
-              <a:latin typeface="Times New Roman" pitchFamily="18" charset="0"/>
-            </a:endParaRPr>
+              <a:t> integrals” are:</a:t>
+            </a:r>
           </a:p>
         </p:txBody>
       </p:sp>
@@ -6556,7 +8802,7 @@
               </a:tabLst>
             </a:pPr>
             <a:r>
-              <a:rPr lang="en-GB" sz="4000" dirty="0" smtClean="0">
+              <a:rPr lang="en-GB" sz="4000" dirty="0">
                 <a:solidFill>
                   <a:srgbClr val="000000"/>
                 </a:solidFill>
@@ -6565,7 +8811,7 @@
               <a:t>The </a:t>
             </a:r>
             <a:r>
-              <a:rPr lang="en-GB" sz="4000" dirty="0" err="1" smtClean="0">
+              <a:rPr lang="en-GB" sz="4000" dirty="0" err="1">
                 <a:solidFill>
                   <a:srgbClr val="000000"/>
                 </a:solidFill>
@@ -6574,29 +8820,14 @@
               <a:t>Huckel</a:t>
             </a:r>
             <a:r>
-              <a:rPr lang="en-GB" sz="4000" dirty="0" smtClean="0">
+              <a:rPr lang="en-GB" sz="4000" dirty="0">
                 <a:solidFill>
                   <a:srgbClr val="000000"/>
                 </a:solidFill>
                 <a:latin typeface="Times New Roman" pitchFamily="18" charset="0"/>
               </a:rPr>
-              <a:t> Molecular Orbital </a:t>
-            </a:r>
-            <a:r>
-              <a:rPr lang="en-GB" sz="4000" dirty="0" smtClean="0">
-                <a:solidFill>
-                  <a:srgbClr val="000000"/>
-                </a:solidFill>
-                <a:latin typeface="Times New Roman" pitchFamily="18" charset="0"/>
-              </a:rPr>
-              <a:t>Model</a:t>
-            </a:r>
-            <a:endParaRPr lang="en-GB" sz="4000" dirty="0">
-              <a:solidFill>
-                <a:srgbClr val="000000"/>
-              </a:solidFill>
-              <a:latin typeface="Times New Roman" pitchFamily="18" charset="0"/>
-            </a:endParaRPr>
+              <a:t> Molecular Orbital Model</a:t>
+            </a:r>
           </a:p>
         </p:txBody>
       </p:sp>
@@ -6738,7 +8969,7 @@
   <p:timing>
     <p:tnLst>
       <p:par>
-        <p:cTn xmlns:p14="http://schemas.microsoft.com/office/powerpoint/2010/main" id="1" dur="indefinite" restart="never" nodeType="tmRoot">
+        <p:cTn id="1" dur="indefinite" restart="never" nodeType="tmRoot">
           <p:childTnLst>
             <p:seq concurrent="1" nextAc="seek">
               <p:cTn id="2" dur="indefinite" nodeType="mainSeq">
@@ -7203,7 +9434,7 @@
               </a:tabLst>
             </a:pPr>
             <a:r>
-              <a:rPr lang="en-GB" sz="3200" dirty="0" smtClean="0">
+              <a:rPr lang="en-GB" sz="3200" dirty="0">
                 <a:solidFill>
                   <a:srgbClr val="000000"/>
                 </a:solidFill>
@@ -7212,7 +9443,7 @@
               <a:t>The values of </a:t>
             </a:r>
             <a:r>
-              <a:rPr lang="en-GB" sz="3200" i="1" dirty="0" smtClean="0">
+              <a:rPr lang="en-GB" sz="3200" i="1" dirty="0">
                 <a:solidFill>
                   <a:srgbClr val="000000"/>
                 </a:solidFill>
@@ -7222,7 +9453,7 @@
               <a:t>a</a:t>
             </a:r>
             <a:r>
-              <a:rPr lang="en-GB" sz="3200" dirty="0" smtClean="0">
+              <a:rPr lang="en-GB" sz="3200" dirty="0">
                 <a:solidFill>
                   <a:srgbClr val="000000"/>
                 </a:solidFill>
@@ -7231,7 +9462,7 @@
               <a:t> and </a:t>
             </a:r>
             <a:r>
-              <a:rPr lang="en-GB" sz="3200" i="1" dirty="0" smtClean="0">
+              <a:rPr lang="en-GB" sz="3200" i="1" dirty="0">
                 <a:solidFill>
                   <a:srgbClr val="000000"/>
                 </a:solidFill>
@@ -7241,7 +9472,7 @@
               <a:t>b</a:t>
             </a:r>
             <a:r>
-              <a:rPr lang="en-GB" sz="3200" dirty="0" smtClean="0">
+              <a:rPr lang="en-GB" sz="3200" dirty="0">
                 <a:solidFill>
                   <a:srgbClr val="000000"/>
                 </a:solidFill>
@@ -7303,7 +9534,7 @@
               </a:tabLst>
             </a:pPr>
             <a:r>
-              <a:rPr lang="en-GB" sz="4000" dirty="0" smtClean="0">
+              <a:rPr lang="en-GB" sz="4000" dirty="0">
                 <a:solidFill>
                   <a:srgbClr val="000000"/>
                 </a:solidFill>
@@ -7312,7 +9543,7 @@
               <a:t>The </a:t>
             </a:r>
             <a:r>
-              <a:rPr lang="en-GB" sz="4000" dirty="0" err="1" smtClean="0">
+              <a:rPr lang="en-GB" sz="4000" dirty="0" err="1">
                 <a:solidFill>
                   <a:srgbClr val="000000"/>
                 </a:solidFill>
@@ -7321,29 +9552,14 @@
               <a:t>Huckel</a:t>
             </a:r>
             <a:r>
-              <a:rPr lang="en-GB" sz="4000" dirty="0" smtClean="0">
+              <a:rPr lang="en-GB" sz="4000" dirty="0">
                 <a:solidFill>
                   <a:srgbClr val="000000"/>
                 </a:solidFill>
                 <a:latin typeface="Times New Roman" pitchFamily="18" charset="0"/>
               </a:rPr>
-              <a:t> Molecular Orbital </a:t>
-            </a:r>
-            <a:r>
-              <a:rPr lang="en-GB" sz="4000" dirty="0" smtClean="0">
-                <a:solidFill>
-                  <a:srgbClr val="000000"/>
-                </a:solidFill>
-                <a:latin typeface="Times New Roman" pitchFamily="18" charset="0"/>
-              </a:rPr>
-              <a:t>Model</a:t>
-            </a:r>
-            <a:endParaRPr lang="en-GB" sz="4000" dirty="0">
-              <a:solidFill>
-                <a:srgbClr val="000000"/>
-              </a:solidFill>
-              <a:latin typeface="Times New Roman" pitchFamily="18" charset="0"/>
-            </a:endParaRPr>
+              <a:t> Molecular Orbital Model</a:t>
+            </a:r>
           </a:p>
         </p:txBody>
       </p:sp>
@@ -7433,7 +9649,7 @@
               </a:tabLst>
             </a:pPr>
             <a:r>
-              <a:rPr lang="en-GB" sz="3200" i="1" dirty="0" smtClean="0">
+              <a:rPr lang="en-GB" sz="3200" i="1" dirty="0">
                 <a:solidFill>
                   <a:srgbClr val="000000"/>
                 </a:solidFill>
@@ -7443,7 +9659,7 @@
               <a:t>a</a:t>
             </a:r>
             <a:r>
-              <a:rPr lang="en-GB" sz="3200" dirty="0" smtClean="0">
+              <a:rPr lang="en-GB" sz="3200" dirty="0">
                 <a:solidFill>
                   <a:srgbClr val="000000"/>
                 </a:solidFill>
@@ -7479,7 +9695,7 @@
               </a:tabLst>
             </a:pPr>
             <a:r>
-              <a:rPr lang="en-GB" sz="3200" i="1" dirty="0" smtClean="0">
+              <a:rPr lang="en-GB" sz="3200" i="1" dirty="0">
                 <a:solidFill>
                   <a:srgbClr val="000000"/>
                 </a:solidFill>
@@ -7489,7 +9705,7 @@
               <a:t>b</a:t>
             </a:r>
             <a:r>
-              <a:rPr lang="en-GB" sz="3200" dirty="0" smtClean="0">
+              <a:rPr lang="en-GB" sz="3200" dirty="0">
                 <a:solidFill>
                   <a:srgbClr val="000000"/>
                 </a:solidFill>
@@ -7523,23 +9739,19 @@
           <a:lstStyle/>
           <a:p>
             <a:r>
-              <a:rPr lang="en-US" sz="2400" i="1" dirty="0" smtClean="0">
+              <a:rPr lang="en-US" sz="2400" i="1" dirty="0">
                 <a:latin typeface="Symbol" charset="2"/>
                 <a:cs typeface="Symbol" charset="2"/>
               </a:rPr>
               <a:t>f</a:t>
             </a:r>
             <a:r>
-              <a:rPr lang="en-US" sz="2400" baseline="-25000" dirty="0" smtClean="0">
+              <a:rPr lang="en-US" sz="2400" baseline="-25000" dirty="0">
                 <a:latin typeface="Times New Roman"/>
                 <a:cs typeface="Times New Roman"/>
               </a:rPr>
               <a:t>1</a:t>
             </a:r>
-            <a:endParaRPr lang="en-US" sz="2400" baseline="-25000" dirty="0">
-              <a:latin typeface="Times New Roman"/>
-              <a:cs typeface="Times New Roman"/>
-            </a:endParaRPr>
           </a:p>
         </p:txBody>
       </p:sp>
@@ -7566,23 +9778,19 @@
           <a:lstStyle/>
           <a:p>
             <a:r>
-              <a:rPr lang="en-US" sz="2400" i="1" dirty="0" smtClean="0">
+              <a:rPr lang="en-US" sz="2400" i="1" dirty="0">
                 <a:latin typeface="Symbol" charset="2"/>
                 <a:cs typeface="Symbol" charset="2"/>
               </a:rPr>
               <a:t>f</a:t>
             </a:r>
             <a:r>
-              <a:rPr lang="en-US" sz="2400" baseline="-25000" dirty="0" smtClean="0">
+              <a:rPr lang="en-US" sz="2400" baseline="-25000" dirty="0">
                 <a:latin typeface="Times New Roman"/>
                 <a:cs typeface="Times New Roman"/>
               </a:rPr>
               <a:t>2</a:t>
             </a:r>
-            <a:endParaRPr lang="en-US" sz="2400" baseline="-25000" dirty="0">
-              <a:latin typeface="Times New Roman"/>
-              <a:cs typeface="Times New Roman"/>
-            </a:endParaRPr>
           </a:p>
         </p:txBody>
       </p:sp>
@@ -7639,23 +9847,19 @@
           <a:lstStyle/>
           <a:p>
             <a:r>
-              <a:rPr lang="en-US" sz="2400" i="1" dirty="0" smtClean="0">
+              <a:rPr lang="en-US" sz="2400" i="1" dirty="0">
                 <a:latin typeface="Symbol" charset="2"/>
                 <a:cs typeface="Symbol" charset="2"/>
               </a:rPr>
               <a:t>f</a:t>
             </a:r>
             <a:r>
-              <a:rPr lang="en-US" sz="2400" baseline="-25000" dirty="0" smtClean="0">
+              <a:rPr lang="en-US" sz="2400" baseline="-25000" dirty="0">
                 <a:latin typeface="Times New Roman"/>
                 <a:cs typeface="Times New Roman"/>
               </a:rPr>
               <a:t>3</a:t>
             </a:r>
-            <a:endParaRPr lang="en-US" sz="2400" baseline="-25000" dirty="0">
-              <a:latin typeface="Times New Roman"/>
-              <a:cs typeface="Times New Roman"/>
-            </a:endParaRPr>
           </a:p>
         </p:txBody>
       </p:sp>
@@ -7682,23 +9886,19 @@
           <a:lstStyle/>
           <a:p>
             <a:r>
-              <a:rPr lang="en-US" sz="2400" i="1" dirty="0" smtClean="0">
+              <a:rPr lang="en-US" sz="2400" i="1" dirty="0">
                 <a:latin typeface="Symbol" charset="2"/>
                 <a:cs typeface="Symbol" charset="2"/>
               </a:rPr>
               <a:t>f</a:t>
             </a:r>
             <a:r>
-              <a:rPr lang="en-US" sz="2400" baseline="-25000" dirty="0" smtClean="0">
+              <a:rPr lang="en-US" sz="2400" baseline="-25000" dirty="0">
                 <a:latin typeface="Times New Roman"/>
                 <a:cs typeface="Times New Roman"/>
               </a:rPr>
               <a:t>4</a:t>
             </a:r>
-            <a:endParaRPr lang="en-US" sz="2400" baseline="-25000" dirty="0">
-              <a:latin typeface="Times New Roman"/>
-              <a:cs typeface="Times New Roman"/>
-            </a:endParaRPr>
           </a:p>
         </p:txBody>
       </p:sp>
@@ -7725,23 +9925,19 @@
           <a:lstStyle/>
           <a:p>
             <a:r>
-              <a:rPr lang="en-US" sz="2400" i="1" dirty="0" smtClean="0">
+              <a:rPr lang="en-US" sz="2400" i="1" dirty="0">
                 <a:latin typeface="Symbol" charset="2"/>
                 <a:cs typeface="Symbol" charset="2"/>
               </a:rPr>
               <a:t>f</a:t>
             </a:r>
             <a:r>
-              <a:rPr lang="en-US" sz="2400" baseline="-25000" dirty="0" smtClean="0">
+              <a:rPr lang="en-US" sz="2400" baseline="-25000" dirty="0">
                 <a:latin typeface="Times New Roman"/>
                 <a:cs typeface="Times New Roman"/>
               </a:rPr>
               <a:t>5</a:t>
             </a:r>
-            <a:endParaRPr lang="en-US" sz="2400" baseline="-25000" dirty="0">
-              <a:latin typeface="Times New Roman"/>
-              <a:cs typeface="Times New Roman"/>
-            </a:endParaRPr>
           </a:p>
         </p:txBody>
       </p:sp>
@@ -7768,23 +9964,19 @@
           <a:lstStyle/>
           <a:p>
             <a:r>
-              <a:rPr lang="en-US" sz="2400" i="1" dirty="0" smtClean="0">
+              <a:rPr lang="en-US" sz="2400" i="1" dirty="0">
                 <a:latin typeface="Symbol" charset="2"/>
                 <a:cs typeface="Symbol" charset="2"/>
               </a:rPr>
               <a:t>f</a:t>
             </a:r>
             <a:r>
-              <a:rPr lang="en-US" sz="2400" baseline="-25000" dirty="0" smtClean="0">
+              <a:rPr lang="en-US" sz="2400" baseline="-25000" dirty="0">
                 <a:latin typeface="Times New Roman"/>
                 <a:cs typeface="Times New Roman"/>
               </a:rPr>
               <a:t>6</a:t>
             </a:r>
-            <a:endParaRPr lang="en-US" sz="2400" baseline="-25000" dirty="0">
-              <a:latin typeface="Times New Roman"/>
-              <a:cs typeface="Times New Roman"/>
-            </a:endParaRPr>
           </a:p>
         </p:txBody>
       </p:sp>
@@ -7841,23 +10033,19 @@
           <a:lstStyle/>
           <a:p>
             <a:r>
-              <a:rPr lang="en-US" sz="2400" i="1" dirty="0" smtClean="0">
+              <a:rPr lang="en-US" sz="2400" i="1" dirty="0">
                 <a:latin typeface="Symbol" charset="2"/>
                 <a:cs typeface="Symbol" charset="2"/>
               </a:rPr>
               <a:t>f</a:t>
             </a:r>
             <a:r>
-              <a:rPr lang="en-US" sz="2400" baseline="-25000" dirty="0" smtClean="0">
+              <a:rPr lang="en-US" sz="2400" baseline="-25000" dirty="0">
                 <a:latin typeface="Times New Roman"/>
                 <a:cs typeface="Times New Roman"/>
               </a:rPr>
               <a:t>1</a:t>
             </a:r>
-            <a:endParaRPr lang="en-US" sz="2400" baseline="-25000" dirty="0">
-              <a:latin typeface="Times New Roman"/>
-              <a:cs typeface="Times New Roman"/>
-            </a:endParaRPr>
           </a:p>
         </p:txBody>
       </p:sp>
@@ -7884,23 +10072,19 @@
           <a:lstStyle/>
           <a:p>
             <a:r>
-              <a:rPr lang="en-US" sz="2400" i="1" dirty="0" smtClean="0">
+              <a:rPr lang="en-US" sz="2400" i="1" dirty="0">
                 <a:latin typeface="Symbol" charset="2"/>
                 <a:cs typeface="Symbol" charset="2"/>
               </a:rPr>
               <a:t>f</a:t>
             </a:r>
             <a:r>
-              <a:rPr lang="en-US" sz="2400" baseline="-25000" dirty="0" smtClean="0">
+              <a:rPr lang="en-US" sz="2400" baseline="-25000" dirty="0">
                 <a:latin typeface="Times New Roman"/>
                 <a:cs typeface="Times New Roman"/>
               </a:rPr>
               <a:t>2</a:t>
             </a:r>
-            <a:endParaRPr lang="en-US" sz="2400" baseline="-25000" dirty="0">
-              <a:latin typeface="Times New Roman"/>
-              <a:cs typeface="Times New Roman"/>
-            </a:endParaRPr>
           </a:p>
         </p:txBody>
       </p:sp>
@@ -7927,23 +10111,19 @@
           <a:lstStyle/>
           <a:p>
             <a:r>
-              <a:rPr lang="en-US" sz="2400" i="1" dirty="0" smtClean="0">
+              <a:rPr lang="en-US" sz="2400" i="1" dirty="0">
                 <a:latin typeface="Symbol" charset="2"/>
                 <a:cs typeface="Symbol" charset="2"/>
               </a:rPr>
               <a:t>f</a:t>
             </a:r>
             <a:r>
-              <a:rPr lang="en-US" sz="2400" baseline="-25000" dirty="0" smtClean="0">
+              <a:rPr lang="en-US" sz="2400" baseline="-25000" dirty="0">
                 <a:latin typeface="Times New Roman"/>
                 <a:cs typeface="Times New Roman"/>
               </a:rPr>
               <a:t>3</a:t>
             </a:r>
-            <a:endParaRPr lang="en-US" sz="2400" baseline="-25000" dirty="0">
-              <a:latin typeface="Times New Roman"/>
-              <a:cs typeface="Times New Roman"/>
-            </a:endParaRPr>
           </a:p>
         </p:txBody>
       </p:sp>
@@ -7970,23 +10150,19 @@
           <a:lstStyle/>
           <a:p>
             <a:r>
-              <a:rPr lang="en-US" sz="2400" i="1" dirty="0" smtClean="0">
+              <a:rPr lang="en-US" sz="2400" i="1" dirty="0">
                 <a:latin typeface="Symbol" charset="2"/>
                 <a:cs typeface="Symbol" charset="2"/>
               </a:rPr>
               <a:t>f</a:t>
             </a:r>
             <a:r>
-              <a:rPr lang="en-US" sz="2400" baseline="-25000" dirty="0" smtClean="0">
+              <a:rPr lang="en-US" sz="2400" baseline="-25000" dirty="0">
                 <a:latin typeface="Times New Roman"/>
                 <a:cs typeface="Times New Roman"/>
               </a:rPr>
               <a:t>4</a:t>
             </a:r>
-            <a:endParaRPr lang="en-US" sz="2400" baseline="-25000" dirty="0">
-              <a:latin typeface="Times New Roman"/>
-              <a:cs typeface="Times New Roman"/>
-            </a:endParaRPr>
           </a:p>
         </p:txBody>
       </p:sp>
@@ -8013,23 +10189,19 @@
           <a:lstStyle/>
           <a:p>
             <a:r>
-              <a:rPr lang="en-US" sz="2400" i="1" dirty="0" smtClean="0">
+              <a:rPr lang="en-US" sz="2400" i="1" dirty="0">
                 <a:latin typeface="Symbol" charset="2"/>
                 <a:cs typeface="Symbol" charset="2"/>
               </a:rPr>
               <a:t>f</a:t>
             </a:r>
             <a:r>
-              <a:rPr lang="en-US" sz="2400" baseline="-25000" dirty="0" smtClean="0">
+              <a:rPr lang="en-US" sz="2400" baseline="-25000" dirty="0">
                 <a:latin typeface="Times New Roman"/>
                 <a:cs typeface="Times New Roman"/>
               </a:rPr>
               <a:t>5</a:t>
             </a:r>
-            <a:endParaRPr lang="en-US" sz="2400" baseline="-25000" dirty="0">
-              <a:latin typeface="Times New Roman"/>
-              <a:cs typeface="Times New Roman"/>
-            </a:endParaRPr>
           </a:p>
         </p:txBody>
       </p:sp>
@@ -8056,23 +10228,19 @@
           <a:lstStyle/>
           <a:p>
             <a:r>
-              <a:rPr lang="en-US" sz="2400" i="1" dirty="0" smtClean="0">
+              <a:rPr lang="en-US" sz="2400" i="1" dirty="0">
                 <a:latin typeface="Symbol" charset="2"/>
                 <a:cs typeface="Symbol" charset="2"/>
               </a:rPr>
               <a:t>f</a:t>
             </a:r>
             <a:r>
-              <a:rPr lang="en-US" sz="2400" baseline="-25000" dirty="0" smtClean="0">
+              <a:rPr lang="en-US" sz="2400" baseline="-25000" dirty="0">
                 <a:latin typeface="Times New Roman"/>
                 <a:cs typeface="Times New Roman"/>
               </a:rPr>
               <a:t>6</a:t>
             </a:r>
-            <a:endParaRPr lang="en-US" sz="2400" baseline="-25000" dirty="0">
-              <a:latin typeface="Times New Roman"/>
-              <a:cs typeface="Times New Roman"/>
-            </a:endParaRPr>
           </a:p>
         </p:txBody>
       </p:sp>
@@ -8098,7 +10266,7 @@
           <a:lstStyle/>
           <a:p>
             <a:r>
-              <a:rPr lang="en-GB" sz="4000" b="1" dirty="0" smtClean="0">
+              <a:rPr lang="en-GB" sz="4000" b="1" dirty="0">
                 <a:solidFill>
                   <a:srgbClr val="000000"/>
                 </a:solidFill>
@@ -8107,7 +10275,7 @@
               <a:t>H </a:t>
             </a:r>
             <a:r>
-              <a:rPr lang="en-GB" sz="4000" dirty="0" smtClean="0">
+              <a:rPr lang="en-GB" sz="4000" dirty="0">
                 <a:solidFill>
                   <a:srgbClr val="000000"/>
                 </a:solidFill>
@@ -8176,7 +10344,7 @@
           <a:lstStyle/>
           <a:p>
             <a:r>
-              <a:rPr lang="en-GB" sz="2400" dirty="0" smtClean="0">
+              <a:rPr lang="en-GB" sz="2400" dirty="0">
                 <a:solidFill>
                   <a:srgbClr val="000000"/>
                 </a:solidFill>
@@ -8246,7 +10414,7 @@
           <a:lstStyle/>
           <a:p>
             <a:r>
-              <a:rPr lang="en-GB" sz="2400" dirty="0" smtClean="0">
+              <a:rPr lang="en-GB" sz="2400" dirty="0">
                 <a:solidFill>
                   <a:srgbClr val="000000"/>
                 </a:solidFill>
@@ -8281,7 +10449,7 @@
           <a:lstStyle/>
           <a:p>
             <a:r>
-              <a:rPr lang="en-GB" sz="2400" dirty="0" smtClean="0">
+              <a:rPr lang="en-GB" sz="2400" dirty="0">
                 <a:solidFill>
                   <a:srgbClr val="000000"/>
                 </a:solidFill>
@@ -8351,7 +10519,7 @@
           <a:lstStyle/>
           <a:p>
             <a:r>
-              <a:rPr lang="en-GB" sz="2400" dirty="0" smtClean="0">
+              <a:rPr lang="en-GB" sz="2400" dirty="0">
                 <a:solidFill>
                   <a:srgbClr val="000000"/>
                 </a:solidFill>
@@ -8386,7 +10554,7 @@
           <a:lstStyle/>
           <a:p>
             <a:r>
-              <a:rPr lang="en-GB" sz="2400" dirty="0" smtClean="0">
+              <a:rPr lang="en-GB" sz="2400" dirty="0">
                 <a:solidFill>
                   <a:srgbClr val="000000"/>
                 </a:solidFill>
@@ -8456,7 +10624,7 @@
           <a:lstStyle/>
           <a:p>
             <a:r>
-              <a:rPr lang="en-GB" sz="2400" dirty="0" smtClean="0">
+              <a:rPr lang="en-GB" sz="2400" dirty="0">
                 <a:solidFill>
                   <a:srgbClr val="000000"/>
                 </a:solidFill>
@@ -8491,7 +10659,7 @@
           <a:lstStyle/>
           <a:p>
             <a:r>
-              <a:rPr lang="en-GB" sz="2400" dirty="0" smtClean="0">
+              <a:rPr lang="en-GB" sz="2400" dirty="0">
                 <a:solidFill>
                   <a:srgbClr val="000000"/>
                 </a:solidFill>
@@ -8561,7 +10729,7 @@
           <a:lstStyle/>
           <a:p>
             <a:r>
-              <a:rPr lang="en-GB" sz="2400" dirty="0" smtClean="0">
+              <a:rPr lang="en-GB" sz="2400" dirty="0">
                 <a:solidFill>
                   <a:srgbClr val="000000"/>
                 </a:solidFill>
@@ -8596,7 +10764,7 @@
           <a:lstStyle/>
           <a:p>
             <a:r>
-              <a:rPr lang="en-GB" sz="2400" dirty="0" smtClean="0">
+              <a:rPr lang="en-GB" sz="2400" dirty="0">
                 <a:solidFill>
                   <a:srgbClr val="000000"/>
                 </a:solidFill>
@@ -8666,7 +10834,7 @@
           <a:lstStyle/>
           <a:p>
             <a:r>
-              <a:rPr lang="en-GB" sz="2400" dirty="0" smtClean="0">
+              <a:rPr lang="en-GB" sz="2400" dirty="0">
                 <a:solidFill>
                   <a:srgbClr val="000000"/>
                 </a:solidFill>
@@ -8701,7 +10869,7 @@
           <a:lstStyle/>
           <a:p>
             <a:r>
-              <a:rPr lang="en-GB" sz="2400" dirty="0" smtClean="0">
+              <a:rPr lang="en-GB" sz="2400" dirty="0">
                 <a:solidFill>
                   <a:srgbClr val="000000"/>
                 </a:solidFill>
@@ -8736,7 +10904,7 @@
           <a:lstStyle/>
           <a:p>
             <a:r>
-              <a:rPr lang="en-GB" sz="2400" dirty="0" smtClean="0">
+              <a:rPr lang="en-GB" sz="2400" dirty="0">
                 <a:solidFill>
                   <a:srgbClr val="000000"/>
                 </a:solidFill>
@@ -8771,7 +10939,7 @@
           <a:lstStyle/>
           <a:p>
             <a:r>
-              <a:rPr lang="en-GB" sz="2800" dirty="0" smtClean="0">
+              <a:rPr lang="en-GB" sz="2800" dirty="0">
                 <a:solidFill>
                   <a:srgbClr val="000000"/>
                 </a:solidFill>
@@ -8805,7 +10973,7 @@
           <a:lstStyle/>
           <a:p>
             <a:r>
-              <a:rPr lang="en-GB" sz="2800" dirty="0" smtClean="0">
+              <a:rPr lang="en-GB" sz="2800" dirty="0">
                 <a:solidFill>
                   <a:srgbClr val="000000"/>
                 </a:solidFill>
@@ -8839,7 +11007,7 @@
           <a:lstStyle/>
           <a:p>
             <a:r>
-              <a:rPr lang="en-GB" sz="2800" dirty="0" smtClean="0">
+              <a:rPr lang="en-GB" sz="2800" dirty="0">
                 <a:solidFill>
                   <a:srgbClr val="000000"/>
                 </a:solidFill>
@@ -8873,7 +11041,7 @@
           <a:lstStyle/>
           <a:p>
             <a:r>
-              <a:rPr lang="en-GB" sz="2800" dirty="0" smtClean="0">
+              <a:rPr lang="en-GB" sz="2800" dirty="0">
                 <a:solidFill>
                   <a:srgbClr val="000000"/>
                 </a:solidFill>
@@ -8907,7 +11075,7 @@
           <a:lstStyle/>
           <a:p>
             <a:r>
-              <a:rPr lang="en-GB" sz="2800" dirty="0" smtClean="0">
+              <a:rPr lang="en-GB" sz="2800" dirty="0">
                 <a:solidFill>
                   <a:srgbClr val="000000"/>
                 </a:solidFill>
@@ -8941,7 +11109,7 @@
           <a:lstStyle/>
           <a:p>
             <a:r>
-              <a:rPr lang="en-GB" sz="2800" dirty="0" smtClean="0">
+              <a:rPr lang="en-GB" sz="2800" dirty="0">
                 <a:solidFill>
                   <a:srgbClr val="000000"/>
                 </a:solidFill>
@@ -8975,7 +11143,7 @@
           <a:lstStyle/>
           <a:p>
             <a:r>
-              <a:rPr lang="en-GB" sz="2800" dirty="0" smtClean="0">
+              <a:rPr lang="en-GB" sz="2800" dirty="0">
                 <a:solidFill>
                   <a:srgbClr val="000000"/>
                 </a:solidFill>
@@ -9009,7 +11177,7 @@
           <a:lstStyle/>
           <a:p>
             <a:r>
-              <a:rPr lang="en-GB" sz="2800" dirty="0" smtClean="0">
+              <a:rPr lang="en-GB" sz="2800" dirty="0">
                 <a:solidFill>
                   <a:srgbClr val="000000"/>
                 </a:solidFill>
@@ -9043,7 +11211,7 @@
           <a:lstStyle/>
           <a:p>
             <a:r>
-              <a:rPr lang="en-GB" sz="2800" dirty="0" smtClean="0">
+              <a:rPr lang="en-GB" sz="2800" dirty="0">
                 <a:solidFill>
                   <a:srgbClr val="000000"/>
                 </a:solidFill>
@@ -9077,7 +11245,7 @@
           <a:lstStyle/>
           <a:p>
             <a:r>
-              <a:rPr lang="en-GB" sz="2800" dirty="0" smtClean="0">
+              <a:rPr lang="en-GB" sz="2800" dirty="0">
                 <a:solidFill>
                   <a:srgbClr val="000000"/>
                 </a:solidFill>
@@ -9111,7 +11279,7 @@
           <a:lstStyle/>
           <a:p>
             <a:r>
-              <a:rPr lang="en-GB" sz="2800" dirty="0" smtClean="0">
+              <a:rPr lang="en-GB" sz="2800" dirty="0">
                 <a:solidFill>
                   <a:srgbClr val="000000"/>
                 </a:solidFill>
@@ -9145,7 +11313,7 @@
           <a:lstStyle/>
           <a:p>
             <a:r>
-              <a:rPr lang="en-GB" sz="2800" dirty="0" smtClean="0">
+              <a:rPr lang="en-GB" sz="2800" dirty="0">
                 <a:solidFill>
                   <a:srgbClr val="000000"/>
                 </a:solidFill>
@@ -9179,7 +11347,7 @@
           <a:lstStyle/>
           <a:p>
             <a:r>
-              <a:rPr lang="en-GB" sz="2800" dirty="0" smtClean="0">
+              <a:rPr lang="en-GB" sz="2800" dirty="0">
                 <a:solidFill>
                   <a:srgbClr val="000000"/>
                 </a:solidFill>
@@ -9213,7 +11381,7 @@
           <a:lstStyle/>
           <a:p>
             <a:r>
-              <a:rPr lang="en-GB" sz="2800" dirty="0" smtClean="0">
+              <a:rPr lang="en-GB" sz="2800" dirty="0">
                 <a:solidFill>
                   <a:srgbClr val="000000"/>
                 </a:solidFill>
@@ -9247,7 +11415,7 @@
           <a:lstStyle/>
           <a:p>
             <a:r>
-              <a:rPr lang="en-GB" sz="2800" dirty="0" smtClean="0">
+              <a:rPr lang="en-GB" sz="2800" dirty="0">
                 <a:solidFill>
                   <a:srgbClr val="000000"/>
                 </a:solidFill>
@@ -9281,7 +11449,7 @@
           <a:lstStyle/>
           <a:p>
             <a:r>
-              <a:rPr lang="en-GB" sz="2800" dirty="0" smtClean="0">
+              <a:rPr lang="en-GB" sz="2800" dirty="0">
                 <a:solidFill>
                   <a:srgbClr val="000000"/>
                 </a:solidFill>
@@ -9315,7 +11483,7 @@
           <a:lstStyle/>
           <a:p>
             <a:r>
-              <a:rPr lang="en-GB" sz="2800" dirty="0" smtClean="0">
+              <a:rPr lang="en-GB" sz="2800" dirty="0">
                 <a:solidFill>
                   <a:srgbClr val="000000"/>
                 </a:solidFill>
@@ -9349,7 +11517,7 @@
           <a:lstStyle/>
           <a:p>
             <a:r>
-              <a:rPr lang="en-GB" sz="2800" dirty="0" smtClean="0">
+              <a:rPr lang="en-GB" sz="2800" dirty="0">
                 <a:solidFill>
                   <a:srgbClr val="000000"/>
                 </a:solidFill>
@@ -9383,7 +11551,7 @@
           <a:lstStyle/>
           <a:p>
             <a:r>
-              <a:rPr lang="en-GB" sz="2400" dirty="0" smtClean="0">
+              <a:rPr lang="en-GB" sz="2400" dirty="0">
                 <a:solidFill>
                   <a:srgbClr val="000000"/>
                 </a:solidFill>
@@ -9418,7 +11586,7 @@
           <a:lstStyle/>
           <a:p>
             <a:r>
-              <a:rPr lang="en-GB" sz="2400" dirty="0" smtClean="0">
+              <a:rPr lang="en-GB" sz="2400" dirty="0">
                 <a:solidFill>
                   <a:srgbClr val="000000"/>
                 </a:solidFill>
@@ -9453,7 +11621,7 @@
           <a:lstStyle/>
           <a:p>
             <a:r>
-              <a:rPr lang="en-GB" sz="2400" dirty="0" smtClean="0">
+              <a:rPr lang="en-GB" sz="2400" dirty="0">
                 <a:solidFill>
                   <a:srgbClr val="000000"/>
                 </a:solidFill>
@@ -9488,7 +11656,7 @@
           <a:lstStyle/>
           <a:p>
             <a:r>
-              <a:rPr lang="en-GB" sz="2400" dirty="0" smtClean="0">
+              <a:rPr lang="en-GB" sz="2400" dirty="0">
                 <a:solidFill>
                   <a:srgbClr val="000000"/>
                 </a:solidFill>
@@ -9523,7 +11691,7 @@
           <a:lstStyle/>
           <a:p>
             <a:r>
-              <a:rPr lang="en-GB" sz="2400" dirty="0" smtClean="0">
+              <a:rPr lang="en-GB" sz="2400" dirty="0">
                 <a:solidFill>
                   <a:srgbClr val="000000"/>
                 </a:solidFill>
@@ -9558,7 +11726,7 @@
           <a:lstStyle/>
           <a:p>
             <a:r>
-              <a:rPr lang="en-GB" sz="2400" dirty="0" smtClean="0">
+              <a:rPr lang="en-GB" sz="2400" dirty="0">
                 <a:solidFill>
                   <a:srgbClr val="000000"/>
                 </a:solidFill>
@@ -9593,7 +11761,7 @@
           <a:lstStyle/>
           <a:p>
             <a:r>
-              <a:rPr lang="en-GB" sz="2400" dirty="0" smtClean="0">
+              <a:rPr lang="en-GB" sz="2400" dirty="0">
                 <a:solidFill>
                   <a:srgbClr val="000000"/>
                 </a:solidFill>
@@ -9628,7 +11796,7 @@
           <a:lstStyle/>
           <a:p>
             <a:r>
-              <a:rPr lang="en-GB" sz="2400" dirty="0" smtClean="0">
+              <a:rPr lang="en-GB" sz="2400" dirty="0">
                 <a:solidFill>
                   <a:srgbClr val="000000"/>
                 </a:solidFill>
@@ -9663,7 +11831,7 @@
           <a:lstStyle/>
           <a:p>
             <a:r>
-              <a:rPr lang="en-GB" sz="2400" dirty="0" smtClean="0">
+              <a:rPr lang="en-GB" sz="2400" dirty="0">
                 <a:solidFill>
                   <a:srgbClr val="000000"/>
                 </a:solidFill>
@@ -9698,7 +11866,7 @@
           <a:lstStyle/>
           <a:p>
             <a:r>
-              <a:rPr lang="en-GB" sz="2400" dirty="0" smtClean="0">
+              <a:rPr lang="en-GB" sz="2400" dirty="0">
                 <a:solidFill>
                   <a:srgbClr val="000000"/>
                 </a:solidFill>
@@ -9733,7 +11901,7 @@
           <a:lstStyle/>
           <a:p>
             <a:r>
-              <a:rPr lang="en-GB" sz="2400" dirty="0" smtClean="0">
+              <a:rPr lang="en-GB" sz="2400" dirty="0">
                 <a:solidFill>
                   <a:srgbClr val="000000"/>
                 </a:solidFill>
@@ -9768,7 +11936,7 @@
           <a:lstStyle/>
           <a:p>
             <a:r>
-              <a:rPr lang="en-GB" sz="2400" dirty="0" smtClean="0">
+              <a:rPr lang="en-GB" sz="2400" dirty="0">
                 <a:solidFill>
                   <a:srgbClr val="000000"/>
                 </a:solidFill>
@@ -9803,7 +11971,7 @@
           <a:lstStyle/>
           <a:p>
             <a:r>
-              <a:rPr lang="en-GB" sz="2400" dirty="0" smtClean="0">
+              <a:rPr lang="en-GB" sz="2400" dirty="0">
                 <a:solidFill>
                   <a:srgbClr val="000000"/>
                 </a:solidFill>
@@ -9838,7 +12006,7 @@
           <a:lstStyle/>
           <a:p>
             <a:r>
-              <a:rPr lang="en-GB" sz="2400" dirty="0" smtClean="0">
+              <a:rPr lang="en-GB" sz="2400" dirty="0">
                 <a:solidFill>
                   <a:srgbClr val="000000"/>
                 </a:solidFill>
@@ -9873,7 +12041,7 @@
           <a:lstStyle/>
           <a:p>
             <a:r>
-              <a:rPr lang="en-GB" sz="2400" dirty="0" smtClean="0">
+              <a:rPr lang="en-GB" sz="2400" dirty="0">
                 <a:solidFill>
                   <a:srgbClr val="000000"/>
                 </a:solidFill>
@@ -9908,7 +12076,7 @@
           <a:lstStyle/>
           <a:p>
             <a:r>
-              <a:rPr lang="en-GB" sz="2400" dirty="0" smtClean="0">
+              <a:rPr lang="en-GB" sz="2400" dirty="0">
                 <a:solidFill>
                   <a:srgbClr val="000000"/>
                 </a:solidFill>
@@ -9943,7 +12111,7 @@
           <a:lstStyle/>
           <a:p>
             <a:r>
-              <a:rPr lang="en-GB" sz="2400" dirty="0" smtClean="0">
+              <a:rPr lang="en-GB" sz="2400" dirty="0">
                 <a:solidFill>
                   <a:srgbClr val="000000"/>
                 </a:solidFill>
@@ -9978,7 +12146,7 @@
           <a:lstStyle/>
           <a:p>
             <a:r>
-              <a:rPr lang="en-GB" sz="2400" dirty="0" smtClean="0">
+              <a:rPr lang="en-GB" sz="2400" dirty="0">
                 <a:solidFill>
                   <a:srgbClr val="000000"/>
                 </a:solidFill>
@@ -10004,7 +12172,7 @@
   <p:timing>
     <p:tnLst>
       <p:par>
-        <p:cTn xmlns:p14="http://schemas.microsoft.com/office/powerpoint/2010/main" id="1" dur="indefinite" restart="never" nodeType="tmRoot">
+        <p:cTn id="1" dur="indefinite" restart="never" nodeType="tmRoot">
           <p:childTnLst>
             <p:seq concurrent="1" nextAc="seek">
               <p:cTn id="2" dur="indefinite" nodeType="mainSeq">
@@ -15220,7 +17388,7 @@
               </a:tabLst>
             </a:pPr>
             <a:r>
-              <a:rPr lang="en-GB" sz="3200" dirty="0" smtClean="0">
+              <a:rPr lang="en-GB" sz="3200" dirty="0">
                 <a:solidFill>
                   <a:srgbClr val="000000"/>
                 </a:solidFill>
@@ -15229,7 +17397,7 @@
               <a:t>The </a:t>
             </a:r>
             <a:r>
-              <a:rPr lang="en-GB" sz="3200" dirty="0" err="1" smtClean="0">
+              <a:rPr lang="en-GB" sz="3200" dirty="0" err="1">
                 <a:solidFill>
                   <a:srgbClr val="000000"/>
                 </a:solidFill>
@@ -15238,7 +17406,7 @@
               <a:t>Huckel</a:t>
             </a:r>
             <a:r>
-              <a:rPr lang="en-GB" sz="3200" dirty="0" smtClean="0">
+              <a:rPr lang="en-GB" sz="3200" dirty="0">
                 <a:solidFill>
                   <a:srgbClr val="000000"/>
                 </a:solidFill>
@@ -15300,7 +17468,7 @@
               </a:tabLst>
             </a:pPr>
             <a:r>
-              <a:rPr lang="en-GB" sz="4000" dirty="0" smtClean="0">
+              <a:rPr lang="en-GB" sz="4000" dirty="0">
                 <a:solidFill>
                   <a:srgbClr val="000000"/>
                 </a:solidFill>
@@ -15309,7 +17477,7 @@
               <a:t>The </a:t>
             </a:r>
             <a:r>
-              <a:rPr lang="en-GB" sz="4000" dirty="0" err="1" smtClean="0">
+              <a:rPr lang="en-GB" sz="4000" dirty="0" err="1">
                 <a:solidFill>
                   <a:srgbClr val="000000"/>
                 </a:solidFill>
@@ -15318,29 +17486,14 @@
               <a:t>Huckel</a:t>
             </a:r>
             <a:r>
-              <a:rPr lang="en-GB" sz="4000" dirty="0" smtClean="0">
+              <a:rPr lang="en-GB" sz="4000" dirty="0">
                 <a:solidFill>
                   <a:srgbClr val="000000"/>
                 </a:solidFill>
                 <a:latin typeface="Times New Roman" pitchFamily="18" charset="0"/>
               </a:rPr>
-              <a:t> Molecular Orbital </a:t>
-            </a:r>
-            <a:r>
-              <a:rPr lang="en-GB" sz="4000" dirty="0" smtClean="0">
-                <a:solidFill>
-                  <a:srgbClr val="000000"/>
-                </a:solidFill>
-                <a:latin typeface="Times New Roman" pitchFamily="18" charset="0"/>
-              </a:rPr>
-              <a:t>Model</a:t>
-            </a:r>
-            <a:endParaRPr lang="en-GB" sz="4000" dirty="0">
-              <a:solidFill>
-                <a:srgbClr val="000000"/>
-              </a:solidFill>
-              <a:latin typeface="Times New Roman" pitchFamily="18" charset="0"/>
-            </a:endParaRPr>
+              <a:t> Molecular Orbital Model</a:t>
+            </a:r>
           </a:p>
         </p:txBody>
       </p:sp>
@@ -15430,7 +17583,7 @@
               </a:tabLst>
             </a:pPr>
             <a:r>
-              <a:rPr lang="en-GB" sz="3200" dirty="0" smtClean="0">
+              <a:rPr lang="en-GB" sz="3200" dirty="0">
                 <a:solidFill>
                   <a:srgbClr val="000000"/>
                 </a:solidFill>
@@ -15464,23 +17617,19 @@
           <a:lstStyle/>
           <a:p>
             <a:r>
-              <a:rPr lang="en-US" sz="2400" i="1" dirty="0" smtClean="0">
+              <a:rPr lang="en-US" sz="2400" i="1" dirty="0">
                 <a:latin typeface="Symbol" charset="2"/>
                 <a:cs typeface="Symbol" charset="2"/>
               </a:rPr>
               <a:t>f</a:t>
             </a:r>
             <a:r>
-              <a:rPr lang="en-US" sz="2400" baseline="-25000" dirty="0" smtClean="0">
+              <a:rPr lang="en-US" sz="2400" baseline="-25000" dirty="0">
                 <a:latin typeface="Times New Roman"/>
                 <a:cs typeface="Times New Roman"/>
               </a:rPr>
               <a:t>1</a:t>
             </a:r>
-            <a:endParaRPr lang="en-US" sz="2400" baseline="-25000" dirty="0">
-              <a:latin typeface="Times New Roman"/>
-              <a:cs typeface="Times New Roman"/>
-            </a:endParaRPr>
           </a:p>
         </p:txBody>
       </p:sp>
@@ -15507,23 +17656,19 @@
           <a:lstStyle/>
           <a:p>
             <a:r>
-              <a:rPr lang="en-US" sz="2400" i="1" dirty="0" smtClean="0">
+              <a:rPr lang="en-US" sz="2400" i="1" dirty="0">
                 <a:latin typeface="Symbol" charset="2"/>
                 <a:cs typeface="Symbol" charset="2"/>
               </a:rPr>
               <a:t>f</a:t>
             </a:r>
             <a:r>
-              <a:rPr lang="en-US" sz="2400" baseline="-25000" dirty="0" smtClean="0">
+              <a:rPr lang="en-US" sz="2400" baseline="-25000" dirty="0">
                 <a:latin typeface="Times New Roman"/>
                 <a:cs typeface="Times New Roman"/>
               </a:rPr>
               <a:t>2</a:t>
             </a:r>
-            <a:endParaRPr lang="en-US" sz="2400" baseline="-25000" dirty="0">
-              <a:latin typeface="Times New Roman"/>
-              <a:cs typeface="Times New Roman"/>
-            </a:endParaRPr>
           </a:p>
         </p:txBody>
       </p:sp>
@@ -15580,23 +17725,19 @@
           <a:lstStyle/>
           <a:p>
             <a:r>
-              <a:rPr lang="en-US" sz="2400" i="1" dirty="0" smtClean="0">
+              <a:rPr lang="en-US" sz="2400" i="1" dirty="0">
                 <a:latin typeface="Symbol" charset="2"/>
                 <a:cs typeface="Symbol" charset="2"/>
               </a:rPr>
               <a:t>f</a:t>
             </a:r>
             <a:r>
-              <a:rPr lang="en-US" sz="2400" baseline="-25000" dirty="0" smtClean="0">
+              <a:rPr lang="en-US" sz="2400" baseline="-25000" dirty="0">
                 <a:latin typeface="Times New Roman"/>
                 <a:cs typeface="Times New Roman"/>
               </a:rPr>
               <a:t>3</a:t>
             </a:r>
-            <a:endParaRPr lang="en-US" sz="2400" baseline="-25000" dirty="0">
-              <a:latin typeface="Times New Roman"/>
-              <a:cs typeface="Times New Roman"/>
-            </a:endParaRPr>
           </a:p>
         </p:txBody>
       </p:sp>
@@ -15623,23 +17764,19 @@
           <a:lstStyle/>
           <a:p>
             <a:r>
-              <a:rPr lang="en-US" sz="2400" i="1" dirty="0" smtClean="0">
+              <a:rPr lang="en-US" sz="2400" i="1" dirty="0">
                 <a:latin typeface="Symbol" charset="2"/>
                 <a:cs typeface="Symbol" charset="2"/>
               </a:rPr>
               <a:t>f</a:t>
             </a:r>
             <a:r>
-              <a:rPr lang="en-US" sz="2400" baseline="-25000" dirty="0" smtClean="0">
+              <a:rPr lang="en-US" sz="2400" baseline="-25000" dirty="0">
                 <a:latin typeface="Times New Roman"/>
                 <a:cs typeface="Times New Roman"/>
               </a:rPr>
               <a:t>4</a:t>
             </a:r>
-            <a:endParaRPr lang="en-US" sz="2400" baseline="-25000" dirty="0">
-              <a:latin typeface="Times New Roman"/>
-              <a:cs typeface="Times New Roman"/>
-            </a:endParaRPr>
           </a:p>
         </p:txBody>
       </p:sp>
@@ -15666,23 +17803,19 @@
           <a:lstStyle/>
           <a:p>
             <a:r>
-              <a:rPr lang="en-US" sz="2400" i="1" dirty="0" smtClean="0">
+              <a:rPr lang="en-US" sz="2400" i="1" dirty="0">
                 <a:latin typeface="Symbol" charset="2"/>
                 <a:cs typeface="Symbol" charset="2"/>
               </a:rPr>
               <a:t>f</a:t>
             </a:r>
             <a:r>
-              <a:rPr lang="en-US" sz="2400" baseline="-25000" dirty="0" smtClean="0">
+              <a:rPr lang="en-US" sz="2400" baseline="-25000" dirty="0">
                 <a:latin typeface="Times New Roman"/>
                 <a:cs typeface="Times New Roman"/>
               </a:rPr>
               <a:t>5</a:t>
             </a:r>
-            <a:endParaRPr lang="en-US" sz="2400" baseline="-25000" dirty="0">
-              <a:latin typeface="Times New Roman"/>
-              <a:cs typeface="Times New Roman"/>
-            </a:endParaRPr>
           </a:p>
         </p:txBody>
       </p:sp>
@@ -15709,23 +17842,19 @@
           <a:lstStyle/>
           <a:p>
             <a:r>
-              <a:rPr lang="en-US" sz="2400" i="1" dirty="0" smtClean="0">
+              <a:rPr lang="en-US" sz="2400" i="1" dirty="0">
                 <a:latin typeface="Symbol" charset="2"/>
                 <a:cs typeface="Symbol" charset="2"/>
               </a:rPr>
               <a:t>f</a:t>
             </a:r>
             <a:r>
-              <a:rPr lang="en-US" sz="2400" baseline="-25000" dirty="0" smtClean="0">
+              <a:rPr lang="en-US" sz="2400" baseline="-25000" dirty="0">
                 <a:latin typeface="Times New Roman"/>
                 <a:cs typeface="Times New Roman"/>
               </a:rPr>
               <a:t>6</a:t>
             </a:r>
-            <a:endParaRPr lang="en-US" sz="2400" baseline="-25000" dirty="0">
-              <a:latin typeface="Times New Roman"/>
-              <a:cs typeface="Times New Roman"/>
-            </a:endParaRPr>
           </a:p>
         </p:txBody>
       </p:sp>
@@ -15782,23 +17911,19 @@
           <a:lstStyle/>
           <a:p>
             <a:r>
-              <a:rPr lang="en-US" sz="2400" i="1" dirty="0" smtClean="0">
+              <a:rPr lang="en-US" sz="2400" i="1" dirty="0">
                 <a:latin typeface="Symbol" charset="2"/>
                 <a:cs typeface="Symbol" charset="2"/>
               </a:rPr>
               <a:t>f</a:t>
             </a:r>
             <a:r>
-              <a:rPr lang="en-US" sz="2400" baseline="-25000" dirty="0" smtClean="0">
+              <a:rPr lang="en-US" sz="2400" baseline="-25000" dirty="0">
                 <a:latin typeface="Times New Roman"/>
                 <a:cs typeface="Times New Roman"/>
               </a:rPr>
               <a:t>1</a:t>
             </a:r>
-            <a:endParaRPr lang="en-US" sz="2400" baseline="-25000" dirty="0">
-              <a:latin typeface="Times New Roman"/>
-              <a:cs typeface="Times New Roman"/>
-            </a:endParaRPr>
           </a:p>
         </p:txBody>
       </p:sp>
@@ -15825,23 +17950,19 @@
           <a:lstStyle/>
           <a:p>
             <a:r>
-              <a:rPr lang="en-US" sz="2400" i="1" dirty="0" smtClean="0">
+              <a:rPr lang="en-US" sz="2400" i="1" dirty="0">
                 <a:latin typeface="Symbol" charset="2"/>
                 <a:cs typeface="Symbol" charset="2"/>
               </a:rPr>
               <a:t>f</a:t>
             </a:r>
             <a:r>
-              <a:rPr lang="en-US" sz="2400" baseline="-25000" dirty="0" smtClean="0">
+              <a:rPr lang="en-US" sz="2400" baseline="-25000" dirty="0">
                 <a:latin typeface="Times New Roman"/>
                 <a:cs typeface="Times New Roman"/>
               </a:rPr>
               <a:t>2</a:t>
             </a:r>
-            <a:endParaRPr lang="en-US" sz="2400" baseline="-25000" dirty="0">
-              <a:latin typeface="Times New Roman"/>
-              <a:cs typeface="Times New Roman"/>
-            </a:endParaRPr>
           </a:p>
         </p:txBody>
       </p:sp>
@@ -15868,23 +17989,19 @@
           <a:lstStyle/>
           <a:p>
             <a:r>
-              <a:rPr lang="en-US" sz="2400" i="1" dirty="0" smtClean="0">
+              <a:rPr lang="en-US" sz="2400" i="1" dirty="0">
                 <a:latin typeface="Symbol" charset="2"/>
                 <a:cs typeface="Symbol" charset="2"/>
               </a:rPr>
               <a:t>f</a:t>
             </a:r>
             <a:r>
-              <a:rPr lang="en-US" sz="2400" baseline="-25000" dirty="0" smtClean="0">
+              <a:rPr lang="en-US" sz="2400" baseline="-25000" dirty="0">
                 <a:latin typeface="Times New Roman"/>
                 <a:cs typeface="Times New Roman"/>
               </a:rPr>
               <a:t>3</a:t>
             </a:r>
-            <a:endParaRPr lang="en-US" sz="2400" baseline="-25000" dirty="0">
-              <a:latin typeface="Times New Roman"/>
-              <a:cs typeface="Times New Roman"/>
-            </a:endParaRPr>
           </a:p>
         </p:txBody>
       </p:sp>
@@ -15911,23 +18028,19 @@
           <a:lstStyle/>
           <a:p>
             <a:r>
-              <a:rPr lang="en-US" sz="2400" i="1" dirty="0" smtClean="0">
+              <a:rPr lang="en-US" sz="2400" i="1" dirty="0">
                 <a:latin typeface="Symbol" charset="2"/>
                 <a:cs typeface="Symbol" charset="2"/>
               </a:rPr>
               <a:t>f</a:t>
             </a:r>
             <a:r>
-              <a:rPr lang="en-US" sz="2400" baseline="-25000" dirty="0" smtClean="0">
+              <a:rPr lang="en-US" sz="2400" baseline="-25000" dirty="0">
                 <a:latin typeface="Times New Roman"/>
                 <a:cs typeface="Times New Roman"/>
               </a:rPr>
               <a:t>4</a:t>
             </a:r>
-            <a:endParaRPr lang="en-US" sz="2400" baseline="-25000" dirty="0">
-              <a:latin typeface="Times New Roman"/>
-              <a:cs typeface="Times New Roman"/>
-            </a:endParaRPr>
           </a:p>
         </p:txBody>
       </p:sp>
@@ -15954,23 +18067,19 @@
           <a:lstStyle/>
           <a:p>
             <a:r>
-              <a:rPr lang="en-US" sz="2400" i="1" dirty="0" smtClean="0">
+              <a:rPr lang="en-US" sz="2400" i="1" dirty="0">
                 <a:latin typeface="Symbol" charset="2"/>
                 <a:cs typeface="Symbol" charset="2"/>
               </a:rPr>
               <a:t>f</a:t>
             </a:r>
             <a:r>
-              <a:rPr lang="en-US" sz="2400" baseline="-25000" dirty="0" smtClean="0">
+              <a:rPr lang="en-US" sz="2400" baseline="-25000" dirty="0">
                 <a:latin typeface="Times New Roman"/>
                 <a:cs typeface="Times New Roman"/>
               </a:rPr>
               <a:t>5</a:t>
             </a:r>
-            <a:endParaRPr lang="en-US" sz="2400" baseline="-25000" dirty="0">
-              <a:latin typeface="Times New Roman"/>
-              <a:cs typeface="Times New Roman"/>
-            </a:endParaRPr>
           </a:p>
         </p:txBody>
       </p:sp>
@@ -15997,23 +18106,19 @@
           <a:lstStyle/>
           <a:p>
             <a:r>
-              <a:rPr lang="en-US" sz="2400" i="1" dirty="0" smtClean="0">
+              <a:rPr lang="en-US" sz="2400" i="1" dirty="0">
                 <a:latin typeface="Symbol" charset="2"/>
                 <a:cs typeface="Symbol" charset="2"/>
               </a:rPr>
               <a:t>f</a:t>
             </a:r>
             <a:r>
-              <a:rPr lang="en-US" sz="2400" baseline="-25000" dirty="0" smtClean="0">
+              <a:rPr lang="en-US" sz="2400" baseline="-25000" dirty="0">
                 <a:latin typeface="Times New Roman"/>
                 <a:cs typeface="Times New Roman"/>
               </a:rPr>
               <a:t>6</a:t>
             </a:r>
-            <a:endParaRPr lang="en-US" sz="2400" baseline="-25000" dirty="0">
-              <a:latin typeface="Times New Roman"/>
-              <a:cs typeface="Times New Roman"/>
-            </a:endParaRPr>
           </a:p>
         </p:txBody>
       </p:sp>
@@ -16039,7 +18144,7 @@
           <a:lstStyle/>
           <a:p>
             <a:r>
-              <a:rPr lang="en-GB" sz="4000" b="1" dirty="0" smtClean="0">
+              <a:rPr lang="en-GB" sz="4000" b="1" dirty="0">
                 <a:solidFill>
                   <a:srgbClr val="000000"/>
                 </a:solidFill>
@@ -16048,7 +18153,7 @@
               <a:t>S </a:t>
             </a:r>
             <a:r>
-              <a:rPr lang="en-GB" sz="4000" dirty="0" smtClean="0">
+              <a:rPr lang="en-GB" sz="4000" dirty="0">
                 <a:solidFill>
                   <a:srgbClr val="000000"/>
                 </a:solidFill>
@@ -16082,7 +18187,7 @@
           <a:lstStyle/>
           <a:p>
             <a:r>
-              <a:rPr lang="en-GB" sz="2400" dirty="0" smtClean="0">
+              <a:rPr lang="en-GB" sz="2400" dirty="0">
                 <a:solidFill>
                   <a:srgbClr val="000000"/>
                 </a:solidFill>
@@ -16117,7 +18222,7 @@
           <a:lstStyle/>
           <a:p>
             <a:r>
-              <a:rPr lang="en-GB" sz="2400" dirty="0" smtClean="0">
+              <a:rPr lang="en-GB" sz="2400" dirty="0">
                 <a:solidFill>
                   <a:srgbClr val="000000"/>
                 </a:solidFill>
@@ -16152,7 +18257,7 @@
           <a:lstStyle/>
           <a:p>
             <a:r>
-              <a:rPr lang="en-GB" sz="2400" dirty="0" smtClean="0">
+              <a:rPr lang="en-GB" sz="2400" dirty="0">
                 <a:solidFill>
                   <a:srgbClr val="000000"/>
                 </a:solidFill>
@@ -16222,7 +18327,7 @@
           <a:lstStyle/>
           <a:p>
             <a:r>
-              <a:rPr lang="en-GB" sz="2400" dirty="0" smtClean="0">
+              <a:rPr lang="en-GB" sz="2400" dirty="0">
                 <a:solidFill>
                   <a:srgbClr val="000000"/>
                 </a:solidFill>
@@ -16257,7 +18362,7 @@
           <a:lstStyle/>
           <a:p>
             <a:r>
-              <a:rPr lang="en-GB" sz="2400" dirty="0" smtClean="0">
+              <a:rPr lang="en-GB" sz="2400" dirty="0">
                 <a:solidFill>
                   <a:srgbClr val="000000"/>
                 </a:solidFill>
@@ -16327,7 +18432,7 @@
           <a:lstStyle/>
           <a:p>
             <a:r>
-              <a:rPr lang="en-GB" sz="2400" dirty="0" smtClean="0">
+              <a:rPr lang="en-GB" sz="2400" dirty="0">
                 <a:solidFill>
                   <a:srgbClr val="000000"/>
                 </a:solidFill>
@@ -16362,7 +18467,7 @@
           <a:lstStyle/>
           <a:p>
             <a:r>
-              <a:rPr lang="en-GB" sz="2400" dirty="0" smtClean="0">
+              <a:rPr lang="en-GB" sz="2400" dirty="0">
                 <a:solidFill>
                   <a:srgbClr val="000000"/>
                 </a:solidFill>
@@ -16432,7 +18537,7 @@
           <a:lstStyle/>
           <a:p>
             <a:r>
-              <a:rPr lang="en-GB" sz="2400" dirty="0" smtClean="0">
+              <a:rPr lang="en-GB" sz="2400" dirty="0">
                 <a:solidFill>
                   <a:srgbClr val="000000"/>
                 </a:solidFill>
@@ -16467,7 +18572,7 @@
           <a:lstStyle/>
           <a:p>
             <a:r>
-              <a:rPr lang="en-GB" sz="2400" dirty="0" smtClean="0">
+              <a:rPr lang="en-GB" sz="2400" dirty="0">
                 <a:solidFill>
                   <a:srgbClr val="000000"/>
                 </a:solidFill>
@@ -16502,7 +18607,7 @@
           <a:lstStyle/>
           <a:p>
             <a:r>
-              <a:rPr lang="en-GB" sz="2400" dirty="0" smtClean="0">
+              <a:rPr lang="en-GB" sz="2400" dirty="0">
                 <a:solidFill>
                   <a:srgbClr val="000000"/>
                 </a:solidFill>
@@ -16565,7 +18670,7 @@
           <a:lstStyle/>
           <a:p>
             <a:r>
-              <a:rPr lang="en-GB" sz="2400" dirty="0" smtClean="0">
+              <a:rPr lang="en-GB" sz="2400" dirty="0">
                 <a:solidFill>
                   <a:srgbClr val="000000"/>
                 </a:solidFill>
@@ -16600,10 +18705,9 @@
           <a:lstStyle/>
           <a:p>
             <a:r>
-              <a:rPr lang="en-US" sz="2400" dirty="0" smtClean="0"/>
+              <a:rPr lang="en-US" sz="2400" dirty="0"/>
               <a:t>0</a:t>
             </a:r>
-            <a:endParaRPr lang="en-US" sz="2400" dirty="0"/>
           </a:p>
         </p:txBody>
       </p:sp>
@@ -16699,7 +18803,7 @@
           <a:lstStyle/>
           <a:p>
             <a:r>
-              <a:rPr lang="en-GB" sz="2800" dirty="0" smtClean="0">
+              <a:rPr lang="en-GB" sz="2800" dirty="0">
                 <a:solidFill>
                   <a:srgbClr val="000000"/>
                 </a:solidFill>
@@ -16733,7 +18837,7 @@
           <a:lstStyle/>
           <a:p>
             <a:r>
-              <a:rPr lang="en-GB" sz="2800" dirty="0" smtClean="0">
+              <a:rPr lang="en-GB" sz="2800" dirty="0">
                 <a:solidFill>
                   <a:srgbClr val="000000"/>
                 </a:solidFill>
@@ -16767,7 +18871,7 @@
           <a:lstStyle/>
           <a:p>
             <a:r>
-              <a:rPr lang="en-GB" sz="2800" dirty="0" smtClean="0">
+              <a:rPr lang="en-GB" sz="2800" dirty="0">
                 <a:solidFill>
                   <a:srgbClr val="000000"/>
                 </a:solidFill>
@@ -16801,7 +18905,7 @@
           <a:lstStyle/>
           <a:p>
             <a:r>
-              <a:rPr lang="en-GB" sz="2800" dirty="0" smtClean="0">
+              <a:rPr lang="en-GB" sz="2800" dirty="0">
                 <a:solidFill>
                   <a:srgbClr val="000000"/>
                 </a:solidFill>
@@ -16835,7 +18939,7 @@
           <a:lstStyle/>
           <a:p>
             <a:r>
-              <a:rPr lang="en-GB" sz="2800" dirty="0" smtClean="0">
+              <a:rPr lang="en-GB" sz="2800" dirty="0">
                 <a:solidFill>
                   <a:srgbClr val="000000"/>
                 </a:solidFill>
@@ -16869,7 +18973,7 @@
           <a:lstStyle/>
           <a:p>
             <a:r>
-              <a:rPr lang="en-GB" sz="2800" dirty="0" smtClean="0">
+              <a:rPr lang="en-GB" sz="2800" dirty="0">
                 <a:solidFill>
                   <a:srgbClr val="000000"/>
                 </a:solidFill>
@@ -16903,7 +19007,7 @@
           <a:lstStyle/>
           <a:p>
             <a:r>
-              <a:rPr lang="en-GB" sz="2800" dirty="0" smtClean="0">
+              <a:rPr lang="en-GB" sz="2800" dirty="0">
                 <a:solidFill>
                   <a:srgbClr val="000000"/>
                 </a:solidFill>
@@ -16937,7 +19041,7 @@
           <a:lstStyle/>
           <a:p>
             <a:r>
-              <a:rPr lang="en-GB" sz="2800" dirty="0" smtClean="0">
+              <a:rPr lang="en-GB" sz="2800" dirty="0">
                 <a:solidFill>
                   <a:srgbClr val="000000"/>
                 </a:solidFill>
@@ -16971,7 +19075,7 @@
           <a:lstStyle/>
           <a:p>
             <a:r>
-              <a:rPr lang="en-GB" sz="2800" dirty="0" smtClean="0">
+              <a:rPr lang="en-GB" sz="2800" dirty="0">
                 <a:solidFill>
                   <a:srgbClr val="000000"/>
                 </a:solidFill>
@@ -17005,7 +19109,7 @@
           <a:lstStyle/>
           <a:p>
             <a:r>
-              <a:rPr lang="en-GB" sz="2800" dirty="0" smtClean="0">
+              <a:rPr lang="en-GB" sz="2800" dirty="0">
                 <a:solidFill>
                   <a:srgbClr val="000000"/>
                 </a:solidFill>
@@ -17039,7 +19143,7 @@
           <a:lstStyle/>
           <a:p>
             <a:r>
-              <a:rPr lang="en-GB" sz="2800" dirty="0" smtClean="0">
+              <a:rPr lang="en-GB" sz="2800" dirty="0">
                 <a:solidFill>
                   <a:srgbClr val="000000"/>
                 </a:solidFill>
@@ -17073,7 +19177,7 @@
           <a:lstStyle/>
           <a:p>
             <a:r>
-              <a:rPr lang="en-GB" sz="2800" dirty="0" smtClean="0">
+              <a:rPr lang="en-GB" sz="2800" dirty="0">
                 <a:solidFill>
                   <a:srgbClr val="000000"/>
                 </a:solidFill>
@@ -17107,7 +19211,7 @@
           <a:lstStyle/>
           <a:p>
             <a:r>
-              <a:rPr lang="en-GB" sz="2800" dirty="0" smtClean="0">
+              <a:rPr lang="en-GB" sz="2800" dirty="0">
                 <a:solidFill>
                   <a:srgbClr val="000000"/>
                 </a:solidFill>
@@ -17141,7 +19245,7 @@
           <a:lstStyle/>
           <a:p>
             <a:r>
-              <a:rPr lang="en-GB" sz="2800" dirty="0" smtClean="0">
+              <a:rPr lang="en-GB" sz="2800" dirty="0">
                 <a:solidFill>
                   <a:srgbClr val="000000"/>
                 </a:solidFill>
@@ -17175,7 +19279,7 @@
           <a:lstStyle/>
           <a:p>
             <a:r>
-              <a:rPr lang="en-GB" sz="2800" dirty="0" smtClean="0">
+              <a:rPr lang="en-GB" sz="2800" dirty="0">
                 <a:solidFill>
                   <a:srgbClr val="000000"/>
                 </a:solidFill>
@@ -17209,7 +19313,7 @@
           <a:lstStyle/>
           <a:p>
             <a:r>
-              <a:rPr lang="en-GB" sz="2800" dirty="0" smtClean="0">
+              <a:rPr lang="en-GB" sz="2800" dirty="0">
                 <a:solidFill>
                   <a:srgbClr val="000000"/>
                 </a:solidFill>
@@ -17243,7 +19347,7 @@
           <a:lstStyle/>
           <a:p>
             <a:r>
-              <a:rPr lang="en-GB" sz="2800" dirty="0" smtClean="0">
+              <a:rPr lang="en-GB" sz="2800" dirty="0">
                 <a:solidFill>
                   <a:srgbClr val="000000"/>
                 </a:solidFill>
@@ -17277,7 +19381,7 @@
           <a:lstStyle/>
           <a:p>
             <a:r>
-              <a:rPr lang="en-GB" sz="2800" dirty="0" smtClean="0">
+              <a:rPr lang="en-GB" sz="2800" dirty="0">
                 <a:solidFill>
                   <a:srgbClr val="000000"/>
                 </a:solidFill>
@@ -17299,13 +19403,6 @@
   <p:clrMapOvr>
     <a:masterClrMapping/>
   </p:clrMapOvr>
-  <p:timing>
-    <p:tnLst>
-      <p:par>
-        <p:cTn xmlns:p14="http://schemas.microsoft.com/office/powerpoint/2010/main" id="1" dur="indefinite" restart="never" nodeType="tmRoot"/>
-      </p:par>
-    </p:tnLst>
-  </p:timing>
 </p:sld>
 </file>
 
@@ -17379,7 +19476,7 @@
                 <a:tab pos="10488613" algn="l"/>
               </a:tabLst>
             </a:pPr>
-            <a:endParaRPr lang="en-GB" sz="1200" dirty="0" smtClean="0">
+            <a:endParaRPr lang="en-GB" sz="1200" dirty="0">
               <a:solidFill>
                 <a:srgbClr val="000000"/>
               </a:solidFill>
@@ -17413,7 +19510,7 @@
               </a:tabLst>
             </a:pPr>
             <a:r>
-              <a:rPr lang="en-GB" sz="3200" dirty="0" smtClean="0">
+              <a:rPr lang="en-GB" sz="3200" dirty="0">
                 <a:solidFill>
                   <a:srgbClr val="000000"/>
                 </a:solidFill>
@@ -17423,7 +19520,7 @@
               <a:t>So to “solve” </a:t>
             </a:r>
             <a:r>
-              <a:rPr lang="en-GB" sz="3200" b="1" dirty="0" smtClean="0">
+              <a:rPr lang="en-GB" sz="3200" b="1" dirty="0">
                 <a:solidFill>
                   <a:srgbClr val="000000"/>
                 </a:solidFill>
@@ -17433,7 +19530,7 @@
               <a:t>HC</a:t>
             </a:r>
             <a:r>
-              <a:rPr lang="en-GB" sz="3200" dirty="0" smtClean="0">
+              <a:rPr lang="en-GB" sz="3200" dirty="0">
                 <a:solidFill>
                   <a:srgbClr val="000000"/>
                 </a:solidFill>
@@ -17443,7 +19540,7 @@
               <a:t> = </a:t>
             </a:r>
             <a:r>
-              <a:rPr lang="en-GB" sz="3200" b="1" dirty="0" smtClean="0">
+              <a:rPr lang="en-GB" sz="3200" b="1" dirty="0">
                 <a:solidFill>
                   <a:srgbClr val="000000"/>
                 </a:solidFill>
@@ -17453,7 +19550,7 @@
               <a:t>SCE</a:t>
             </a:r>
             <a:r>
-              <a:rPr lang="en-GB" sz="3200" dirty="0" smtClean="0">
+              <a:rPr lang="en-GB" sz="3200" dirty="0">
                 <a:solidFill>
                   <a:srgbClr val="000000"/>
                 </a:solidFill>
@@ -17463,7 +19560,7 @@
               <a:t> in </a:t>
             </a:r>
             <a:r>
-              <a:rPr lang="en-GB" sz="3200" dirty="0" err="1" smtClean="0">
+              <a:rPr lang="en-GB" sz="3200" dirty="0" err="1">
                 <a:solidFill>
                   <a:srgbClr val="000000"/>
                 </a:solidFill>
@@ -17473,7 +19570,7 @@
               <a:t>Huckel</a:t>
             </a:r>
             <a:r>
-              <a:rPr lang="en-GB" sz="3200" dirty="0" smtClean="0">
+              <a:rPr lang="en-GB" sz="3200" dirty="0">
                 <a:solidFill>
                   <a:srgbClr val="000000"/>
                 </a:solidFill>
@@ -17483,7 +19580,7 @@
               <a:t> theory, all we really need to do is “solve” </a:t>
             </a:r>
             <a:r>
-              <a:rPr lang="en-GB" sz="3200" b="1" dirty="0" smtClean="0">
+              <a:rPr lang="en-GB" sz="3200" b="1" dirty="0">
                 <a:solidFill>
                   <a:srgbClr val="000000"/>
                 </a:solidFill>
@@ -17546,38 +19643,14 @@
               </a:tabLst>
             </a:pPr>
             <a:r>
-              <a:rPr lang="en-GB" sz="4000" dirty="0" smtClean="0">
+              <a:rPr lang="en-GB" sz="4000" dirty="0">
                 <a:solidFill>
                   <a:srgbClr val="000000"/>
                 </a:solidFill>
                 <a:latin typeface="Times New Roman" pitchFamily="18" charset="0"/>
               </a:rPr>
-              <a:t>The </a:t>
-            </a:r>
-            <a:r>
-              <a:rPr lang="en-GB" sz="4000" dirty="0" smtClean="0">
-                <a:solidFill>
-                  <a:srgbClr val="000000"/>
-                </a:solidFill>
-                <a:latin typeface="Times New Roman" pitchFamily="18" charset="0"/>
-              </a:rPr>
-              <a:t>Molecular Orbital </a:t>
-            </a:r>
-            <a:r>
-              <a:rPr lang="en-GB" sz="4000" dirty="0" smtClean="0">
-                <a:solidFill>
-                  <a:srgbClr val="000000"/>
-                </a:solidFill>
-                <a:latin typeface="Times New Roman" pitchFamily="18" charset="0"/>
-              </a:rPr>
-              <a:t>Model</a:t>
-            </a:r>
-            <a:endParaRPr lang="en-GB" sz="4000" dirty="0">
-              <a:solidFill>
-                <a:srgbClr val="000000"/>
-              </a:solidFill>
-              <a:latin typeface="Times New Roman" pitchFamily="18" charset="0"/>
-            </a:endParaRPr>
+              <a:t>The Molecular Orbital Model</a:t>
+            </a:r>
           </a:p>
         </p:txBody>
       </p:sp>
@@ -17666,7 +19739,7 @@
                 <a:tab pos="10488613" algn="l"/>
               </a:tabLst>
             </a:pPr>
-            <a:endParaRPr lang="en-GB" sz="1200" dirty="0" smtClean="0">
+            <a:endParaRPr lang="en-GB" sz="1200" dirty="0">
               <a:solidFill>
                 <a:srgbClr val="000000"/>
               </a:solidFill>
@@ -17700,7 +19773,7 @@
               </a:tabLst>
             </a:pPr>
             <a:r>
-              <a:rPr lang="en-GB" sz="3200" dirty="0" smtClean="0">
+              <a:rPr lang="en-GB" sz="3200" dirty="0">
                 <a:solidFill>
                   <a:srgbClr val="000000"/>
                 </a:solidFill>
@@ -17710,7 +19783,7 @@
               <a:t>“Solving” </a:t>
             </a:r>
             <a:r>
-              <a:rPr lang="en-GB" sz="3200" b="1" dirty="0" smtClean="0">
+              <a:rPr lang="en-GB" sz="3200" b="1" dirty="0">
                 <a:solidFill>
                   <a:srgbClr val="000000"/>
                 </a:solidFill>
@@ -17720,7 +19793,7 @@
               <a:t>HC</a:t>
             </a:r>
             <a:r>
-              <a:rPr lang="en-GB" sz="3200" dirty="0" smtClean="0">
+              <a:rPr lang="en-GB" sz="3200" dirty="0">
                 <a:solidFill>
                   <a:srgbClr val="000000"/>
                 </a:solidFill>
@@ -17730,7 +19803,7 @@
               <a:t> = </a:t>
             </a:r>
             <a:r>
-              <a:rPr lang="en-GB" sz="3200" b="1" dirty="0" smtClean="0">
+              <a:rPr lang="en-GB" sz="3200" b="1" dirty="0">
                 <a:solidFill>
                   <a:srgbClr val="000000"/>
                 </a:solidFill>
@@ -17740,7 +19813,7 @@
               <a:t>CE</a:t>
             </a:r>
             <a:r>
-              <a:rPr lang="en-GB" sz="3200" dirty="0" smtClean="0">
+              <a:rPr lang="en-GB" sz="3200" dirty="0">
                 <a:solidFill>
                   <a:srgbClr val="000000"/>
                 </a:solidFill>
@@ -17750,7 +19823,7 @@
               <a:t> means </a:t>
             </a:r>
             <a:r>
-              <a:rPr lang="en-GB" sz="3200" dirty="0" err="1" smtClean="0">
+              <a:rPr lang="en-GB" sz="3200" dirty="0" err="1">
                 <a:solidFill>
                   <a:srgbClr val="000000"/>
                 </a:solidFill>
@@ -17760,7 +19833,7 @@
               <a:t>diagonalizing</a:t>
             </a:r>
             <a:r>
-              <a:rPr lang="en-GB" sz="3200" dirty="0" smtClean="0">
+              <a:rPr lang="en-GB" sz="3200" dirty="0">
                 <a:solidFill>
                   <a:srgbClr val="000000"/>
                 </a:solidFill>
@@ -17770,7 +19843,7 @@
               <a:t> </a:t>
             </a:r>
             <a:r>
-              <a:rPr lang="en-GB" sz="3200" b="1" dirty="0" smtClean="0">
+              <a:rPr lang="en-GB" sz="3200" b="1" dirty="0">
                 <a:solidFill>
                   <a:srgbClr val="000000"/>
                 </a:solidFill>
@@ -17807,7 +19880,7 @@
               </a:tabLst>
             </a:pPr>
             <a:r>
-              <a:rPr lang="en-GB" sz="3200" b="1" dirty="0" smtClean="0">
+              <a:rPr lang="en-GB" sz="3200" b="1" dirty="0">
                 <a:solidFill>
                   <a:srgbClr val="000000"/>
                 </a:solidFill>
@@ -17817,7 +19890,7 @@
               <a:t>C</a:t>
             </a:r>
             <a:r>
-              <a:rPr lang="en-GB" sz="3200" dirty="0" smtClean="0">
+              <a:rPr lang="en-GB" sz="3200" dirty="0">
                 <a:solidFill>
                   <a:srgbClr val="000000"/>
                 </a:solidFill>
@@ -17827,7 +19900,7 @@
               <a:t> eigenvectors of </a:t>
             </a:r>
             <a:r>
-              <a:rPr lang="en-GB" sz="3200" b="1" dirty="0" smtClean="0">
+              <a:rPr lang="en-GB" sz="3200" b="1" dirty="0">
                 <a:solidFill>
                   <a:srgbClr val="000000"/>
                 </a:solidFill>
@@ -17864,7 +19937,7 @@
               </a:tabLst>
             </a:pPr>
             <a:r>
-              <a:rPr lang="en-GB" sz="3200" b="1" dirty="0" smtClean="0">
+              <a:rPr lang="en-GB" sz="3200" b="1" dirty="0">
                 <a:solidFill>
                   <a:srgbClr val="000000"/>
                 </a:solidFill>
@@ -17874,7 +19947,7 @@
               <a:t>E</a:t>
             </a:r>
             <a:r>
-              <a:rPr lang="en-GB" sz="3200" dirty="0" smtClean="0">
+              <a:rPr lang="en-GB" sz="3200" dirty="0">
                 <a:solidFill>
                   <a:srgbClr val="000000"/>
                 </a:solidFill>
@@ -17884,7 +19957,7 @@
               <a:t> eigenvalues of </a:t>
             </a:r>
             <a:r>
-              <a:rPr lang="en-GB" sz="3200" b="1" dirty="0" smtClean="0">
+              <a:rPr lang="en-GB" sz="3200" b="1" dirty="0">
                 <a:solidFill>
                   <a:srgbClr val="000000"/>
                 </a:solidFill>
@@ -17893,13 +19966,6 @@
               </a:rPr>
               <a:t>H</a:t>
             </a:r>
-            <a:endParaRPr lang="en-GB" sz="3200" b="1" dirty="0">
-              <a:solidFill>
-                <a:srgbClr val="000000"/>
-              </a:solidFill>
-              <a:latin typeface="Times New Roman"/>
-              <a:cs typeface="Times New Roman"/>
-            </a:endParaRPr>
           </a:p>
         </p:txBody>
       </p:sp>
@@ -17956,7 +20022,7 @@
                 <a:tab pos="10488613" algn="l"/>
               </a:tabLst>
             </a:pPr>
-            <a:endParaRPr lang="en-GB" sz="1200" dirty="0" smtClean="0">
+            <a:endParaRPr lang="en-GB" sz="1200" dirty="0">
               <a:solidFill>
                 <a:srgbClr val="000000"/>
               </a:solidFill>
@@ -17990,7 +20056,7 @@
               </a:tabLst>
             </a:pPr>
             <a:r>
-              <a:rPr lang="en-GB" sz="3200" dirty="0" smtClean="0">
+              <a:rPr lang="en-GB" sz="3200" dirty="0">
                 <a:solidFill>
                   <a:srgbClr val="000000"/>
                 </a:solidFill>
@@ -18000,7 +20066,7 @@
               <a:t>In R use </a:t>
             </a:r>
             <a:r>
-              <a:rPr lang="en-GB" sz="3200" dirty="0" err="1" smtClean="0">
+              <a:rPr lang="en-GB" sz="3200" dirty="0" err="1">
                 <a:solidFill>
                   <a:srgbClr val="000000"/>
                 </a:solidFill>
@@ -18010,7 +20076,7 @@
               <a:t>eigen</a:t>
             </a:r>
             <a:r>
-              <a:rPr lang="en-GB" sz="3200" dirty="0" smtClean="0">
+              <a:rPr lang="en-GB" sz="3200" dirty="0">
                 <a:solidFill>
                   <a:srgbClr val="000000"/>
                 </a:solidFill>
@@ -18020,7 +20086,7 @@
               <a:t>(H) to </a:t>
             </a:r>
             <a:r>
-              <a:rPr lang="en-GB" sz="3200" dirty="0" err="1" smtClean="0">
+              <a:rPr lang="en-GB" sz="3200" dirty="0" err="1">
                 <a:solidFill>
                   <a:srgbClr val="000000"/>
                 </a:solidFill>
@@ -18030,7 +20096,7 @@
               <a:t>diagonalize</a:t>
             </a:r>
             <a:r>
-              <a:rPr lang="en-GB" sz="3200" dirty="0" smtClean="0">
+              <a:rPr lang="en-GB" sz="3200" dirty="0">
                 <a:solidFill>
                   <a:srgbClr val="000000"/>
                 </a:solidFill>
@@ -18059,13 +20125,6 @@
   <p:clrMapOvr>
     <a:masterClrMapping/>
   </p:clrMapOvr>
-  <p:timing>
-    <p:tnLst>
-      <p:par>
-        <p:cTn xmlns:p14="http://schemas.microsoft.com/office/powerpoint/2010/main" id="1" dur="indefinite" restart="never" nodeType="tmRoot"/>
-      </p:par>
-    </p:tnLst>
-  </p:timing>
 </p:sld>
 </file>
 
@@ -18118,30 +20177,6 @@
           </a:ln>
         </p:spPr>
       </p:pic>
-      <p:pic>
-        <p:nvPicPr>
-          <p:cNvPr id="3" name="Picture 2"/>
-          <p:cNvPicPr>
-            <a:picLocks noChangeAspect="1"/>
-          </p:cNvPicPr>
-          <p:nvPr/>
-        </p:nvPicPr>
-        <p:blipFill>
-          <a:blip r:embed="rId3"/>
-          <a:stretch>
-            <a:fillRect/>
-          </a:stretch>
-        </p:blipFill>
-        <p:spPr>
-          <a:xfrm>
-            <a:off x="317684" y="1385362"/>
-            <a:ext cx="4140223" cy="4998936"/>
-          </a:xfrm>
-          <a:prstGeom prst="rect">
-            <a:avLst/>
-          </a:prstGeom>
-        </p:spPr>
-      </p:pic>
       <p:sp>
         <p:nvSpPr>
           <p:cNvPr id="6" name="Rectangle 4"/>
@@ -18193,7 +20228,7 @@
               </a:tabLst>
             </a:pPr>
             <a:r>
-              <a:rPr lang="en-GB" sz="4000" dirty="0" smtClean="0">
+              <a:rPr lang="en-GB" sz="4000" dirty="0">
                 <a:solidFill>
                   <a:srgbClr val="000000"/>
                 </a:solidFill>
@@ -18202,7 +20237,7 @@
               <a:t>In </a:t>
             </a:r>
             <a:r>
-              <a:rPr lang="en-GB" sz="4000" dirty="0" err="1" smtClean="0">
+              <a:rPr lang="en-GB" sz="4000" dirty="0" err="1">
                 <a:solidFill>
                   <a:srgbClr val="000000"/>
                 </a:solidFill>
@@ -18221,13 +20256,262 @@
       </p:sp>
       <p:sp>
         <p:nvSpPr>
-          <p:cNvPr id="4" name="Round Single Corner Rectangle 3"/>
+          <p:cNvPr id="2" name="TextBox 1">
+            <a:extLst>
+              <a:ext uri="{FF2B5EF4-FFF2-40B4-BE49-F238E27FC236}">
+                <a16:creationId xmlns:a16="http://schemas.microsoft.com/office/drawing/2014/main" id="{19F9D409-A778-A847-BFF0-3EB005C36F4E}"/>
+              </a:ext>
+            </a:extLst>
+          </p:cNvPr>
+          <p:cNvSpPr txBox="1"/>
+          <p:nvPr/>
+        </p:nvSpPr>
+        <p:spPr>
+          <a:xfrm>
+            <a:off x="228615" y="1360759"/>
+            <a:ext cx="4343385" cy="4185761"/>
+          </a:xfrm>
+          <a:prstGeom prst="rect">
+            <a:avLst/>
+          </a:prstGeom>
+          <a:solidFill>
+            <a:srgbClr val="002060"/>
+          </a:solidFill>
+        </p:spPr>
+        <p:txBody>
+          <a:bodyPr wrap="square" rtlCol="0">
+            <a:spAutoFit/>
+          </a:bodyPr>
+          <a:lstStyle/>
+          <a:p>
+            <a:r>
+              <a:rPr lang="en-US" sz="1400" dirty="0">
+                <a:solidFill>
+                  <a:schemeClr val="bg1"/>
+                </a:solidFill>
+                <a:latin typeface="Courier" pitchFamily="2" charset="0"/>
+              </a:rPr>
+              <a:t>a&lt;-0</a:t>
+            </a:r>
+          </a:p>
+          <a:p>
+            <a:r>
+              <a:rPr lang="en-US" sz="1400" dirty="0">
+                <a:solidFill>
+                  <a:schemeClr val="bg1"/>
+                </a:solidFill>
+                <a:latin typeface="Courier" pitchFamily="2" charset="0"/>
+              </a:rPr>
+              <a:t>b&lt;-(-1)</a:t>
+            </a:r>
+          </a:p>
+          <a:p>
+            <a:endParaRPr lang="en-US" sz="1400" dirty="0">
+              <a:solidFill>
+                <a:schemeClr val="bg1"/>
+              </a:solidFill>
+              <a:latin typeface="Courier" pitchFamily="2" charset="0"/>
+            </a:endParaRPr>
+          </a:p>
+          <a:p>
+            <a:r>
+              <a:rPr lang="en-US" sz="1400" dirty="0">
+                <a:solidFill>
+                  <a:schemeClr val="bg1"/>
+                </a:solidFill>
+                <a:latin typeface="Courier" pitchFamily="2" charset="0"/>
+              </a:rPr>
+              <a:t>H &lt;- </a:t>
+            </a:r>
+            <a:r>
+              <a:rPr lang="en-US" sz="1400" dirty="0" err="1">
+                <a:solidFill>
+                  <a:schemeClr val="bg1"/>
+                </a:solidFill>
+                <a:latin typeface="Courier" pitchFamily="2" charset="0"/>
+              </a:rPr>
+              <a:t>rbind</a:t>
+            </a:r>
+            <a:r>
+              <a:rPr lang="en-US" sz="1400" dirty="0">
+                <a:solidFill>
+                  <a:schemeClr val="bg1"/>
+                </a:solidFill>
+                <a:latin typeface="Courier" pitchFamily="2" charset="0"/>
+              </a:rPr>
+              <a:t>(</a:t>
+            </a:r>
+          </a:p>
+          <a:p>
+            <a:r>
+              <a:rPr lang="en-US" sz="1400" dirty="0">
+                <a:solidFill>
+                  <a:schemeClr val="bg1"/>
+                </a:solidFill>
+                <a:latin typeface="Courier" pitchFamily="2" charset="0"/>
+              </a:rPr>
+              <a:t>c(a,b,0,0,0,b),</a:t>
+            </a:r>
+          </a:p>
+          <a:p>
+            <a:r>
+              <a:rPr lang="en-US" sz="1400" dirty="0">
+                <a:solidFill>
+                  <a:schemeClr val="bg1"/>
+                </a:solidFill>
+                <a:latin typeface="Courier" pitchFamily="2" charset="0"/>
+              </a:rPr>
+              <a:t>c(b,a,b,0,0,0),</a:t>
+            </a:r>
+          </a:p>
+          <a:p>
+            <a:r>
+              <a:rPr lang="en-US" sz="1400" dirty="0">
+                <a:solidFill>
+                  <a:schemeClr val="bg1"/>
+                </a:solidFill>
+                <a:latin typeface="Courier" pitchFamily="2" charset="0"/>
+              </a:rPr>
+              <a:t>c(0,b,a,b,0,0),</a:t>
+            </a:r>
+          </a:p>
+          <a:p>
+            <a:r>
+              <a:rPr lang="en-US" sz="1400" dirty="0">
+                <a:solidFill>
+                  <a:schemeClr val="bg1"/>
+                </a:solidFill>
+                <a:latin typeface="Courier" pitchFamily="2" charset="0"/>
+              </a:rPr>
+              <a:t>c(0,0,b,a,b,0),</a:t>
+            </a:r>
+          </a:p>
+          <a:p>
+            <a:r>
+              <a:rPr lang="en-US" sz="1400" dirty="0">
+                <a:solidFill>
+                  <a:schemeClr val="bg1"/>
+                </a:solidFill>
+                <a:latin typeface="Courier" pitchFamily="2" charset="0"/>
+              </a:rPr>
+              <a:t>c(0,0,0,b,a,b),</a:t>
+            </a:r>
+          </a:p>
+          <a:p>
+            <a:r>
+              <a:rPr lang="en-US" sz="1400" dirty="0">
+                <a:solidFill>
+                  <a:schemeClr val="bg1"/>
+                </a:solidFill>
+                <a:latin typeface="Courier" pitchFamily="2" charset="0"/>
+              </a:rPr>
+              <a:t>c(b,0,0,0,b,a))</a:t>
+            </a:r>
+          </a:p>
+          <a:p>
+            <a:endParaRPr lang="en-US" sz="1400" dirty="0">
+              <a:solidFill>
+                <a:schemeClr val="bg1"/>
+              </a:solidFill>
+              <a:latin typeface="Courier" pitchFamily="2" charset="0"/>
+            </a:endParaRPr>
+          </a:p>
+          <a:p>
+            <a:r>
+              <a:rPr lang="en-US" sz="1400" dirty="0">
+                <a:solidFill>
+                  <a:schemeClr val="bg1"/>
+                </a:solidFill>
+                <a:latin typeface="Courier" pitchFamily="2" charset="0"/>
+              </a:rPr>
+              <a:t>H</a:t>
+            </a:r>
+          </a:p>
+          <a:p>
+            <a:endParaRPr lang="en-US" sz="1400" dirty="0">
+              <a:solidFill>
+                <a:schemeClr val="bg1"/>
+              </a:solidFill>
+              <a:latin typeface="Courier" pitchFamily="2" charset="0"/>
+            </a:endParaRPr>
+          </a:p>
+          <a:p>
+            <a:r>
+              <a:rPr lang="en-US" sz="1400" dirty="0">
+                <a:solidFill>
+                  <a:schemeClr val="bg1"/>
+                </a:solidFill>
+                <a:latin typeface="Courier" pitchFamily="2" charset="0"/>
+              </a:rPr>
+              <a:t>E  &lt;- eigen(H)[[1]]</a:t>
+            </a:r>
+          </a:p>
+          <a:p>
+            <a:r>
+              <a:rPr lang="en-US" sz="1400" dirty="0">
+                <a:solidFill>
+                  <a:schemeClr val="bg1"/>
+                </a:solidFill>
+                <a:latin typeface="Courier" pitchFamily="2" charset="0"/>
+              </a:rPr>
+              <a:t>Cm &lt;- eigen(H)[[2]]</a:t>
+            </a:r>
+          </a:p>
+          <a:p>
+            <a:endParaRPr lang="en-US" sz="1400" dirty="0">
+              <a:solidFill>
+                <a:schemeClr val="bg1"/>
+              </a:solidFill>
+              <a:latin typeface="Courier" pitchFamily="2" charset="0"/>
+            </a:endParaRPr>
+          </a:p>
+          <a:p>
+            <a:r>
+              <a:rPr lang="en-US" sz="1400" dirty="0">
+                <a:solidFill>
+                  <a:schemeClr val="bg1"/>
+                </a:solidFill>
+                <a:latin typeface="Courier" pitchFamily="2" charset="0"/>
+              </a:rPr>
+              <a:t>round(E,1)</a:t>
+            </a:r>
+          </a:p>
+          <a:p>
+            <a:r>
+              <a:rPr lang="en-US" sz="1400" dirty="0">
+                <a:solidFill>
+                  <a:schemeClr val="bg1"/>
+                </a:solidFill>
+                <a:latin typeface="Courier" pitchFamily="2" charset="0"/>
+              </a:rPr>
+              <a:t>round(Cm,1)</a:t>
+            </a:r>
+          </a:p>
+          <a:p>
+            <a:endParaRPr lang="en-US" sz="1400" dirty="0">
+              <a:solidFill>
+                <a:schemeClr val="bg1"/>
+              </a:solidFill>
+              <a:latin typeface="Courier" pitchFamily="2" charset="0"/>
+            </a:endParaRPr>
+          </a:p>
+        </p:txBody>
+      </p:sp>
+      <p:sp>
+        <p:nvSpPr>
+          <p:cNvPr id="24" name="Round Single Corner Rectangle 23">
+            <a:extLst>
+              <a:ext uri="{FF2B5EF4-FFF2-40B4-BE49-F238E27FC236}">
+                <a16:creationId xmlns:a16="http://schemas.microsoft.com/office/drawing/2014/main" id="{01D889EB-C629-3645-A074-4137BF7045A5}"/>
+              </a:ext>
+            </a:extLst>
+          </p:cNvPr>
           <p:cNvSpPr/>
           <p:nvPr/>
         </p:nvSpPr>
         <p:spPr>
           <a:xfrm>
-            <a:off x="674639" y="1918321"/>
+            <a:off x="229775" y="1373361"/>
             <a:ext cx="1283136" cy="529192"/>
           </a:xfrm>
           <a:prstGeom prst="round1Rect">
@@ -18263,15 +20547,171 @@
           </a:p>
         </p:txBody>
       </p:sp>
+      <p:sp>
+        <p:nvSpPr>
+          <p:cNvPr id="25" name="Round Single Corner Rectangle 24">
+            <a:extLst>
+              <a:ext uri="{FF2B5EF4-FFF2-40B4-BE49-F238E27FC236}">
+                <a16:creationId xmlns:a16="http://schemas.microsoft.com/office/drawing/2014/main" id="{BCB29703-DE6E-1946-8903-81B548805F8A}"/>
+              </a:ext>
+            </a:extLst>
+          </p:cNvPr>
+          <p:cNvSpPr/>
+          <p:nvPr/>
+        </p:nvSpPr>
+        <p:spPr>
+          <a:xfrm>
+            <a:off x="246170" y="2008904"/>
+            <a:ext cx="1845060" cy="1608075"/>
+          </a:xfrm>
+          <a:prstGeom prst="round1Rect">
+            <a:avLst/>
+          </a:prstGeom>
+          <a:noFill/>
+          <a:ln w="38100" cmpd="sng">
+            <a:solidFill>
+              <a:schemeClr val="bg1"/>
+            </a:solidFill>
+          </a:ln>
+        </p:spPr>
+        <p:style>
+          <a:lnRef idx="1">
+            <a:schemeClr val="accent1"/>
+          </a:lnRef>
+          <a:fillRef idx="3">
+            <a:schemeClr val="accent1"/>
+          </a:fillRef>
+          <a:effectRef idx="2">
+            <a:schemeClr val="accent1"/>
+          </a:effectRef>
+          <a:fontRef idx="minor">
+            <a:schemeClr val="lt1"/>
+          </a:fontRef>
+        </p:style>
+        <p:txBody>
+          <a:bodyPr rtlCol="0" anchor="ctr"/>
+          <a:lstStyle/>
+          <a:p>
+            <a:pPr algn="ctr"/>
+            <a:endParaRPr lang="en-US"/>
+          </a:p>
+        </p:txBody>
+      </p:sp>
+      <p:sp>
+        <p:nvSpPr>
+          <p:cNvPr id="26" name="Round Single Corner Rectangle 25">
+            <a:extLst>
+              <a:ext uri="{FF2B5EF4-FFF2-40B4-BE49-F238E27FC236}">
+                <a16:creationId xmlns:a16="http://schemas.microsoft.com/office/drawing/2014/main" id="{4203305C-CC5E-1745-A898-BD1398931555}"/>
+              </a:ext>
+            </a:extLst>
+          </p:cNvPr>
+          <p:cNvSpPr/>
+          <p:nvPr/>
+        </p:nvSpPr>
+        <p:spPr>
+          <a:xfrm>
+            <a:off x="277815" y="4113030"/>
+            <a:ext cx="2057386" cy="541385"/>
+          </a:xfrm>
+          <a:prstGeom prst="round1Rect">
+            <a:avLst/>
+          </a:prstGeom>
+          <a:noFill/>
+          <a:ln w="38100" cmpd="sng">
+            <a:solidFill>
+              <a:schemeClr val="bg1"/>
+            </a:solidFill>
+          </a:ln>
+        </p:spPr>
+        <p:style>
+          <a:lnRef idx="1">
+            <a:schemeClr val="accent1"/>
+          </a:lnRef>
+          <a:fillRef idx="3">
+            <a:schemeClr val="accent1"/>
+          </a:fillRef>
+          <a:effectRef idx="2">
+            <a:schemeClr val="accent1"/>
+          </a:effectRef>
+          <a:fontRef idx="minor">
+            <a:schemeClr val="lt1"/>
+          </a:fontRef>
+        </p:style>
+        <p:txBody>
+          <a:bodyPr rtlCol="0" anchor="ctr"/>
+          <a:lstStyle/>
+          <a:p>
+            <a:pPr algn="ctr"/>
+            <a:endParaRPr lang="en-US"/>
+          </a:p>
+        </p:txBody>
+      </p:sp>
+      <p:sp>
+        <p:nvSpPr>
+          <p:cNvPr id="27" name="Round Single Corner Rectangle 26">
+            <a:extLst>
+              <a:ext uri="{FF2B5EF4-FFF2-40B4-BE49-F238E27FC236}">
+                <a16:creationId xmlns:a16="http://schemas.microsoft.com/office/drawing/2014/main" id="{A2A7308E-DC7C-5D40-A09B-3E9B9D8F1BD1}"/>
+              </a:ext>
+            </a:extLst>
+          </p:cNvPr>
+          <p:cNvSpPr/>
+          <p:nvPr/>
+        </p:nvSpPr>
+        <p:spPr>
+          <a:xfrm>
+            <a:off x="246170" y="4787123"/>
+            <a:ext cx="1428093" cy="541385"/>
+          </a:xfrm>
+          <a:prstGeom prst="round1Rect">
+            <a:avLst/>
+          </a:prstGeom>
+          <a:noFill/>
+          <a:ln w="38100" cmpd="sng">
+            <a:solidFill>
+              <a:schemeClr val="bg1"/>
+            </a:solidFill>
+          </a:ln>
+        </p:spPr>
+        <p:style>
+          <a:lnRef idx="1">
+            <a:schemeClr val="accent1"/>
+          </a:lnRef>
+          <a:fillRef idx="3">
+            <a:schemeClr val="accent1"/>
+          </a:fillRef>
+          <a:effectRef idx="2">
+            <a:schemeClr val="accent1"/>
+          </a:effectRef>
+          <a:fontRef idx="minor">
+            <a:schemeClr val="lt1"/>
+          </a:fontRef>
+        </p:style>
+        <p:txBody>
+          <a:bodyPr rtlCol="0" anchor="ctr"/>
+          <a:lstStyle/>
+          <a:p>
+            <a:pPr algn="ctr"/>
+            <a:endParaRPr lang="en-US"/>
+          </a:p>
+        </p:txBody>
+      </p:sp>
       <p:cxnSp>
         <p:nvCxnSpPr>
-          <p:cNvPr id="7" name="Straight Arrow Connector 6"/>
+          <p:cNvPr id="28" name="Straight Arrow Connector 27">
+            <a:extLst>
+              <a:ext uri="{FF2B5EF4-FFF2-40B4-BE49-F238E27FC236}">
+                <a16:creationId xmlns:a16="http://schemas.microsoft.com/office/drawing/2014/main" id="{F15285B0-21D3-CB42-ACA4-12194CE38AF3}"/>
+              </a:ext>
+            </a:extLst>
+          </p:cNvPr>
           <p:cNvCxnSpPr/>
           <p:nvPr/>
         </p:nvCxnSpPr>
         <p:spPr>
           <a:xfrm flipH="1" flipV="1">
-            <a:off x="2076829" y="2196148"/>
+            <a:off x="2054394" y="1640049"/>
             <a:ext cx="2804380" cy="26459"/>
           </a:xfrm>
           <a:prstGeom prst="straightConnector1">
@@ -18298,13 +20738,19 @@
       </p:cxnSp>
       <p:sp>
         <p:nvSpPr>
-          <p:cNvPr id="8" name="Rectangle 7"/>
+          <p:cNvPr id="29" name="Rectangle 28">
+            <a:extLst>
+              <a:ext uri="{FF2B5EF4-FFF2-40B4-BE49-F238E27FC236}">
+                <a16:creationId xmlns:a16="http://schemas.microsoft.com/office/drawing/2014/main" id="{20986A05-23A0-7A42-979F-83F2D25F5032}"/>
+              </a:ext>
+            </a:extLst>
+          </p:cNvPr>
           <p:cNvSpPr/>
           <p:nvPr/>
         </p:nvSpPr>
         <p:spPr>
           <a:xfrm>
-            <a:off x="4821730" y="1908123"/>
+            <a:off x="4799295" y="1352024"/>
             <a:ext cx="2778525" cy="584776"/>
           </a:xfrm>
           <a:prstGeom prst="rect">
@@ -18318,7 +20764,7 @@
           <a:lstStyle/>
           <a:p>
             <a:r>
-              <a:rPr lang="en-GB" sz="3200" dirty="0" smtClean="0">
+              <a:rPr lang="en-GB" sz="3200" dirty="0">
                 <a:solidFill>
                   <a:srgbClr val="000000"/>
                 </a:solidFill>
@@ -18327,7 +20773,7 @@
               <a:t>Define </a:t>
             </a:r>
             <a:r>
-              <a:rPr lang="en-GB" sz="3200" i="1" dirty="0" smtClean="0">
+              <a:rPr lang="en-GB" sz="3200" i="1" dirty="0">
                 <a:solidFill>
                   <a:srgbClr val="000000"/>
                 </a:solidFill>
@@ -18337,7 +20783,7 @@
               <a:t>a</a:t>
             </a:r>
             <a:r>
-              <a:rPr lang="en-GB" sz="3200" dirty="0" smtClean="0">
+              <a:rPr lang="en-GB" sz="3200" dirty="0">
                 <a:solidFill>
                   <a:srgbClr val="000000"/>
                 </a:solidFill>
@@ -18346,7 +20792,7 @@
               <a:t> and </a:t>
             </a:r>
             <a:r>
-              <a:rPr lang="en-GB" sz="3200" i="1" dirty="0" smtClean="0">
+              <a:rPr lang="en-GB" sz="3200" i="1" dirty="0">
                 <a:solidFill>
                   <a:srgbClr val="000000"/>
                 </a:solidFill>
@@ -18362,59 +20808,21 @@
           </a:p>
         </p:txBody>
       </p:sp>
-      <p:sp>
-        <p:nvSpPr>
-          <p:cNvPr id="11" name="Round Single Corner Rectangle 10"/>
-          <p:cNvSpPr/>
-          <p:nvPr/>
-        </p:nvSpPr>
-        <p:spPr>
-          <a:xfrm>
-            <a:off x="919636" y="2553864"/>
-            <a:ext cx="1845060" cy="1772281"/>
-          </a:xfrm>
-          <a:prstGeom prst="round1Rect">
-            <a:avLst/>
-          </a:prstGeom>
-          <a:noFill/>
-          <a:ln w="38100" cmpd="sng">
-            <a:solidFill>
-              <a:schemeClr val="bg1"/>
-            </a:solidFill>
-          </a:ln>
-        </p:spPr>
-        <p:style>
-          <a:lnRef idx="1">
-            <a:schemeClr val="accent1"/>
-          </a:lnRef>
-          <a:fillRef idx="3">
-            <a:schemeClr val="accent1"/>
-          </a:fillRef>
-          <a:effectRef idx="2">
-            <a:schemeClr val="accent1"/>
-          </a:effectRef>
-          <a:fontRef idx="minor">
-            <a:schemeClr val="lt1"/>
-          </a:fontRef>
-        </p:style>
-        <p:txBody>
-          <a:bodyPr rtlCol="0" anchor="ctr"/>
-          <a:lstStyle/>
-          <a:p>
-            <a:pPr algn="ctr"/>
-            <a:endParaRPr lang="en-US"/>
-          </a:p>
-        </p:txBody>
-      </p:sp>
       <p:cxnSp>
         <p:nvCxnSpPr>
-          <p:cNvPr id="12" name="Straight Arrow Connector 11"/>
+          <p:cNvPr id="30" name="Straight Arrow Connector 29">
+            <a:extLst>
+              <a:ext uri="{FF2B5EF4-FFF2-40B4-BE49-F238E27FC236}">
+                <a16:creationId xmlns:a16="http://schemas.microsoft.com/office/drawing/2014/main" id="{92451C90-FAC5-E541-875C-33795ED5233E}"/>
+              </a:ext>
+            </a:extLst>
+          </p:cNvPr>
           <p:cNvCxnSpPr/>
           <p:nvPr/>
         </p:nvCxnSpPr>
         <p:spPr>
           <a:xfrm flipH="1">
-            <a:off x="2864183" y="3473081"/>
+            <a:off x="2854975" y="2449200"/>
             <a:ext cx="2017026" cy="1"/>
           </a:xfrm>
           <a:prstGeom prst="straightConnector1">
@@ -18441,13 +20849,19 @@
       </p:cxnSp>
       <p:sp>
         <p:nvSpPr>
-          <p:cNvPr id="14" name="Rectangle 13"/>
+          <p:cNvPr id="31" name="Rectangle 30">
+            <a:extLst>
+              <a:ext uri="{FF2B5EF4-FFF2-40B4-BE49-F238E27FC236}">
+                <a16:creationId xmlns:a16="http://schemas.microsoft.com/office/drawing/2014/main" id="{3D215417-5571-034E-99FC-4A8CDDA0C2A1}"/>
+              </a:ext>
+            </a:extLst>
+          </p:cNvPr>
           <p:cNvSpPr/>
           <p:nvPr/>
         </p:nvSpPr>
         <p:spPr>
           <a:xfrm>
-            <a:off x="4808503" y="3141004"/>
+            <a:off x="4799295" y="2117123"/>
             <a:ext cx="4030698" cy="1077218"/>
           </a:xfrm>
           <a:prstGeom prst="rect">
@@ -18461,7 +20875,7 @@
           <a:lstStyle/>
           <a:p>
             <a:r>
-              <a:rPr lang="en-GB" sz="3200" dirty="0" smtClean="0">
+              <a:rPr lang="en-GB" sz="3200" dirty="0">
                 <a:solidFill>
                   <a:srgbClr val="000000"/>
                 </a:solidFill>
@@ -18470,7 +20884,7 @@
               <a:t>Define </a:t>
             </a:r>
             <a:r>
-              <a:rPr lang="en-GB" sz="3200" b="1" dirty="0" smtClean="0">
+              <a:rPr lang="en-GB" sz="3200" b="1" dirty="0">
                 <a:solidFill>
                   <a:srgbClr val="000000"/>
                 </a:solidFill>
@@ -18479,7 +20893,7 @@
               <a:t>H</a:t>
             </a:r>
             <a:r>
-              <a:rPr lang="en-GB" sz="3200" dirty="0" smtClean="0">
+              <a:rPr lang="en-GB" sz="3200" dirty="0">
                 <a:solidFill>
                   <a:srgbClr val="000000"/>
                 </a:solidFill>
@@ -18496,13 +20910,19 @@
       </p:sp>
       <p:sp>
         <p:nvSpPr>
-          <p:cNvPr id="15" name="Rectangle 14"/>
+          <p:cNvPr id="32" name="Rectangle 31">
+            <a:extLst>
+              <a:ext uri="{FF2B5EF4-FFF2-40B4-BE49-F238E27FC236}">
+                <a16:creationId xmlns:a16="http://schemas.microsoft.com/office/drawing/2014/main" id="{FC7E99FB-475E-6743-BA96-BDE41A056806}"/>
+              </a:ext>
+            </a:extLst>
+          </p:cNvPr>
           <p:cNvSpPr/>
           <p:nvPr/>
         </p:nvSpPr>
         <p:spPr>
           <a:xfrm>
-            <a:off x="4808502" y="4212497"/>
+            <a:off x="4799294" y="3188616"/>
             <a:ext cx="4030698" cy="707886"/>
           </a:xfrm>
           <a:prstGeom prst="rect">
@@ -18516,7 +20936,7 @@
           <a:lstStyle/>
           <a:p>
             <a:r>
-              <a:rPr lang="en-GB" sz="2000" dirty="0" smtClean="0">
+              <a:rPr lang="en-GB" sz="2000" dirty="0">
                 <a:solidFill>
                   <a:srgbClr val="000000"/>
                 </a:solidFill>
@@ -18525,7 +20945,7 @@
               <a:t>Note how we </a:t>
             </a:r>
             <a:r>
-              <a:rPr lang="en-GB" sz="2000" dirty="0" err="1" smtClean="0">
+              <a:rPr lang="en-GB" sz="2000" dirty="0" err="1">
                 <a:solidFill>
                   <a:srgbClr val="000000"/>
                 </a:solidFill>
@@ -18535,7 +20955,7 @@
               <a:t>rbind</a:t>
             </a:r>
             <a:r>
-              <a:rPr lang="en-GB" sz="2000" dirty="0" smtClean="0">
+              <a:rPr lang="en-GB" sz="2000" dirty="0">
                 <a:solidFill>
                   <a:srgbClr val="000000"/>
                 </a:solidFill>
@@ -18544,7 +20964,7 @@
               <a:t> rows of </a:t>
             </a:r>
             <a:r>
-              <a:rPr lang="en-GB" sz="2000" b="1" dirty="0" smtClean="0">
+              <a:rPr lang="en-GB" sz="2000" b="1" dirty="0">
                 <a:solidFill>
                   <a:srgbClr val="000000"/>
                 </a:solidFill>
@@ -18553,7 +20973,7 @@
               <a:t>H</a:t>
             </a:r>
             <a:r>
-              <a:rPr lang="en-GB" sz="2000" dirty="0" smtClean="0">
+              <a:rPr lang="en-GB" sz="2000" dirty="0">
                 <a:solidFill>
                   <a:srgbClr val="000000"/>
                 </a:solidFill>
@@ -18568,59 +20988,21 @@
           </a:p>
         </p:txBody>
       </p:sp>
-      <p:sp>
-        <p:nvSpPr>
-          <p:cNvPr id="16" name="Round Single Corner Rectangle 15"/>
-          <p:cNvSpPr/>
-          <p:nvPr/>
-        </p:nvSpPr>
-        <p:spPr>
-          <a:xfrm>
-            <a:off x="919636" y="4756885"/>
-            <a:ext cx="2255134" cy="693796"/>
-          </a:xfrm>
-          <a:prstGeom prst="round1Rect">
-            <a:avLst/>
-          </a:prstGeom>
-          <a:noFill/>
-          <a:ln w="38100" cmpd="sng">
-            <a:solidFill>
-              <a:schemeClr val="bg1"/>
-            </a:solidFill>
-          </a:ln>
-        </p:spPr>
-        <p:style>
-          <a:lnRef idx="1">
-            <a:schemeClr val="accent1"/>
-          </a:lnRef>
-          <a:fillRef idx="3">
-            <a:schemeClr val="accent1"/>
-          </a:fillRef>
-          <a:effectRef idx="2">
-            <a:schemeClr val="accent1"/>
-          </a:effectRef>
-          <a:fontRef idx="minor">
-            <a:schemeClr val="lt1"/>
-          </a:fontRef>
-        </p:style>
-        <p:txBody>
-          <a:bodyPr rtlCol="0" anchor="ctr"/>
-          <a:lstStyle/>
-          <a:p>
-            <a:pPr algn="ctr"/>
-            <a:endParaRPr lang="en-US"/>
-          </a:p>
-        </p:txBody>
-      </p:sp>
       <p:cxnSp>
         <p:nvCxnSpPr>
-          <p:cNvPr id="17" name="Straight Arrow Connector 16"/>
+          <p:cNvPr id="33" name="Straight Arrow Connector 32">
+            <a:extLst>
+              <a:ext uri="{FF2B5EF4-FFF2-40B4-BE49-F238E27FC236}">
+                <a16:creationId xmlns:a16="http://schemas.microsoft.com/office/drawing/2014/main" id="{D16D0E13-D0ED-474C-8AAA-776AA4547A98}"/>
+              </a:ext>
+            </a:extLst>
+          </p:cNvPr>
           <p:cNvCxnSpPr/>
           <p:nvPr/>
         </p:nvCxnSpPr>
         <p:spPr>
           <a:xfrm flipH="1">
-            <a:off x="3240910" y="5146910"/>
+            <a:off x="3238363" y="4368752"/>
             <a:ext cx="1640299" cy="0"/>
           </a:xfrm>
           <a:prstGeom prst="straightConnector1">
@@ -18647,13 +21029,19 @@
       </p:cxnSp>
       <p:sp>
         <p:nvSpPr>
-          <p:cNvPr id="20" name="Rectangle 19"/>
+          <p:cNvPr id="34" name="Rectangle 33">
+            <a:extLst>
+              <a:ext uri="{FF2B5EF4-FFF2-40B4-BE49-F238E27FC236}">
+                <a16:creationId xmlns:a16="http://schemas.microsoft.com/office/drawing/2014/main" id="{2A86815A-CDB0-204C-B25E-37A1E5B58CEC}"/>
+              </a:ext>
+            </a:extLst>
+          </p:cNvPr>
           <p:cNvSpPr/>
           <p:nvPr/>
         </p:nvSpPr>
         <p:spPr>
           <a:xfrm>
-            <a:off x="4801841" y="4823035"/>
+            <a:off x="4799294" y="4044877"/>
             <a:ext cx="4030698" cy="584776"/>
           </a:xfrm>
           <a:prstGeom prst="rect">
@@ -18667,7 +21055,7 @@
           <a:lstStyle/>
           <a:p>
             <a:r>
-              <a:rPr lang="en-GB" sz="3200" dirty="0" smtClean="0">
+              <a:rPr lang="en-GB" sz="3200" dirty="0">
                 <a:solidFill>
                   <a:srgbClr val="000000"/>
                 </a:solidFill>
@@ -18676,7 +21064,7 @@
               <a:t>Get the </a:t>
             </a:r>
             <a:r>
-              <a:rPr lang="en-GB" sz="3200" dirty="0" err="1" smtClean="0">
+              <a:rPr lang="en-GB" sz="3200" dirty="0" err="1">
                 <a:solidFill>
                   <a:srgbClr val="000000"/>
                 </a:solidFill>
@@ -18685,7 +21073,7 @@
               <a:t>eigenvects</a:t>
             </a:r>
             <a:r>
-              <a:rPr lang="en-GB" sz="3200" dirty="0" smtClean="0">
+              <a:rPr lang="en-GB" sz="3200" dirty="0">
                 <a:solidFill>
                   <a:srgbClr val="000000"/>
                 </a:solidFill>
@@ -18694,7 +21082,7 @@
               <a:t>/</a:t>
             </a:r>
             <a:r>
-              <a:rPr lang="en-GB" sz="3200" dirty="0" err="1" smtClean="0">
+              <a:rPr lang="en-GB" sz="3200" dirty="0" err="1">
                 <a:solidFill>
                   <a:srgbClr val="000000"/>
                 </a:solidFill>
@@ -18709,59 +21097,21 @@
           </a:p>
         </p:txBody>
       </p:sp>
-      <p:sp>
-        <p:nvSpPr>
-          <p:cNvPr id="21" name="Round Single Corner Rectangle 20"/>
-          <p:cNvSpPr/>
-          <p:nvPr/>
-        </p:nvSpPr>
-        <p:spPr>
-          <a:xfrm>
-            <a:off x="913300" y="5557555"/>
-            <a:ext cx="1428093" cy="541385"/>
-          </a:xfrm>
-          <a:prstGeom prst="round1Rect">
-            <a:avLst/>
-          </a:prstGeom>
-          <a:noFill/>
-          <a:ln w="38100" cmpd="sng">
-            <a:solidFill>
-              <a:schemeClr val="bg1"/>
-            </a:solidFill>
-          </a:ln>
-        </p:spPr>
-        <p:style>
-          <a:lnRef idx="1">
-            <a:schemeClr val="accent1"/>
-          </a:lnRef>
-          <a:fillRef idx="3">
-            <a:schemeClr val="accent1"/>
-          </a:fillRef>
-          <a:effectRef idx="2">
-            <a:schemeClr val="accent1"/>
-          </a:effectRef>
-          <a:fontRef idx="minor">
-            <a:schemeClr val="lt1"/>
-          </a:fontRef>
-        </p:style>
-        <p:txBody>
-          <a:bodyPr rtlCol="0" anchor="ctr"/>
-          <a:lstStyle/>
-          <a:p>
-            <a:pPr algn="ctr"/>
-            <a:endParaRPr lang="en-US"/>
-          </a:p>
-        </p:txBody>
-      </p:sp>
       <p:cxnSp>
         <p:nvCxnSpPr>
-          <p:cNvPr id="22" name="Straight Arrow Connector 21"/>
+          <p:cNvPr id="35" name="Straight Arrow Connector 34">
+            <a:extLst>
+              <a:ext uri="{FF2B5EF4-FFF2-40B4-BE49-F238E27FC236}">
+                <a16:creationId xmlns:a16="http://schemas.microsoft.com/office/drawing/2014/main" id="{5326BF3E-E199-8241-A26A-1FF279C218FC}"/>
+              </a:ext>
+            </a:extLst>
+          </p:cNvPr>
           <p:cNvCxnSpPr/>
           <p:nvPr/>
         </p:nvCxnSpPr>
         <p:spPr>
           <a:xfrm flipH="1">
-            <a:off x="2463917" y="5947580"/>
+            <a:off x="2547075" y="5083824"/>
             <a:ext cx="2357813" cy="0"/>
           </a:xfrm>
           <a:prstGeom prst="straightConnector1">
@@ -18788,13 +21138,19 @@
       </p:cxnSp>
       <p:sp>
         <p:nvSpPr>
-          <p:cNvPr id="23" name="Rectangle 22"/>
+          <p:cNvPr id="36" name="Rectangle 35">
+            <a:extLst>
+              <a:ext uri="{FF2B5EF4-FFF2-40B4-BE49-F238E27FC236}">
+                <a16:creationId xmlns:a16="http://schemas.microsoft.com/office/drawing/2014/main" id="{B7BD4278-B7F6-2E43-A2B8-596BDBDB9D64}"/>
+              </a:ext>
+            </a:extLst>
+          </p:cNvPr>
           <p:cNvSpPr/>
           <p:nvPr/>
         </p:nvSpPr>
         <p:spPr>
           <a:xfrm>
-            <a:off x="4795504" y="5623705"/>
+            <a:off x="4878662" y="4759949"/>
             <a:ext cx="3788109" cy="707886"/>
           </a:xfrm>
           <a:prstGeom prst="rect">
@@ -18808,7 +21164,7 @@
           <a:lstStyle/>
           <a:p>
             <a:r>
-              <a:rPr lang="en-GB" sz="2000" dirty="0" smtClean="0">
+              <a:rPr lang="en-GB" sz="2000" dirty="0">
                 <a:solidFill>
                   <a:srgbClr val="000000"/>
                 </a:solidFill>
@@ -18836,7 +21192,7 @@
   <p:timing>
     <p:tnLst>
       <p:par>
-        <p:cTn xmlns:p14="http://schemas.microsoft.com/office/powerpoint/2010/main" id="1" dur="indefinite" restart="never" nodeType="tmRoot">
+        <p:cTn id="1" dur="indefinite" restart="never" nodeType="tmRoot">
           <p:childTnLst>
             <p:seq concurrent="1" nextAc="seek">
               <p:cTn id="2" dur="indefinite" nodeType="mainSeq">
@@ -18867,7 +21223,7 @@
                                           </p:stCondLst>
                                         </p:cTn>
                                         <p:tgtEl>
-                                          <p:spTgt spid="4"/>
+                                          <p:spTgt spid="24"/>
                                         </p:tgtEl>
                                         <p:attrNameLst>
                                           <p:attrName>style.visibility</p:attrName>
@@ -18881,7 +21237,7 @@
                                       <p:cBhvr additive="base">
                                         <p:cTn id="7" dur="500" fill="hold"/>
                                         <p:tgtEl>
-                                          <p:spTgt spid="4"/>
+                                          <p:spTgt spid="24"/>
                                         </p:tgtEl>
                                         <p:attrNameLst>
                                           <p:attrName>ppt_x</p:attrName>
@@ -18904,153 +21260,7 @@
                                       <p:cBhvr additive="base">
                                         <p:cTn id="8" dur="500" fill="hold"/>
                                         <p:tgtEl>
-                                          <p:spTgt spid="4"/>
-                                        </p:tgtEl>
-                                        <p:attrNameLst>
-                                          <p:attrName>ppt_y</p:attrName>
-                                        </p:attrNameLst>
-                                      </p:cBhvr>
-                                      <p:tavLst>
-                                        <p:tav tm="0">
-                                          <p:val>
-                                            <p:strVal val="1+#ppt_h/2"/>
-                                          </p:val>
-                                        </p:tav>
-                                        <p:tav tm="100000">
-                                          <p:val>
-                                            <p:strVal val="#ppt_y"/>
-                                          </p:val>
-                                        </p:tav>
-                                      </p:tavLst>
-                                    </p:anim>
-                                  </p:childTnLst>
-                                </p:cTn>
-                              </p:par>
-                              <p:par>
-                                <p:cTn id="9" presetID="2" presetClass="entr" presetSubtype="4" fill="hold" nodeType="withEffect">
-                                  <p:stCondLst>
-                                    <p:cond delay="0"/>
-                                  </p:stCondLst>
-                                  <p:childTnLst>
-                                    <p:set>
-                                      <p:cBhvr>
-                                        <p:cTn id="10" dur="1" fill="hold">
-                                          <p:stCondLst>
-                                            <p:cond delay="0"/>
-                                          </p:stCondLst>
-                                        </p:cTn>
-                                        <p:tgtEl>
-                                          <p:spTgt spid="7"/>
-                                        </p:tgtEl>
-                                        <p:attrNameLst>
-                                          <p:attrName>style.visibility</p:attrName>
-                                        </p:attrNameLst>
-                                      </p:cBhvr>
-                                      <p:to>
-                                        <p:strVal val="visible"/>
-                                      </p:to>
-                                    </p:set>
-                                    <p:anim calcmode="lin" valueType="num">
-                                      <p:cBhvr additive="base">
-                                        <p:cTn id="11" dur="500" fill="hold"/>
-                                        <p:tgtEl>
-                                          <p:spTgt spid="7"/>
-                                        </p:tgtEl>
-                                        <p:attrNameLst>
-                                          <p:attrName>ppt_x</p:attrName>
-                                        </p:attrNameLst>
-                                      </p:cBhvr>
-                                      <p:tavLst>
-                                        <p:tav tm="0">
-                                          <p:val>
-                                            <p:strVal val="#ppt_x"/>
-                                          </p:val>
-                                        </p:tav>
-                                        <p:tav tm="100000">
-                                          <p:val>
-                                            <p:strVal val="#ppt_x"/>
-                                          </p:val>
-                                        </p:tav>
-                                      </p:tavLst>
-                                    </p:anim>
-                                    <p:anim calcmode="lin" valueType="num">
-                                      <p:cBhvr additive="base">
-                                        <p:cTn id="12" dur="500" fill="hold"/>
-                                        <p:tgtEl>
-                                          <p:spTgt spid="7"/>
-                                        </p:tgtEl>
-                                        <p:attrNameLst>
-                                          <p:attrName>ppt_y</p:attrName>
-                                        </p:attrNameLst>
-                                      </p:cBhvr>
-                                      <p:tavLst>
-                                        <p:tav tm="0">
-                                          <p:val>
-                                            <p:strVal val="1+#ppt_h/2"/>
-                                          </p:val>
-                                        </p:tav>
-                                        <p:tav tm="100000">
-                                          <p:val>
-                                            <p:strVal val="#ppt_y"/>
-                                          </p:val>
-                                        </p:tav>
-                                      </p:tavLst>
-                                    </p:anim>
-                                  </p:childTnLst>
-                                </p:cTn>
-                              </p:par>
-                              <p:par>
-                                <p:cTn id="13" presetID="2" presetClass="entr" presetSubtype="4" fill="hold" grpId="0" nodeType="withEffect">
-                                  <p:stCondLst>
-                                    <p:cond delay="0"/>
-                                  </p:stCondLst>
-                                  <p:childTnLst>
-                                    <p:set>
-                                      <p:cBhvr>
-                                        <p:cTn id="14" dur="1" fill="hold">
-                                          <p:stCondLst>
-                                            <p:cond delay="0"/>
-                                          </p:stCondLst>
-                                        </p:cTn>
-                                        <p:tgtEl>
-                                          <p:spTgt spid="8"/>
-                                        </p:tgtEl>
-                                        <p:attrNameLst>
-                                          <p:attrName>style.visibility</p:attrName>
-                                        </p:attrNameLst>
-                                      </p:cBhvr>
-                                      <p:to>
-                                        <p:strVal val="visible"/>
-                                      </p:to>
-                                    </p:set>
-                                    <p:anim calcmode="lin" valueType="num">
-                                      <p:cBhvr additive="base">
-                                        <p:cTn id="15" dur="500" fill="hold"/>
-                                        <p:tgtEl>
-                                          <p:spTgt spid="8"/>
-                                        </p:tgtEl>
-                                        <p:attrNameLst>
-                                          <p:attrName>ppt_x</p:attrName>
-                                        </p:attrNameLst>
-                                      </p:cBhvr>
-                                      <p:tavLst>
-                                        <p:tav tm="0">
-                                          <p:val>
-                                            <p:strVal val="#ppt_x"/>
-                                          </p:val>
-                                        </p:tav>
-                                        <p:tav tm="100000">
-                                          <p:val>
-                                            <p:strVal val="#ppt_x"/>
-                                          </p:val>
-                                        </p:tav>
-                                      </p:tavLst>
-                                    </p:anim>
-                                    <p:anim calcmode="lin" valueType="num">
-                                      <p:cBhvr additive="base">
-                                        <p:cTn id="16" dur="500" fill="hold"/>
-                                        <p:tgtEl>
-                                          <p:spTgt spid="8"/>
+                                          <p:spTgt spid="24"/>
                                         </p:tgtEl>
                                         <p:attrNameLst>
                                           <p:attrName>ppt_y</p:attrName>
@@ -19079,32 +21289,32 @@
                     </p:cTn>
                   </p:par>
                   <p:par>
-                    <p:cTn id="17" fill="hold">
+                    <p:cTn id="9" fill="hold">
                       <p:stCondLst>
                         <p:cond delay="indefinite"/>
                       </p:stCondLst>
                       <p:childTnLst>
                         <p:par>
-                          <p:cTn id="18" fill="hold">
+                          <p:cTn id="10" fill="hold">
                             <p:stCondLst>
                               <p:cond delay="0"/>
                             </p:stCondLst>
                             <p:childTnLst>
                               <p:par>
-                                <p:cTn id="19" presetID="2" presetClass="entr" presetSubtype="4" fill="hold" grpId="0" nodeType="clickEffect">
+                                <p:cTn id="11" presetID="2" presetClass="entr" presetSubtype="4" fill="hold" grpId="0" nodeType="clickEffect">
                                   <p:stCondLst>
                                     <p:cond delay="0"/>
                                   </p:stCondLst>
                                   <p:childTnLst>
                                     <p:set>
                                       <p:cBhvr>
-                                        <p:cTn id="20" dur="1" fill="hold">
+                                        <p:cTn id="12" dur="1" fill="hold">
                                           <p:stCondLst>
                                             <p:cond delay="0"/>
                                           </p:stCondLst>
                                         </p:cTn>
                                         <p:tgtEl>
-                                          <p:spTgt spid="11"/>
+                                          <p:spTgt spid="25"/>
                                         </p:tgtEl>
                                         <p:attrNameLst>
                                           <p:attrName>style.visibility</p:attrName>
@@ -19116,9 +21326,9 @@
                                     </p:set>
                                     <p:anim calcmode="lin" valueType="num">
                                       <p:cBhvr additive="base">
-                                        <p:cTn id="21" dur="500" fill="hold"/>
-                                        <p:tgtEl>
-                                          <p:spTgt spid="11"/>
+                                        <p:cTn id="13" dur="500" fill="hold"/>
+                                        <p:tgtEl>
+                                          <p:spTgt spid="25"/>
                                         </p:tgtEl>
                                         <p:attrNameLst>
                                           <p:attrName>ppt_x</p:attrName>
@@ -19139,228 +21349,9 @@
                                     </p:anim>
                                     <p:anim calcmode="lin" valueType="num">
                                       <p:cBhvr additive="base">
-                                        <p:cTn id="22" dur="500" fill="hold"/>
-                                        <p:tgtEl>
-                                          <p:spTgt spid="11"/>
-                                        </p:tgtEl>
-                                        <p:attrNameLst>
-                                          <p:attrName>ppt_y</p:attrName>
-                                        </p:attrNameLst>
-                                      </p:cBhvr>
-                                      <p:tavLst>
-                                        <p:tav tm="0">
-                                          <p:val>
-                                            <p:strVal val="1+#ppt_h/2"/>
-                                          </p:val>
-                                        </p:tav>
-                                        <p:tav tm="100000">
-                                          <p:val>
-                                            <p:strVal val="#ppt_y"/>
-                                          </p:val>
-                                        </p:tav>
-                                      </p:tavLst>
-                                    </p:anim>
-                                  </p:childTnLst>
-                                </p:cTn>
-                              </p:par>
-                              <p:par>
-                                <p:cTn id="23" presetID="2" presetClass="entr" presetSubtype="4" fill="hold" nodeType="withEffect">
-                                  <p:stCondLst>
-                                    <p:cond delay="0"/>
-                                  </p:stCondLst>
-                                  <p:childTnLst>
-                                    <p:set>
-                                      <p:cBhvr>
-                                        <p:cTn id="24" dur="1" fill="hold">
-                                          <p:stCondLst>
-                                            <p:cond delay="0"/>
-                                          </p:stCondLst>
-                                        </p:cTn>
-                                        <p:tgtEl>
-                                          <p:spTgt spid="12"/>
-                                        </p:tgtEl>
-                                        <p:attrNameLst>
-                                          <p:attrName>style.visibility</p:attrName>
-                                        </p:attrNameLst>
-                                      </p:cBhvr>
-                                      <p:to>
-                                        <p:strVal val="visible"/>
-                                      </p:to>
-                                    </p:set>
-                                    <p:anim calcmode="lin" valueType="num">
-                                      <p:cBhvr additive="base">
-                                        <p:cTn id="25" dur="500" fill="hold"/>
-                                        <p:tgtEl>
-                                          <p:spTgt spid="12"/>
-                                        </p:tgtEl>
-                                        <p:attrNameLst>
-                                          <p:attrName>ppt_x</p:attrName>
-                                        </p:attrNameLst>
-                                      </p:cBhvr>
-                                      <p:tavLst>
-                                        <p:tav tm="0">
-                                          <p:val>
-                                            <p:strVal val="#ppt_x"/>
-                                          </p:val>
-                                        </p:tav>
-                                        <p:tav tm="100000">
-                                          <p:val>
-                                            <p:strVal val="#ppt_x"/>
-                                          </p:val>
-                                        </p:tav>
-                                      </p:tavLst>
-                                    </p:anim>
-                                    <p:anim calcmode="lin" valueType="num">
-                                      <p:cBhvr additive="base">
-                                        <p:cTn id="26" dur="500" fill="hold"/>
-                                        <p:tgtEl>
-                                          <p:spTgt spid="12"/>
-                                        </p:tgtEl>
-                                        <p:attrNameLst>
-                                          <p:attrName>ppt_y</p:attrName>
-                                        </p:attrNameLst>
-                                      </p:cBhvr>
-                                      <p:tavLst>
-                                        <p:tav tm="0">
-                                          <p:val>
-                                            <p:strVal val="1+#ppt_h/2"/>
-                                          </p:val>
-                                        </p:tav>
-                                        <p:tav tm="100000">
-                                          <p:val>
-                                            <p:strVal val="#ppt_y"/>
-                                          </p:val>
-                                        </p:tav>
-                                      </p:tavLst>
-                                    </p:anim>
-                                  </p:childTnLst>
-                                </p:cTn>
-                              </p:par>
-                              <p:par>
-                                <p:cTn id="27" presetID="2" presetClass="entr" presetSubtype="4" fill="hold" grpId="0" nodeType="withEffect">
-                                  <p:stCondLst>
-                                    <p:cond delay="0"/>
-                                  </p:stCondLst>
-                                  <p:childTnLst>
-                                    <p:set>
-                                      <p:cBhvr>
-                                        <p:cTn id="28" dur="1" fill="hold">
-                                          <p:stCondLst>
-                                            <p:cond delay="0"/>
-                                          </p:stCondLst>
-                                        </p:cTn>
-                                        <p:tgtEl>
-                                          <p:spTgt spid="14"/>
-                                        </p:tgtEl>
-                                        <p:attrNameLst>
-                                          <p:attrName>style.visibility</p:attrName>
-                                        </p:attrNameLst>
-                                      </p:cBhvr>
-                                      <p:to>
-                                        <p:strVal val="visible"/>
-                                      </p:to>
-                                    </p:set>
-                                    <p:anim calcmode="lin" valueType="num">
-                                      <p:cBhvr additive="base">
-                                        <p:cTn id="29" dur="500" fill="hold"/>
-                                        <p:tgtEl>
-                                          <p:spTgt spid="14"/>
-                                        </p:tgtEl>
-                                        <p:attrNameLst>
-                                          <p:attrName>ppt_x</p:attrName>
-                                        </p:attrNameLst>
-                                      </p:cBhvr>
-                                      <p:tavLst>
-                                        <p:tav tm="0">
-                                          <p:val>
-                                            <p:strVal val="#ppt_x"/>
-                                          </p:val>
-                                        </p:tav>
-                                        <p:tav tm="100000">
-                                          <p:val>
-                                            <p:strVal val="#ppt_x"/>
-                                          </p:val>
-                                        </p:tav>
-                                      </p:tavLst>
-                                    </p:anim>
-                                    <p:anim calcmode="lin" valueType="num">
-                                      <p:cBhvr additive="base">
-                                        <p:cTn id="30" dur="500" fill="hold"/>
-                                        <p:tgtEl>
-                                          <p:spTgt spid="14"/>
-                                        </p:tgtEl>
-                                        <p:attrNameLst>
-                                          <p:attrName>ppt_y</p:attrName>
-                                        </p:attrNameLst>
-                                      </p:cBhvr>
-                                      <p:tavLst>
-                                        <p:tav tm="0">
-                                          <p:val>
-                                            <p:strVal val="1+#ppt_h/2"/>
-                                          </p:val>
-                                        </p:tav>
-                                        <p:tav tm="100000">
-                                          <p:val>
-                                            <p:strVal val="#ppt_y"/>
-                                          </p:val>
-                                        </p:tav>
-                                      </p:tavLst>
-                                    </p:anim>
-                                  </p:childTnLst>
-                                </p:cTn>
-                              </p:par>
-                              <p:par>
-                                <p:cTn id="31" presetID="2" presetClass="entr" presetSubtype="4" fill="hold" grpId="0" nodeType="withEffect">
-                                  <p:stCondLst>
-                                    <p:cond delay="0"/>
-                                  </p:stCondLst>
-                                  <p:childTnLst>
-                                    <p:set>
-                                      <p:cBhvr>
-                                        <p:cTn id="32" dur="1" fill="hold">
-                                          <p:stCondLst>
-                                            <p:cond delay="0"/>
-                                          </p:stCondLst>
-                                        </p:cTn>
-                                        <p:tgtEl>
-                                          <p:spTgt spid="15"/>
-                                        </p:tgtEl>
-                                        <p:attrNameLst>
-                                          <p:attrName>style.visibility</p:attrName>
-                                        </p:attrNameLst>
-                                      </p:cBhvr>
-                                      <p:to>
-                                        <p:strVal val="visible"/>
-                                      </p:to>
-                                    </p:set>
-                                    <p:anim calcmode="lin" valueType="num">
-                                      <p:cBhvr additive="base">
-                                        <p:cTn id="33" dur="500" fill="hold"/>
-                                        <p:tgtEl>
-                                          <p:spTgt spid="15"/>
-                                        </p:tgtEl>
-                                        <p:attrNameLst>
-                                          <p:attrName>ppt_x</p:attrName>
-                                        </p:attrNameLst>
-                                      </p:cBhvr>
-                                      <p:tavLst>
-                                        <p:tav tm="0">
-                                          <p:val>
-                                            <p:strVal val="#ppt_x"/>
-                                          </p:val>
-                                        </p:tav>
-                                        <p:tav tm="100000">
-                                          <p:val>
-                                            <p:strVal val="#ppt_x"/>
-                                          </p:val>
-                                        </p:tav>
-                                      </p:tavLst>
-                                    </p:anim>
-                                    <p:anim calcmode="lin" valueType="num">
-                                      <p:cBhvr additive="base">
-                                        <p:cTn id="34" dur="500" fill="hold"/>
-                                        <p:tgtEl>
-                                          <p:spTgt spid="15"/>
+                                        <p:cTn id="14" dur="500" fill="hold"/>
+                                        <p:tgtEl>
+                                          <p:spTgt spid="25"/>
                                         </p:tgtEl>
                                         <p:attrNameLst>
                                           <p:attrName>ppt_y</p:attrName>
@@ -19389,19 +21380,384 @@
                     </p:cTn>
                   </p:par>
                   <p:par>
-                    <p:cTn id="35" fill="hold">
+                    <p:cTn id="15" fill="hold">
                       <p:stCondLst>
                         <p:cond delay="indefinite"/>
                       </p:stCondLst>
                       <p:childTnLst>
                         <p:par>
-                          <p:cTn id="36" fill="hold">
+                          <p:cTn id="16" fill="hold">
                             <p:stCondLst>
                               <p:cond delay="0"/>
                             </p:stCondLst>
                             <p:childTnLst>
                               <p:par>
-                                <p:cTn id="37" presetID="2" presetClass="entr" presetSubtype="4" fill="hold" grpId="0" nodeType="clickEffect">
+                                <p:cTn id="17" presetID="2" presetClass="entr" presetSubtype="4" fill="hold" grpId="0" nodeType="clickEffect">
+                                  <p:stCondLst>
+                                    <p:cond delay="0"/>
+                                  </p:stCondLst>
+                                  <p:childTnLst>
+                                    <p:set>
+                                      <p:cBhvr>
+                                        <p:cTn id="18" dur="1" fill="hold">
+                                          <p:stCondLst>
+                                            <p:cond delay="0"/>
+                                          </p:stCondLst>
+                                        </p:cTn>
+                                        <p:tgtEl>
+                                          <p:spTgt spid="26"/>
+                                        </p:tgtEl>
+                                        <p:attrNameLst>
+                                          <p:attrName>style.visibility</p:attrName>
+                                        </p:attrNameLst>
+                                      </p:cBhvr>
+                                      <p:to>
+                                        <p:strVal val="visible"/>
+                                      </p:to>
+                                    </p:set>
+                                    <p:anim calcmode="lin" valueType="num">
+                                      <p:cBhvr additive="base">
+                                        <p:cTn id="19" dur="500" fill="hold"/>
+                                        <p:tgtEl>
+                                          <p:spTgt spid="26"/>
+                                        </p:tgtEl>
+                                        <p:attrNameLst>
+                                          <p:attrName>ppt_x</p:attrName>
+                                        </p:attrNameLst>
+                                      </p:cBhvr>
+                                      <p:tavLst>
+                                        <p:tav tm="0">
+                                          <p:val>
+                                            <p:strVal val="#ppt_x"/>
+                                          </p:val>
+                                        </p:tav>
+                                        <p:tav tm="100000">
+                                          <p:val>
+                                            <p:strVal val="#ppt_x"/>
+                                          </p:val>
+                                        </p:tav>
+                                      </p:tavLst>
+                                    </p:anim>
+                                    <p:anim calcmode="lin" valueType="num">
+                                      <p:cBhvr additive="base">
+                                        <p:cTn id="20" dur="500" fill="hold"/>
+                                        <p:tgtEl>
+                                          <p:spTgt spid="26"/>
+                                        </p:tgtEl>
+                                        <p:attrNameLst>
+                                          <p:attrName>ppt_y</p:attrName>
+                                        </p:attrNameLst>
+                                      </p:cBhvr>
+                                      <p:tavLst>
+                                        <p:tav tm="0">
+                                          <p:val>
+                                            <p:strVal val="1+#ppt_h/2"/>
+                                          </p:val>
+                                        </p:tav>
+                                        <p:tav tm="100000">
+                                          <p:val>
+                                            <p:strVal val="#ppt_y"/>
+                                          </p:val>
+                                        </p:tav>
+                                      </p:tavLst>
+                                    </p:anim>
+                                  </p:childTnLst>
+                                </p:cTn>
+                              </p:par>
+                              <p:par>
+                                <p:cTn id="21" presetID="2" presetClass="entr" presetSubtype="4" fill="hold" grpId="0" nodeType="withEffect">
+                                  <p:stCondLst>
+                                    <p:cond delay="0"/>
+                                  </p:stCondLst>
+                                  <p:childTnLst>
+                                    <p:set>
+                                      <p:cBhvr>
+                                        <p:cTn id="22" dur="1" fill="hold">
+                                          <p:stCondLst>
+                                            <p:cond delay="0"/>
+                                          </p:stCondLst>
+                                        </p:cTn>
+                                        <p:tgtEl>
+                                          <p:spTgt spid="27"/>
+                                        </p:tgtEl>
+                                        <p:attrNameLst>
+                                          <p:attrName>style.visibility</p:attrName>
+                                        </p:attrNameLst>
+                                      </p:cBhvr>
+                                      <p:to>
+                                        <p:strVal val="visible"/>
+                                      </p:to>
+                                    </p:set>
+                                    <p:anim calcmode="lin" valueType="num">
+                                      <p:cBhvr additive="base">
+                                        <p:cTn id="23" dur="500" fill="hold"/>
+                                        <p:tgtEl>
+                                          <p:spTgt spid="27"/>
+                                        </p:tgtEl>
+                                        <p:attrNameLst>
+                                          <p:attrName>ppt_x</p:attrName>
+                                        </p:attrNameLst>
+                                      </p:cBhvr>
+                                      <p:tavLst>
+                                        <p:tav tm="0">
+                                          <p:val>
+                                            <p:strVal val="#ppt_x"/>
+                                          </p:val>
+                                        </p:tav>
+                                        <p:tav tm="100000">
+                                          <p:val>
+                                            <p:strVal val="#ppt_x"/>
+                                          </p:val>
+                                        </p:tav>
+                                      </p:tavLst>
+                                    </p:anim>
+                                    <p:anim calcmode="lin" valueType="num">
+                                      <p:cBhvr additive="base">
+                                        <p:cTn id="24" dur="500" fill="hold"/>
+                                        <p:tgtEl>
+                                          <p:spTgt spid="27"/>
+                                        </p:tgtEl>
+                                        <p:attrNameLst>
+                                          <p:attrName>ppt_y</p:attrName>
+                                        </p:attrNameLst>
+                                      </p:cBhvr>
+                                      <p:tavLst>
+                                        <p:tav tm="0">
+                                          <p:val>
+                                            <p:strVal val="1+#ppt_h/2"/>
+                                          </p:val>
+                                        </p:tav>
+                                        <p:tav tm="100000">
+                                          <p:val>
+                                            <p:strVal val="#ppt_y"/>
+                                          </p:val>
+                                        </p:tav>
+                                      </p:tavLst>
+                                    </p:anim>
+                                  </p:childTnLst>
+                                </p:cTn>
+                              </p:par>
+                              <p:par>
+                                <p:cTn id="25" presetID="2" presetClass="entr" presetSubtype="4" fill="hold" nodeType="withEffect">
+                                  <p:stCondLst>
+                                    <p:cond delay="0"/>
+                                  </p:stCondLst>
+                                  <p:childTnLst>
+                                    <p:set>
+                                      <p:cBhvr>
+                                        <p:cTn id="26" dur="1" fill="hold">
+                                          <p:stCondLst>
+                                            <p:cond delay="0"/>
+                                          </p:stCondLst>
+                                        </p:cTn>
+                                        <p:tgtEl>
+                                          <p:spTgt spid="28"/>
+                                        </p:tgtEl>
+                                        <p:attrNameLst>
+                                          <p:attrName>style.visibility</p:attrName>
+                                        </p:attrNameLst>
+                                      </p:cBhvr>
+                                      <p:to>
+                                        <p:strVal val="visible"/>
+                                      </p:to>
+                                    </p:set>
+                                    <p:anim calcmode="lin" valueType="num">
+                                      <p:cBhvr additive="base">
+                                        <p:cTn id="27" dur="500" fill="hold"/>
+                                        <p:tgtEl>
+                                          <p:spTgt spid="28"/>
+                                        </p:tgtEl>
+                                        <p:attrNameLst>
+                                          <p:attrName>ppt_x</p:attrName>
+                                        </p:attrNameLst>
+                                      </p:cBhvr>
+                                      <p:tavLst>
+                                        <p:tav tm="0">
+                                          <p:val>
+                                            <p:strVal val="#ppt_x"/>
+                                          </p:val>
+                                        </p:tav>
+                                        <p:tav tm="100000">
+                                          <p:val>
+                                            <p:strVal val="#ppt_x"/>
+                                          </p:val>
+                                        </p:tav>
+                                      </p:tavLst>
+                                    </p:anim>
+                                    <p:anim calcmode="lin" valueType="num">
+                                      <p:cBhvr additive="base">
+                                        <p:cTn id="28" dur="500" fill="hold"/>
+                                        <p:tgtEl>
+                                          <p:spTgt spid="28"/>
+                                        </p:tgtEl>
+                                        <p:attrNameLst>
+                                          <p:attrName>ppt_y</p:attrName>
+                                        </p:attrNameLst>
+                                      </p:cBhvr>
+                                      <p:tavLst>
+                                        <p:tav tm="0">
+                                          <p:val>
+                                            <p:strVal val="1+#ppt_h/2"/>
+                                          </p:val>
+                                        </p:tav>
+                                        <p:tav tm="100000">
+                                          <p:val>
+                                            <p:strVal val="#ppt_y"/>
+                                          </p:val>
+                                        </p:tav>
+                                      </p:tavLst>
+                                    </p:anim>
+                                  </p:childTnLst>
+                                </p:cTn>
+                              </p:par>
+                              <p:par>
+                                <p:cTn id="29" presetID="2" presetClass="entr" presetSubtype="4" fill="hold" grpId="0" nodeType="withEffect">
+                                  <p:stCondLst>
+                                    <p:cond delay="0"/>
+                                  </p:stCondLst>
+                                  <p:childTnLst>
+                                    <p:set>
+                                      <p:cBhvr>
+                                        <p:cTn id="30" dur="1" fill="hold">
+                                          <p:stCondLst>
+                                            <p:cond delay="0"/>
+                                          </p:stCondLst>
+                                        </p:cTn>
+                                        <p:tgtEl>
+                                          <p:spTgt spid="29"/>
+                                        </p:tgtEl>
+                                        <p:attrNameLst>
+                                          <p:attrName>style.visibility</p:attrName>
+                                        </p:attrNameLst>
+                                      </p:cBhvr>
+                                      <p:to>
+                                        <p:strVal val="visible"/>
+                                      </p:to>
+                                    </p:set>
+                                    <p:anim calcmode="lin" valueType="num">
+                                      <p:cBhvr additive="base">
+                                        <p:cTn id="31" dur="500" fill="hold"/>
+                                        <p:tgtEl>
+                                          <p:spTgt spid="29"/>
+                                        </p:tgtEl>
+                                        <p:attrNameLst>
+                                          <p:attrName>ppt_x</p:attrName>
+                                        </p:attrNameLst>
+                                      </p:cBhvr>
+                                      <p:tavLst>
+                                        <p:tav tm="0">
+                                          <p:val>
+                                            <p:strVal val="#ppt_x"/>
+                                          </p:val>
+                                        </p:tav>
+                                        <p:tav tm="100000">
+                                          <p:val>
+                                            <p:strVal val="#ppt_x"/>
+                                          </p:val>
+                                        </p:tav>
+                                      </p:tavLst>
+                                    </p:anim>
+                                    <p:anim calcmode="lin" valueType="num">
+                                      <p:cBhvr additive="base">
+                                        <p:cTn id="32" dur="500" fill="hold"/>
+                                        <p:tgtEl>
+                                          <p:spTgt spid="29"/>
+                                        </p:tgtEl>
+                                        <p:attrNameLst>
+                                          <p:attrName>ppt_y</p:attrName>
+                                        </p:attrNameLst>
+                                      </p:cBhvr>
+                                      <p:tavLst>
+                                        <p:tav tm="0">
+                                          <p:val>
+                                            <p:strVal val="1+#ppt_h/2"/>
+                                          </p:val>
+                                        </p:tav>
+                                        <p:tav tm="100000">
+                                          <p:val>
+                                            <p:strVal val="#ppt_y"/>
+                                          </p:val>
+                                        </p:tav>
+                                      </p:tavLst>
+                                    </p:anim>
+                                  </p:childTnLst>
+                                </p:cTn>
+                              </p:par>
+                              <p:par>
+                                <p:cTn id="33" presetID="2" presetClass="entr" presetSubtype="4" fill="hold" nodeType="withEffect">
+                                  <p:stCondLst>
+                                    <p:cond delay="0"/>
+                                  </p:stCondLst>
+                                  <p:childTnLst>
+                                    <p:set>
+                                      <p:cBhvr>
+                                        <p:cTn id="34" dur="1" fill="hold">
+                                          <p:stCondLst>
+                                            <p:cond delay="0"/>
+                                          </p:stCondLst>
+                                        </p:cTn>
+                                        <p:tgtEl>
+                                          <p:spTgt spid="30"/>
+                                        </p:tgtEl>
+                                        <p:attrNameLst>
+                                          <p:attrName>style.visibility</p:attrName>
+                                        </p:attrNameLst>
+                                      </p:cBhvr>
+                                      <p:to>
+                                        <p:strVal val="visible"/>
+                                      </p:to>
+                                    </p:set>
+                                    <p:anim calcmode="lin" valueType="num">
+                                      <p:cBhvr additive="base">
+                                        <p:cTn id="35" dur="500" fill="hold"/>
+                                        <p:tgtEl>
+                                          <p:spTgt spid="30"/>
+                                        </p:tgtEl>
+                                        <p:attrNameLst>
+                                          <p:attrName>ppt_x</p:attrName>
+                                        </p:attrNameLst>
+                                      </p:cBhvr>
+                                      <p:tavLst>
+                                        <p:tav tm="0">
+                                          <p:val>
+                                            <p:strVal val="#ppt_x"/>
+                                          </p:val>
+                                        </p:tav>
+                                        <p:tav tm="100000">
+                                          <p:val>
+                                            <p:strVal val="#ppt_x"/>
+                                          </p:val>
+                                        </p:tav>
+                                      </p:tavLst>
+                                    </p:anim>
+                                    <p:anim calcmode="lin" valueType="num">
+                                      <p:cBhvr additive="base">
+                                        <p:cTn id="36" dur="500" fill="hold"/>
+                                        <p:tgtEl>
+                                          <p:spTgt spid="30"/>
+                                        </p:tgtEl>
+                                        <p:attrNameLst>
+                                          <p:attrName>ppt_y</p:attrName>
+                                        </p:attrNameLst>
+                                      </p:cBhvr>
+                                      <p:tavLst>
+                                        <p:tav tm="0">
+                                          <p:val>
+                                            <p:strVal val="1+#ppt_h/2"/>
+                                          </p:val>
+                                        </p:tav>
+                                        <p:tav tm="100000">
+                                          <p:val>
+                                            <p:strVal val="#ppt_y"/>
+                                          </p:val>
+                                        </p:tav>
+                                      </p:tavLst>
+                                    </p:anim>
+                                  </p:childTnLst>
+                                </p:cTn>
+                              </p:par>
+                              <p:par>
+                                <p:cTn id="37" presetID="2" presetClass="entr" presetSubtype="4" fill="hold" grpId="0" nodeType="withEffect">
                                   <p:stCondLst>
                                     <p:cond delay="0"/>
                                   </p:stCondLst>
@@ -19414,7 +21770,7 @@
                                           </p:stCondLst>
                                         </p:cTn>
                                         <p:tgtEl>
-                                          <p:spTgt spid="16"/>
+                                          <p:spTgt spid="31"/>
                                         </p:tgtEl>
                                         <p:attrNameLst>
                                           <p:attrName>style.visibility</p:attrName>
@@ -19428,7 +21784,7 @@
                                       <p:cBhvr additive="base">
                                         <p:cTn id="39" dur="500" fill="hold"/>
                                         <p:tgtEl>
-                                          <p:spTgt spid="16"/>
+                                          <p:spTgt spid="31"/>
                                         </p:tgtEl>
                                         <p:attrNameLst>
                                           <p:attrName>ppt_x</p:attrName>
@@ -19451,7 +21807,7 @@
                                       <p:cBhvr additive="base">
                                         <p:cTn id="40" dur="500" fill="hold"/>
                                         <p:tgtEl>
-                                          <p:spTgt spid="16"/>
+                                          <p:spTgt spid="31"/>
                                         </p:tgtEl>
                                         <p:attrNameLst>
                                           <p:attrName>ppt_y</p:attrName>
@@ -19487,7 +21843,7 @@
                                           </p:stCondLst>
                                         </p:cTn>
                                         <p:tgtEl>
-                                          <p:spTgt spid="20"/>
+                                          <p:spTgt spid="32"/>
                                         </p:tgtEl>
                                         <p:attrNameLst>
                                           <p:attrName>style.visibility</p:attrName>
@@ -19501,7 +21857,7 @@
                                       <p:cBhvr additive="base">
                                         <p:cTn id="43" dur="500" fill="hold"/>
                                         <p:tgtEl>
-                                          <p:spTgt spid="20"/>
+                                          <p:spTgt spid="32"/>
                                         </p:tgtEl>
                                         <p:attrNameLst>
                                           <p:attrName>ppt_x</p:attrName>
@@ -19524,7 +21880,80 @@
                                       <p:cBhvr additive="base">
                                         <p:cTn id="44" dur="500" fill="hold"/>
                                         <p:tgtEl>
-                                          <p:spTgt spid="20"/>
+                                          <p:spTgt spid="32"/>
+                                        </p:tgtEl>
+                                        <p:attrNameLst>
+                                          <p:attrName>ppt_y</p:attrName>
+                                        </p:attrNameLst>
+                                      </p:cBhvr>
+                                      <p:tavLst>
+                                        <p:tav tm="0">
+                                          <p:val>
+                                            <p:strVal val="1+#ppt_h/2"/>
+                                          </p:val>
+                                        </p:tav>
+                                        <p:tav tm="100000">
+                                          <p:val>
+                                            <p:strVal val="#ppt_y"/>
+                                          </p:val>
+                                        </p:tav>
+                                      </p:tavLst>
+                                    </p:anim>
+                                  </p:childTnLst>
+                                </p:cTn>
+                              </p:par>
+                              <p:par>
+                                <p:cTn id="45" presetID="2" presetClass="entr" presetSubtype="4" fill="hold" grpId="0" nodeType="withEffect">
+                                  <p:stCondLst>
+                                    <p:cond delay="0"/>
+                                  </p:stCondLst>
+                                  <p:childTnLst>
+                                    <p:set>
+                                      <p:cBhvr>
+                                        <p:cTn id="46" dur="1" fill="hold">
+                                          <p:stCondLst>
+                                            <p:cond delay="0"/>
+                                          </p:stCondLst>
+                                        </p:cTn>
+                                        <p:tgtEl>
+                                          <p:spTgt spid="34"/>
+                                        </p:tgtEl>
+                                        <p:attrNameLst>
+                                          <p:attrName>style.visibility</p:attrName>
+                                        </p:attrNameLst>
+                                      </p:cBhvr>
+                                      <p:to>
+                                        <p:strVal val="visible"/>
+                                      </p:to>
+                                    </p:set>
+                                    <p:anim calcmode="lin" valueType="num">
+                                      <p:cBhvr additive="base">
+                                        <p:cTn id="47" dur="500" fill="hold"/>
+                                        <p:tgtEl>
+                                          <p:spTgt spid="34"/>
+                                        </p:tgtEl>
+                                        <p:attrNameLst>
+                                          <p:attrName>ppt_x</p:attrName>
+                                        </p:attrNameLst>
+                                      </p:cBhvr>
+                                      <p:tavLst>
+                                        <p:tav tm="0">
+                                          <p:val>
+                                            <p:strVal val="#ppt_x"/>
+                                          </p:val>
+                                        </p:tav>
+                                        <p:tav tm="100000">
+                                          <p:val>
+                                            <p:strVal val="#ppt_x"/>
+                                          </p:val>
+                                        </p:tav>
+                                      </p:tavLst>
+                                    </p:anim>
+                                    <p:anim calcmode="lin" valueType="num">
+                                      <p:cBhvr additive="base">
+                                        <p:cTn id="48" dur="500" fill="hold"/>
+                                        <p:tgtEl>
+                                          <p:spTgt spid="34"/>
                                         </p:tgtEl>
                                         <p:attrNameLst>
                                           <p:attrName>ppt_y</p:attrName>
@@ -19553,92 +21982,19 @@
                     </p:cTn>
                   </p:par>
                   <p:par>
-                    <p:cTn id="45" fill="hold">
+                    <p:cTn id="49" fill="hold">
                       <p:stCondLst>
                         <p:cond delay="indefinite"/>
                       </p:stCondLst>
                       <p:childTnLst>
                         <p:par>
-                          <p:cTn id="46" fill="hold">
+                          <p:cTn id="50" fill="hold">
                             <p:stCondLst>
                               <p:cond delay="0"/>
                             </p:stCondLst>
                             <p:childTnLst>
                               <p:par>
-                                <p:cTn id="47" presetID="2" presetClass="entr" presetSubtype="4" fill="hold" grpId="0" nodeType="clickEffect">
-                                  <p:stCondLst>
-                                    <p:cond delay="0"/>
-                                  </p:stCondLst>
-                                  <p:childTnLst>
-                                    <p:set>
-                                      <p:cBhvr>
-                                        <p:cTn id="48" dur="1" fill="hold">
-                                          <p:stCondLst>
-                                            <p:cond delay="0"/>
-                                          </p:stCondLst>
-                                        </p:cTn>
-                                        <p:tgtEl>
-                                          <p:spTgt spid="23"/>
-                                        </p:tgtEl>
-                                        <p:attrNameLst>
-                                          <p:attrName>style.visibility</p:attrName>
-                                        </p:attrNameLst>
-                                      </p:cBhvr>
-                                      <p:to>
-                                        <p:strVal val="visible"/>
-                                      </p:to>
-                                    </p:set>
-                                    <p:anim calcmode="lin" valueType="num">
-                                      <p:cBhvr additive="base">
-                                        <p:cTn id="49" dur="500" fill="hold"/>
-                                        <p:tgtEl>
-                                          <p:spTgt spid="23"/>
-                                        </p:tgtEl>
-                                        <p:attrNameLst>
-                                          <p:attrName>ppt_x</p:attrName>
-                                        </p:attrNameLst>
-                                      </p:cBhvr>
-                                      <p:tavLst>
-                                        <p:tav tm="0">
-                                          <p:val>
-                                            <p:strVal val="#ppt_x"/>
-                                          </p:val>
-                                        </p:tav>
-                                        <p:tav tm="100000">
-                                          <p:val>
-                                            <p:strVal val="#ppt_x"/>
-                                          </p:val>
-                                        </p:tav>
-                                      </p:tavLst>
-                                    </p:anim>
-                                    <p:anim calcmode="lin" valueType="num">
-                                      <p:cBhvr additive="base">
-                                        <p:cTn id="50" dur="500" fill="hold"/>
-                                        <p:tgtEl>
-                                          <p:spTgt spid="23"/>
-                                        </p:tgtEl>
-                                        <p:attrNameLst>
-                                          <p:attrName>ppt_y</p:attrName>
-                                        </p:attrNameLst>
-                                      </p:cBhvr>
-                                      <p:tavLst>
-                                        <p:tav tm="0">
-                                          <p:val>
-                                            <p:strVal val="1+#ppt_h/2"/>
-                                          </p:val>
-                                        </p:tav>
-                                        <p:tav tm="100000">
-                                          <p:val>
-                                            <p:strVal val="#ppt_y"/>
-                                          </p:val>
-                                        </p:tav>
-                                      </p:tavLst>
-                                    </p:anim>
-                                  </p:childTnLst>
-                                </p:cTn>
-                              </p:par>
-                              <p:par>
-                                <p:cTn id="51" presetID="2" presetClass="entr" presetSubtype="4" fill="hold" nodeType="withEffect">
+                                <p:cTn id="51" presetID="2" presetClass="entr" presetSubtype="4" fill="hold" grpId="0" nodeType="clickEffect">
                                   <p:stCondLst>
                                     <p:cond delay="0"/>
                                   </p:stCondLst>
@@ -19651,7 +22007,7 @@
                                           </p:stCondLst>
                                         </p:cTn>
                                         <p:tgtEl>
-                                          <p:spTgt spid="22"/>
+                                          <p:spTgt spid="36"/>
                                         </p:tgtEl>
                                         <p:attrNameLst>
                                           <p:attrName>style.visibility</p:attrName>
@@ -19665,7 +22021,7 @@
                                       <p:cBhvr additive="base">
                                         <p:cTn id="53" dur="500" fill="hold"/>
                                         <p:tgtEl>
-                                          <p:spTgt spid="22"/>
+                                          <p:spTgt spid="36"/>
                                         </p:tgtEl>
                                         <p:attrNameLst>
                                           <p:attrName>ppt_x</p:attrName>
@@ -19688,7 +22044,7 @@
                                       <p:cBhvr additive="base">
                                         <p:cTn id="54" dur="500" fill="hold"/>
                                         <p:tgtEl>
-                                          <p:spTgt spid="22"/>
+                                          <p:spTgt spid="36"/>
                                         </p:tgtEl>
                                         <p:attrNameLst>
                                           <p:attrName>ppt_y</p:attrName>
@@ -19711,7 +22067,7 @@
                                 </p:cTn>
                               </p:par>
                               <p:par>
-                                <p:cTn id="55" presetID="2" presetClass="entr" presetSubtype="4" fill="hold" grpId="0" nodeType="withEffect">
+                                <p:cTn id="55" presetID="2" presetClass="entr" presetSubtype="4" fill="hold" nodeType="withEffect">
                                   <p:stCondLst>
                                     <p:cond delay="0"/>
                                   </p:stCondLst>
@@ -19724,7 +22080,7 @@
                                           </p:stCondLst>
                                         </p:cTn>
                                         <p:tgtEl>
-                                          <p:spTgt spid="21"/>
+                                          <p:spTgt spid="35"/>
                                         </p:tgtEl>
                                         <p:attrNameLst>
                                           <p:attrName>style.visibility</p:attrName>
@@ -19738,7 +22094,7 @@
                                       <p:cBhvr additive="base">
                                         <p:cTn id="57" dur="500" fill="hold"/>
                                         <p:tgtEl>
-                                          <p:spTgt spid="21"/>
+                                          <p:spTgt spid="35"/>
                                         </p:tgtEl>
                                         <p:attrNameLst>
                                           <p:attrName>ppt_x</p:attrName>
@@ -19761,7 +22117,7 @@
                                       <p:cBhvr additive="base">
                                         <p:cTn id="58" dur="500" fill="hold"/>
                                         <p:tgtEl>
-                                          <p:spTgt spid="21"/>
+                                          <p:spTgt spid="35"/>
                                         </p:tgtEl>
                                         <p:attrNameLst>
                                           <p:attrName>ppt_y</p:attrName>
@@ -19811,15 +22167,15 @@
       </p:par>
     </p:tnLst>
     <p:bldLst>
-      <p:bldP spid="4" grpId="0" animBg="1"/>
-      <p:bldP spid="8" grpId="0"/>
-      <p:bldP spid="11" grpId="0" animBg="1"/>
-      <p:bldP spid="14" grpId="0"/>
-      <p:bldP spid="15" grpId="0"/>
-      <p:bldP spid="16" grpId="0" animBg="1"/>
-      <p:bldP spid="20" grpId="0"/>
-      <p:bldP spid="21" grpId="0" animBg="1"/>
-      <p:bldP spid="23" grpId="0"/>
+      <p:bldP spid="24" grpId="0" animBg="1"/>
+      <p:bldP spid="25" grpId="0" animBg="1"/>
+      <p:bldP spid="26" grpId="0" animBg="1"/>
+      <p:bldP spid="27" grpId="0" animBg="1"/>
+      <p:bldP spid="29" grpId="0"/>
+      <p:bldP spid="31" grpId="0"/>
+      <p:bldP spid="32" grpId="0"/>
+      <p:bldP spid="34" grpId="0"/>
+      <p:bldP spid="36" grpId="0"/>
     </p:bldLst>
   </p:timing>
 </p:sld>
